--- a/docs_prep/Modular_Graphs.pptx
+++ b/docs_prep/Modular_Graphs.pptx
@@ -13,6 +13,7 @@
     <p:sldId id="276" r:id="rId7"/>
     <p:sldId id="277" r:id="rId8"/>
     <p:sldId id="278" r:id="rId9"/>
+    <p:sldId id="279" r:id="rId10"/>
   </p:sldIdLst>
   <p:sldSz cx="12192000" cy="6858000"/>
   <p:notesSz cx="6858000" cy="9144000"/>
@@ -266,7 +267,7 @@
           <a:p>
             <a:fld id="{49E31208-00E8-43C3-A95A-0E614D5B53C4}" type="datetimeFigureOut">
               <a:rPr lang="en-US" smtClean="0"/>
-              <a:t>1/24/2022</a:t>
+              <a:t>2/15/2022</a:t>
             </a:fld>
             <a:endParaRPr lang="en-US"/>
           </a:p>
@@ -464,7 +465,7 @@
           <a:p>
             <a:fld id="{49E31208-00E8-43C3-A95A-0E614D5B53C4}" type="datetimeFigureOut">
               <a:rPr lang="en-US" smtClean="0"/>
-              <a:t>1/24/2022</a:t>
+              <a:t>2/15/2022</a:t>
             </a:fld>
             <a:endParaRPr lang="en-US"/>
           </a:p>
@@ -672,7 +673,7 @@
           <a:p>
             <a:fld id="{49E31208-00E8-43C3-A95A-0E614D5B53C4}" type="datetimeFigureOut">
               <a:rPr lang="en-US" smtClean="0"/>
-              <a:t>1/24/2022</a:t>
+              <a:t>2/15/2022</a:t>
             </a:fld>
             <a:endParaRPr lang="en-US"/>
           </a:p>
@@ -894,7 +895,7 @@
           <a:p>
             <a:fld id="{EF7DC989-2EC8-4025-8F60-6A783F1E23EA}" type="datetimeFigureOut">
               <a:rPr lang="nl-NL" smtClean="0"/>
-              <a:t>24-1-2022</a:t>
+              <a:t>15-2-2022</a:t>
             </a:fld>
             <a:endParaRPr lang="nl-NL"/>
           </a:p>
@@ -1094,7 +1095,7 @@
           <a:p>
             <a:fld id="{EF7DC989-2EC8-4025-8F60-6A783F1E23EA}" type="datetimeFigureOut">
               <a:rPr lang="nl-NL" smtClean="0"/>
-              <a:t>24-1-2022</a:t>
+              <a:t>15-2-2022</a:t>
             </a:fld>
             <a:endParaRPr lang="nl-NL"/>
           </a:p>
@@ -1370,7 +1371,7 @@
           <a:p>
             <a:fld id="{EF7DC989-2EC8-4025-8F60-6A783F1E23EA}" type="datetimeFigureOut">
               <a:rPr lang="nl-NL" smtClean="0"/>
-              <a:t>24-1-2022</a:t>
+              <a:t>15-2-2022</a:t>
             </a:fld>
             <a:endParaRPr lang="nl-NL"/>
           </a:p>
@@ -1638,7 +1639,7 @@
           <a:p>
             <a:fld id="{EF7DC989-2EC8-4025-8F60-6A783F1E23EA}" type="datetimeFigureOut">
               <a:rPr lang="nl-NL" smtClean="0"/>
-              <a:t>24-1-2022</a:t>
+              <a:t>15-2-2022</a:t>
             </a:fld>
             <a:endParaRPr lang="nl-NL"/>
           </a:p>
@@ -2053,7 +2054,7 @@
           <a:p>
             <a:fld id="{EF7DC989-2EC8-4025-8F60-6A783F1E23EA}" type="datetimeFigureOut">
               <a:rPr lang="nl-NL" smtClean="0"/>
-              <a:t>24-1-2022</a:t>
+              <a:t>15-2-2022</a:t>
             </a:fld>
             <a:endParaRPr lang="nl-NL"/>
           </a:p>
@@ -2195,7 +2196,7 @@
           <a:p>
             <a:fld id="{EF7DC989-2EC8-4025-8F60-6A783F1E23EA}" type="datetimeFigureOut">
               <a:rPr lang="nl-NL" smtClean="0"/>
-              <a:t>24-1-2022</a:t>
+              <a:t>15-2-2022</a:t>
             </a:fld>
             <a:endParaRPr lang="nl-NL"/>
           </a:p>
@@ -2308,7 +2309,7 @@
           <a:p>
             <a:fld id="{EF7DC989-2EC8-4025-8F60-6A783F1E23EA}" type="datetimeFigureOut">
               <a:rPr lang="nl-NL" smtClean="0"/>
-              <a:t>24-1-2022</a:t>
+              <a:t>15-2-2022</a:t>
             </a:fld>
             <a:endParaRPr lang="nl-NL"/>
           </a:p>
@@ -2621,7 +2622,7 @@
           <a:p>
             <a:fld id="{EF7DC989-2EC8-4025-8F60-6A783F1E23EA}" type="datetimeFigureOut">
               <a:rPr lang="nl-NL" smtClean="0"/>
-              <a:t>24-1-2022</a:t>
+              <a:t>15-2-2022</a:t>
             </a:fld>
             <a:endParaRPr lang="nl-NL"/>
           </a:p>
@@ -2819,7 +2820,7 @@
           <a:p>
             <a:fld id="{49E31208-00E8-43C3-A95A-0E614D5B53C4}" type="datetimeFigureOut">
               <a:rPr lang="en-US" smtClean="0"/>
-              <a:t>1/24/2022</a:t>
+              <a:t>2/15/2022</a:t>
             </a:fld>
             <a:endParaRPr lang="en-US"/>
           </a:p>
@@ -3112,7 +3113,7 @@
           <a:p>
             <a:fld id="{EF7DC989-2EC8-4025-8F60-6A783F1E23EA}" type="datetimeFigureOut">
               <a:rPr lang="nl-NL" smtClean="0"/>
-              <a:t>24-1-2022</a:t>
+              <a:t>15-2-2022</a:t>
             </a:fld>
             <a:endParaRPr lang="nl-NL"/>
           </a:p>
@@ -3312,7 +3313,7 @@
           <a:p>
             <a:fld id="{EF7DC989-2EC8-4025-8F60-6A783F1E23EA}" type="datetimeFigureOut">
               <a:rPr lang="nl-NL" smtClean="0"/>
-              <a:t>24-1-2022</a:t>
+              <a:t>15-2-2022</a:t>
             </a:fld>
             <a:endParaRPr lang="nl-NL"/>
           </a:p>
@@ -3522,7 +3523,7 @@
           <a:p>
             <a:fld id="{EF7DC989-2EC8-4025-8F60-6A783F1E23EA}" type="datetimeFigureOut">
               <a:rPr lang="nl-NL" smtClean="0"/>
-              <a:t>24-1-2022</a:t>
+              <a:t>15-2-2022</a:t>
             </a:fld>
             <a:endParaRPr lang="nl-NL"/>
           </a:p>
@@ -3797,7 +3798,7 @@
           <a:p>
             <a:fld id="{49E31208-00E8-43C3-A95A-0E614D5B53C4}" type="datetimeFigureOut">
               <a:rPr lang="en-US" smtClean="0"/>
-              <a:t>1/24/2022</a:t>
+              <a:t>2/15/2022</a:t>
             </a:fld>
             <a:endParaRPr lang="en-US"/>
           </a:p>
@@ -4062,7 +4063,7 @@
           <a:p>
             <a:fld id="{49E31208-00E8-43C3-A95A-0E614D5B53C4}" type="datetimeFigureOut">
               <a:rPr lang="en-US" smtClean="0"/>
-              <a:t>1/24/2022</a:t>
+              <a:t>2/15/2022</a:t>
             </a:fld>
             <a:endParaRPr lang="en-US"/>
           </a:p>
@@ -4474,7 +4475,7 @@
           <a:p>
             <a:fld id="{49E31208-00E8-43C3-A95A-0E614D5B53C4}" type="datetimeFigureOut">
               <a:rPr lang="en-US" smtClean="0"/>
-              <a:t>1/24/2022</a:t>
+              <a:t>2/15/2022</a:t>
             </a:fld>
             <a:endParaRPr lang="en-US"/>
           </a:p>
@@ -4615,7 +4616,7 @@
           <a:p>
             <a:fld id="{49E31208-00E8-43C3-A95A-0E614D5B53C4}" type="datetimeFigureOut">
               <a:rPr lang="en-US" smtClean="0"/>
-              <a:t>1/24/2022</a:t>
+              <a:t>2/15/2022</a:t>
             </a:fld>
             <a:endParaRPr lang="en-US"/>
           </a:p>
@@ -4728,7 +4729,7 @@
           <a:p>
             <a:fld id="{49E31208-00E8-43C3-A95A-0E614D5B53C4}" type="datetimeFigureOut">
               <a:rPr lang="en-US" smtClean="0"/>
-              <a:t>1/24/2022</a:t>
+              <a:t>2/15/2022</a:t>
             </a:fld>
             <a:endParaRPr lang="en-US"/>
           </a:p>
@@ -5039,7 +5040,7 @@
           <a:p>
             <a:fld id="{49E31208-00E8-43C3-A95A-0E614D5B53C4}" type="datetimeFigureOut">
               <a:rPr lang="en-US" smtClean="0"/>
-              <a:t>1/24/2022</a:t>
+              <a:t>2/15/2022</a:t>
             </a:fld>
             <a:endParaRPr lang="en-US"/>
           </a:p>
@@ -5327,7 +5328,7 @@
           <a:p>
             <a:fld id="{49E31208-00E8-43C3-A95A-0E614D5B53C4}" type="datetimeFigureOut">
               <a:rPr lang="en-US" smtClean="0"/>
-              <a:t>1/24/2022</a:t>
+              <a:t>2/15/2022</a:t>
             </a:fld>
             <a:endParaRPr lang="en-US"/>
           </a:p>
@@ -5568,7 +5569,7 @@
           <a:p>
             <a:fld id="{49E31208-00E8-43C3-A95A-0E614D5B53C4}" type="datetimeFigureOut">
               <a:rPr lang="en-US" smtClean="0"/>
-              <a:t>1/24/2022</a:t>
+              <a:t>2/15/2022</a:t>
             </a:fld>
             <a:endParaRPr lang="en-US"/>
           </a:p>
@@ -6141,7 +6142,7 @@
           <a:p>
             <a:fld id="{EF7DC989-2EC8-4025-8F60-6A783F1E23EA}" type="datetimeFigureOut">
               <a:rPr lang="nl-NL" smtClean="0"/>
-              <a:t>24-1-2022</a:t>
+              <a:t>15-2-2022</a:t>
             </a:fld>
             <a:endParaRPr lang="nl-NL"/>
           </a:p>
@@ -47754,6 +47755,5568 @@
 </p:sld>
 </file>
 
+<file path=ppt/slides/slide8.xml><?xml version="1.0" encoding="utf-8"?>
+<p:sld xmlns:a="http://schemas.openxmlformats.org/drawingml/2006/main" xmlns:r="http://schemas.openxmlformats.org/officeDocument/2006/relationships" xmlns:p="http://schemas.openxmlformats.org/presentationml/2006/main">
+  <p:cSld>
+    <p:spTree>
+      <p:nvGrpSpPr>
+        <p:cNvPr id="1" name=""/>
+        <p:cNvGrpSpPr/>
+        <p:nvPr/>
+      </p:nvGrpSpPr>
+      <p:grpSpPr>
+        <a:xfrm>
+          <a:off x="0" y="0"/>
+          <a:ext cx="0" cy="0"/>
+          <a:chOff x="0" y="0"/>
+          <a:chExt cx="0" cy="0"/>
+        </a:xfrm>
+      </p:grpSpPr>
+      <p:sp>
+        <p:nvSpPr>
+          <p:cNvPr id="151" name="Rectangle 150">
+            <a:extLst>
+              <a:ext uri="{FF2B5EF4-FFF2-40B4-BE49-F238E27FC236}">
+                <a16:creationId xmlns:a16="http://schemas.microsoft.com/office/drawing/2014/main" id="{68722AED-A476-4F39-BD30-512357908EE3}"/>
+              </a:ext>
+            </a:extLst>
+          </p:cNvPr>
+          <p:cNvSpPr/>
+          <p:nvPr/>
+        </p:nvSpPr>
+        <p:spPr>
+          <a:xfrm>
+            <a:off x="7569201" y="773219"/>
+            <a:ext cx="4038600" cy="5630075"/>
+          </a:xfrm>
+          <a:prstGeom prst="rect">
+            <a:avLst/>
+          </a:prstGeom>
+          <a:solidFill>
+            <a:schemeClr val="accent1">
+              <a:lumMod val="20000"/>
+              <a:lumOff val="80000"/>
+            </a:schemeClr>
+          </a:solidFill>
+        </p:spPr>
+        <p:style>
+          <a:lnRef idx="2">
+            <a:schemeClr val="accent1">
+              <a:shade val="50000"/>
+            </a:schemeClr>
+          </a:lnRef>
+          <a:fillRef idx="1">
+            <a:schemeClr val="accent1"/>
+          </a:fillRef>
+          <a:effectRef idx="0">
+            <a:schemeClr val="accent1"/>
+          </a:effectRef>
+          <a:fontRef idx="minor">
+            <a:schemeClr val="lt1"/>
+          </a:fontRef>
+        </p:style>
+        <p:txBody>
+          <a:bodyPr rtlCol="0" anchor="ctr"/>
+          <a:lstStyle/>
+          <a:p>
+            <a:pPr algn="ctr"/>
+            <a:endParaRPr lang="en-US"/>
+          </a:p>
+        </p:txBody>
+      </p:sp>
+      <p:sp>
+        <p:nvSpPr>
+          <p:cNvPr id="45" name="Rectangle 44">
+            <a:extLst>
+              <a:ext uri="{FF2B5EF4-FFF2-40B4-BE49-F238E27FC236}">
+                <a16:creationId xmlns:a16="http://schemas.microsoft.com/office/drawing/2014/main" id="{25887B62-E76B-481B-875D-5C8C7B8776E2}"/>
+              </a:ext>
+            </a:extLst>
+          </p:cNvPr>
+          <p:cNvSpPr/>
+          <p:nvPr/>
+        </p:nvSpPr>
+        <p:spPr>
+          <a:xfrm>
+            <a:off x="266699" y="770683"/>
+            <a:ext cx="7302501" cy="5630075"/>
+          </a:xfrm>
+          <a:prstGeom prst="rect">
+            <a:avLst/>
+          </a:prstGeom>
+          <a:solidFill>
+            <a:schemeClr val="accent5">
+              <a:lumMod val="20000"/>
+              <a:lumOff val="80000"/>
+            </a:schemeClr>
+          </a:solidFill>
+        </p:spPr>
+        <p:style>
+          <a:lnRef idx="2">
+            <a:schemeClr val="accent1">
+              <a:shade val="50000"/>
+            </a:schemeClr>
+          </a:lnRef>
+          <a:fillRef idx="1">
+            <a:schemeClr val="accent1"/>
+          </a:fillRef>
+          <a:effectRef idx="0">
+            <a:schemeClr val="accent1"/>
+          </a:effectRef>
+          <a:fontRef idx="minor">
+            <a:schemeClr val="lt1"/>
+          </a:fontRef>
+        </p:style>
+        <p:txBody>
+          <a:bodyPr rtlCol="0" anchor="ctr"/>
+          <a:lstStyle/>
+          <a:p>
+            <a:pPr algn="ctr"/>
+            <a:endParaRPr lang="en-US"/>
+          </a:p>
+        </p:txBody>
+      </p:sp>
+      <p:pic>
+        <p:nvPicPr>
+          <p:cNvPr id="34" name="Graphic 33" descr="Laptop">
+            <a:extLst>
+              <a:ext uri="{FF2B5EF4-FFF2-40B4-BE49-F238E27FC236}">
+                <a16:creationId xmlns:a16="http://schemas.microsoft.com/office/drawing/2014/main" id="{635579D5-839A-4386-8B7A-433067053F9D}"/>
+              </a:ext>
+            </a:extLst>
+          </p:cNvPr>
+          <p:cNvPicPr>
+            <a:picLocks noChangeAspect="1"/>
+          </p:cNvPicPr>
+          <p:nvPr/>
+        </p:nvPicPr>
+        <p:blipFill>
+          <a:blip r:embed="rId2">
+            <a:extLst>
+              <a:ext uri="{28A0092B-C50C-407E-A947-70E740481C1C}">
+                <a14:useLocalDpi xmlns:a14="http://schemas.microsoft.com/office/drawing/2010/main" val="0"/>
+              </a:ext>
+              <a:ext uri="{96DAC541-7B7A-43D3-8B79-37D633B846F1}">
+                <asvg:svgBlip xmlns:asvg="http://schemas.microsoft.com/office/drawing/2016/SVG/main" r:embed="rId3"/>
+              </a:ext>
+            </a:extLst>
+          </a:blip>
+          <a:stretch>
+            <a:fillRect/>
+          </a:stretch>
+        </p:blipFill>
+        <p:spPr>
+          <a:xfrm>
+            <a:off x="9082144" y="4929249"/>
+            <a:ext cx="914400" cy="914400"/>
+          </a:xfrm>
+          <a:prstGeom prst="rect">
+            <a:avLst/>
+          </a:prstGeom>
+        </p:spPr>
+      </p:pic>
+      <p:pic>
+        <p:nvPicPr>
+          <p:cNvPr id="190" name="Graphic 189" descr="Web design">
+            <a:extLst>
+              <a:ext uri="{FF2B5EF4-FFF2-40B4-BE49-F238E27FC236}">
+                <a16:creationId xmlns:a16="http://schemas.microsoft.com/office/drawing/2014/main" id="{180B3BE3-D8F2-46A4-99AF-FC052E82B2BC}"/>
+              </a:ext>
+            </a:extLst>
+          </p:cNvPr>
+          <p:cNvPicPr>
+            <a:picLocks noChangeAspect="1"/>
+          </p:cNvPicPr>
+          <p:nvPr/>
+        </p:nvPicPr>
+        <p:blipFill>
+          <a:blip r:embed="rId4">
+            <a:extLst>
+              <a:ext uri="{28A0092B-C50C-407E-A947-70E740481C1C}">
+                <a14:useLocalDpi xmlns:a14="http://schemas.microsoft.com/office/drawing/2010/main" val="0"/>
+              </a:ext>
+              <a:ext uri="{96DAC541-7B7A-43D3-8B79-37D633B846F1}">
+                <asvg:svgBlip xmlns:asvg="http://schemas.microsoft.com/office/drawing/2016/SVG/main" r:embed="rId5"/>
+              </a:ext>
+            </a:extLst>
+          </a:blip>
+          <a:stretch>
+            <a:fillRect/>
+          </a:stretch>
+        </p:blipFill>
+        <p:spPr>
+          <a:xfrm>
+            <a:off x="9188955" y="4282134"/>
+            <a:ext cx="684000" cy="684000"/>
+          </a:xfrm>
+          <a:prstGeom prst="rect">
+            <a:avLst/>
+          </a:prstGeom>
+        </p:spPr>
+      </p:pic>
+      <p:sp>
+        <p:nvSpPr>
+          <p:cNvPr id="191" name="TextBox 190">
+            <a:extLst>
+              <a:ext uri="{FF2B5EF4-FFF2-40B4-BE49-F238E27FC236}">
+                <a16:creationId xmlns:a16="http://schemas.microsoft.com/office/drawing/2014/main" id="{D06F15AF-4A8C-4A15-8317-A177DCD2B289}"/>
+              </a:ext>
+            </a:extLst>
+          </p:cNvPr>
+          <p:cNvSpPr txBox="1"/>
+          <p:nvPr/>
+        </p:nvSpPr>
+        <p:spPr>
+          <a:xfrm>
+            <a:off x="9188955" y="4857743"/>
+            <a:ext cx="714852" cy="414570"/>
+          </a:xfrm>
+          <a:prstGeom prst="rect">
+            <a:avLst/>
+          </a:prstGeom>
+        </p:spPr>
+        <p:txBody>
+          <a:bodyPr wrap="none" rtlCol="0">
+            <a:normAutofit/>
+          </a:bodyPr>
+          <a:lstStyle/>
+          <a:p>
+            <a:pPr algn="ctr"/>
+            <a:r>
+              <a:rPr lang="en-US" sz="1200" b="1" dirty="0">
+                <a:solidFill>
+                  <a:schemeClr val="bg1"/>
+                </a:solidFill>
+              </a:rPr>
+              <a:t>GAMS / Python </a:t>
+            </a:r>
+          </a:p>
+        </p:txBody>
+      </p:sp>
+      <p:grpSp>
+        <p:nvGrpSpPr>
+          <p:cNvPr id="49" name="Group 48">
+            <a:extLst>
+              <a:ext uri="{FF2B5EF4-FFF2-40B4-BE49-F238E27FC236}">
+                <a16:creationId xmlns:a16="http://schemas.microsoft.com/office/drawing/2014/main" id="{86B7812A-414C-4267-97C7-BC92B4B9F0BA}"/>
+              </a:ext>
+            </a:extLst>
+          </p:cNvPr>
+          <p:cNvGrpSpPr/>
+          <p:nvPr/>
+        </p:nvGrpSpPr>
+        <p:grpSpPr>
+          <a:xfrm>
+            <a:off x="6336045" y="2823104"/>
+            <a:ext cx="1336164" cy="974184"/>
+            <a:chOff x="7075257" y="961533"/>
+            <a:chExt cx="1336164" cy="974184"/>
+          </a:xfrm>
+        </p:grpSpPr>
+        <p:grpSp>
+          <p:nvGrpSpPr>
+            <p:cNvPr id="194" name="Group 193">
+              <a:extLst>
+                <a:ext uri="{FF2B5EF4-FFF2-40B4-BE49-F238E27FC236}">
+                  <a16:creationId xmlns:a16="http://schemas.microsoft.com/office/drawing/2014/main" id="{6E14FC79-A194-4467-ABFF-64F3864F3CFA}"/>
+                </a:ext>
+              </a:extLst>
+            </p:cNvPr>
+            <p:cNvGrpSpPr/>
+            <p:nvPr/>
+          </p:nvGrpSpPr>
+          <p:grpSpPr>
+            <a:xfrm>
+              <a:off x="7400014" y="961533"/>
+              <a:ext cx="506581" cy="490451"/>
+              <a:chOff x="6635592" y="1932386"/>
+              <a:chExt cx="691875" cy="630139"/>
+            </a:xfrm>
+          </p:grpSpPr>
+          <p:sp>
+            <p:nvSpPr>
+              <p:cNvPr id="195" name="Freeform: Shape 194">
+                <a:extLst>
+                  <a:ext uri="{FF2B5EF4-FFF2-40B4-BE49-F238E27FC236}">
+                    <a16:creationId xmlns:a16="http://schemas.microsoft.com/office/drawing/2014/main" id="{40AFFB4D-FAA3-4DF0-BA23-ADCD43C82436}"/>
+                  </a:ext>
+                </a:extLst>
+              </p:cNvPr>
+              <p:cNvSpPr/>
+              <p:nvPr/>
+            </p:nvSpPr>
+            <p:spPr>
+              <a:xfrm>
+                <a:off x="6774693" y="2046170"/>
+                <a:ext cx="400050" cy="400050"/>
+              </a:xfrm>
+              <a:custGeom>
+                <a:avLst/>
+                <a:gdLst>
+                  <a:gd name="connsiteX0" fmla="*/ 202883 w 400050"/>
+                  <a:gd name="connsiteY0" fmla="*/ 274320 h 400050"/>
+                  <a:gd name="connsiteX1" fmla="*/ 131445 w 400050"/>
+                  <a:gd name="connsiteY1" fmla="*/ 202883 h 400050"/>
+                  <a:gd name="connsiteX2" fmla="*/ 202883 w 400050"/>
+                  <a:gd name="connsiteY2" fmla="*/ 131445 h 400050"/>
+                  <a:gd name="connsiteX3" fmla="*/ 274320 w 400050"/>
+                  <a:gd name="connsiteY3" fmla="*/ 202883 h 400050"/>
+                  <a:gd name="connsiteX4" fmla="*/ 202883 w 400050"/>
+                  <a:gd name="connsiteY4" fmla="*/ 274320 h 400050"/>
+                  <a:gd name="connsiteX5" fmla="*/ 363855 w 400050"/>
+                  <a:gd name="connsiteY5" fmla="*/ 158115 h 400050"/>
+                  <a:gd name="connsiteX6" fmla="*/ 348615 w 400050"/>
+                  <a:gd name="connsiteY6" fmla="*/ 120968 h 400050"/>
+                  <a:gd name="connsiteX7" fmla="*/ 363855 w 400050"/>
+                  <a:gd name="connsiteY7" fmla="*/ 76200 h 400050"/>
+                  <a:gd name="connsiteX8" fmla="*/ 329565 w 400050"/>
+                  <a:gd name="connsiteY8" fmla="*/ 41910 h 400050"/>
+                  <a:gd name="connsiteX9" fmla="*/ 284798 w 400050"/>
+                  <a:gd name="connsiteY9" fmla="*/ 57150 h 400050"/>
+                  <a:gd name="connsiteX10" fmla="*/ 247650 w 400050"/>
+                  <a:gd name="connsiteY10" fmla="*/ 41910 h 400050"/>
+                  <a:gd name="connsiteX11" fmla="*/ 226695 w 400050"/>
+                  <a:gd name="connsiteY11" fmla="*/ 0 h 400050"/>
+                  <a:gd name="connsiteX12" fmla="*/ 179070 w 400050"/>
+                  <a:gd name="connsiteY12" fmla="*/ 0 h 400050"/>
+                  <a:gd name="connsiteX13" fmla="*/ 158115 w 400050"/>
+                  <a:gd name="connsiteY13" fmla="*/ 41910 h 400050"/>
+                  <a:gd name="connsiteX14" fmla="*/ 120968 w 400050"/>
+                  <a:gd name="connsiteY14" fmla="*/ 57150 h 400050"/>
+                  <a:gd name="connsiteX15" fmla="*/ 76200 w 400050"/>
+                  <a:gd name="connsiteY15" fmla="*/ 41910 h 400050"/>
+                  <a:gd name="connsiteX16" fmla="*/ 41910 w 400050"/>
+                  <a:gd name="connsiteY16" fmla="*/ 76200 h 400050"/>
+                  <a:gd name="connsiteX17" fmla="*/ 57150 w 400050"/>
+                  <a:gd name="connsiteY17" fmla="*/ 120968 h 400050"/>
+                  <a:gd name="connsiteX18" fmla="*/ 41910 w 400050"/>
+                  <a:gd name="connsiteY18" fmla="*/ 158115 h 400050"/>
+                  <a:gd name="connsiteX19" fmla="*/ 0 w 400050"/>
+                  <a:gd name="connsiteY19" fmla="*/ 179070 h 400050"/>
+                  <a:gd name="connsiteX20" fmla="*/ 0 w 400050"/>
+                  <a:gd name="connsiteY20" fmla="*/ 226695 h 400050"/>
+                  <a:gd name="connsiteX21" fmla="*/ 41910 w 400050"/>
+                  <a:gd name="connsiteY21" fmla="*/ 247650 h 400050"/>
+                  <a:gd name="connsiteX22" fmla="*/ 57150 w 400050"/>
+                  <a:gd name="connsiteY22" fmla="*/ 284798 h 400050"/>
+                  <a:gd name="connsiteX23" fmla="*/ 41910 w 400050"/>
+                  <a:gd name="connsiteY23" fmla="*/ 329565 h 400050"/>
+                  <a:gd name="connsiteX24" fmla="*/ 75248 w 400050"/>
+                  <a:gd name="connsiteY24" fmla="*/ 362903 h 400050"/>
+                  <a:gd name="connsiteX25" fmla="*/ 120015 w 400050"/>
+                  <a:gd name="connsiteY25" fmla="*/ 347663 h 400050"/>
+                  <a:gd name="connsiteX26" fmla="*/ 157163 w 400050"/>
+                  <a:gd name="connsiteY26" fmla="*/ 362903 h 400050"/>
+                  <a:gd name="connsiteX27" fmla="*/ 178118 w 400050"/>
+                  <a:gd name="connsiteY27" fmla="*/ 404813 h 400050"/>
+                  <a:gd name="connsiteX28" fmla="*/ 225743 w 400050"/>
+                  <a:gd name="connsiteY28" fmla="*/ 404813 h 400050"/>
+                  <a:gd name="connsiteX29" fmla="*/ 246698 w 400050"/>
+                  <a:gd name="connsiteY29" fmla="*/ 362903 h 400050"/>
+                  <a:gd name="connsiteX30" fmla="*/ 283845 w 400050"/>
+                  <a:gd name="connsiteY30" fmla="*/ 347663 h 400050"/>
+                  <a:gd name="connsiteX31" fmla="*/ 328613 w 400050"/>
+                  <a:gd name="connsiteY31" fmla="*/ 362903 h 400050"/>
+                  <a:gd name="connsiteX32" fmla="*/ 362903 w 400050"/>
+                  <a:gd name="connsiteY32" fmla="*/ 329565 h 400050"/>
+                  <a:gd name="connsiteX33" fmla="*/ 347663 w 400050"/>
+                  <a:gd name="connsiteY33" fmla="*/ 284798 h 400050"/>
+                  <a:gd name="connsiteX34" fmla="*/ 363855 w 400050"/>
+                  <a:gd name="connsiteY34" fmla="*/ 247650 h 400050"/>
+                  <a:gd name="connsiteX35" fmla="*/ 405765 w 400050"/>
+                  <a:gd name="connsiteY35" fmla="*/ 226695 h 400050"/>
+                  <a:gd name="connsiteX36" fmla="*/ 405765 w 400050"/>
+                  <a:gd name="connsiteY36" fmla="*/ 179070 h 400050"/>
+                  <a:gd name="connsiteX37" fmla="*/ 363855 w 400050"/>
+                  <a:gd name="connsiteY37" fmla="*/ 158115 h 400050"/>
+                </a:gdLst>
+                <a:ahLst/>
+                <a:cxnLst>
+                  <a:cxn ang="0">
+                    <a:pos x="connsiteX0" y="connsiteY0"/>
+                  </a:cxn>
+                  <a:cxn ang="0">
+                    <a:pos x="connsiteX1" y="connsiteY1"/>
+                  </a:cxn>
+                  <a:cxn ang="0">
+                    <a:pos x="connsiteX2" y="connsiteY2"/>
+                  </a:cxn>
+                  <a:cxn ang="0">
+                    <a:pos x="connsiteX3" y="connsiteY3"/>
+                  </a:cxn>
+                  <a:cxn ang="0">
+                    <a:pos x="connsiteX4" y="connsiteY4"/>
+                  </a:cxn>
+                  <a:cxn ang="0">
+                    <a:pos x="connsiteX5" y="connsiteY5"/>
+                  </a:cxn>
+                  <a:cxn ang="0">
+                    <a:pos x="connsiteX6" y="connsiteY6"/>
+                  </a:cxn>
+                  <a:cxn ang="0">
+                    <a:pos x="connsiteX7" y="connsiteY7"/>
+                  </a:cxn>
+                  <a:cxn ang="0">
+                    <a:pos x="connsiteX8" y="connsiteY8"/>
+                  </a:cxn>
+                  <a:cxn ang="0">
+                    <a:pos x="connsiteX9" y="connsiteY9"/>
+                  </a:cxn>
+                  <a:cxn ang="0">
+                    <a:pos x="connsiteX10" y="connsiteY10"/>
+                  </a:cxn>
+                  <a:cxn ang="0">
+                    <a:pos x="connsiteX11" y="connsiteY11"/>
+                  </a:cxn>
+                  <a:cxn ang="0">
+                    <a:pos x="connsiteX12" y="connsiteY12"/>
+                  </a:cxn>
+                  <a:cxn ang="0">
+                    <a:pos x="connsiteX13" y="connsiteY13"/>
+                  </a:cxn>
+                  <a:cxn ang="0">
+                    <a:pos x="connsiteX14" y="connsiteY14"/>
+                  </a:cxn>
+                  <a:cxn ang="0">
+                    <a:pos x="connsiteX15" y="connsiteY15"/>
+                  </a:cxn>
+                  <a:cxn ang="0">
+                    <a:pos x="connsiteX16" y="connsiteY16"/>
+                  </a:cxn>
+                  <a:cxn ang="0">
+                    <a:pos x="connsiteX17" y="connsiteY17"/>
+                  </a:cxn>
+                  <a:cxn ang="0">
+                    <a:pos x="connsiteX18" y="connsiteY18"/>
+                  </a:cxn>
+                  <a:cxn ang="0">
+                    <a:pos x="connsiteX19" y="connsiteY19"/>
+                  </a:cxn>
+                  <a:cxn ang="0">
+                    <a:pos x="connsiteX20" y="connsiteY20"/>
+                  </a:cxn>
+                  <a:cxn ang="0">
+                    <a:pos x="connsiteX21" y="connsiteY21"/>
+                  </a:cxn>
+                  <a:cxn ang="0">
+                    <a:pos x="connsiteX22" y="connsiteY22"/>
+                  </a:cxn>
+                  <a:cxn ang="0">
+                    <a:pos x="connsiteX23" y="connsiteY23"/>
+                  </a:cxn>
+                  <a:cxn ang="0">
+                    <a:pos x="connsiteX24" y="connsiteY24"/>
+                  </a:cxn>
+                  <a:cxn ang="0">
+                    <a:pos x="connsiteX25" y="connsiteY25"/>
+                  </a:cxn>
+                  <a:cxn ang="0">
+                    <a:pos x="connsiteX26" y="connsiteY26"/>
+                  </a:cxn>
+                  <a:cxn ang="0">
+                    <a:pos x="connsiteX27" y="connsiteY27"/>
+                  </a:cxn>
+                  <a:cxn ang="0">
+                    <a:pos x="connsiteX28" y="connsiteY28"/>
+                  </a:cxn>
+                  <a:cxn ang="0">
+                    <a:pos x="connsiteX29" y="connsiteY29"/>
+                  </a:cxn>
+                  <a:cxn ang="0">
+                    <a:pos x="connsiteX30" y="connsiteY30"/>
+                  </a:cxn>
+                  <a:cxn ang="0">
+                    <a:pos x="connsiteX31" y="connsiteY31"/>
+                  </a:cxn>
+                  <a:cxn ang="0">
+                    <a:pos x="connsiteX32" y="connsiteY32"/>
+                  </a:cxn>
+                  <a:cxn ang="0">
+                    <a:pos x="connsiteX33" y="connsiteY33"/>
+                  </a:cxn>
+                  <a:cxn ang="0">
+                    <a:pos x="connsiteX34" y="connsiteY34"/>
+                  </a:cxn>
+                  <a:cxn ang="0">
+                    <a:pos x="connsiteX35" y="connsiteY35"/>
+                  </a:cxn>
+                  <a:cxn ang="0">
+                    <a:pos x="connsiteX36" y="connsiteY36"/>
+                  </a:cxn>
+                  <a:cxn ang="0">
+                    <a:pos x="connsiteX37" y="connsiteY37"/>
+                  </a:cxn>
+                </a:cxnLst>
+                <a:rect l="l" t="t" r="r" b="b"/>
+                <a:pathLst>
+                  <a:path w="400050" h="400050">
+                    <a:moveTo>
+                      <a:pt x="202883" y="274320"/>
+                    </a:moveTo>
+                    <a:cubicBezTo>
+                      <a:pt x="162877" y="274320"/>
+                      <a:pt x="131445" y="241935"/>
+                      <a:pt x="131445" y="202883"/>
+                    </a:cubicBezTo>
+                    <a:cubicBezTo>
+                      <a:pt x="131445" y="163830"/>
+                      <a:pt x="163830" y="131445"/>
+                      <a:pt x="202883" y="131445"/>
+                    </a:cubicBezTo>
+                    <a:cubicBezTo>
+                      <a:pt x="242888" y="131445"/>
+                      <a:pt x="274320" y="163830"/>
+                      <a:pt x="274320" y="202883"/>
+                    </a:cubicBezTo>
+                    <a:cubicBezTo>
+                      <a:pt x="274320" y="241935"/>
+                      <a:pt x="241935" y="274320"/>
+                      <a:pt x="202883" y="274320"/>
+                    </a:cubicBezTo>
+                    <a:close/>
+                    <a:moveTo>
+                      <a:pt x="363855" y="158115"/>
+                    </a:moveTo>
+                    <a:cubicBezTo>
+                      <a:pt x="360045" y="144780"/>
+                      <a:pt x="355283" y="132398"/>
+                      <a:pt x="348615" y="120968"/>
+                    </a:cubicBezTo>
+                    <a:lnTo>
+                      <a:pt x="363855" y="76200"/>
+                    </a:lnTo>
+                    <a:lnTo>
+                      <a:pt x="329565" y="41910"/>
+                    </a:lnTo>
+                    <a:lnTo>
+                      <a:pt x="284798" y="57150"/>
+                    </a:lnTo>
+                    <a:cubicBezTo>
+                      <a:pt x="273367" y="50483"/>
+                      <a:pt x="260985" y="45720"/>
+                      <a:pt x="247650" y="41910"/>
+                    </a:cubicBezTo>
+                    <a:lnTo>
+                      <a:pt x="226695" y="0"/>
+                    </a:lnTo>
+                    <a:lnTo>
+                      <a:pt x="179070" y="0"/>
+                    </a:lnTo>
+                    <a:lnTo>
+                      <a:pt x="158115" y="41910"/>
+                    </a:lnTo>
+                    <a:cubicBezTo>
+                      <a:pt x="144780" y="45720"/>
+                      <a:pt x="132398" y="50483"/>
+                      <a:pt x="120968" y="57150"/>
+                    </a:cubicBezTo>
+                    <a:lnTo>
+                      <a:pt x="76200" y="41910"/>
+                    </a:lnTo>
+                    <a:lnTo>
+                      <a:pt x="41910" y="76200"/>
+                    </a:lnTo>
+                    <a:lnTo>
+                      <a:pt x="57150" y="120968"/>
+                    </a:lnTo>
+                    <a:cubicBezTo>
+                      <a:pt x="50482" y="132398"/>
+                      <a:pt x="45720" y="144780"/>
+                      <a:pt x="41910" y="158115"/>
+                    </a:cubicBezTo>
+                    <a:lnTo>
+                      <a:pt x="0" y="179070"/>
+                    </a:lnTo>
+                    <a:lnTo>
+                      <a:pt x="0" y="226695"/>
+                    </a:lnTo>
+                    <a:lnTo>
+                      <a:pt x="41910" y="247650"/>
+                    </a:lnTo>
+                    <a:cubicBezTo>
+                      <a:pt x="45720" y="260985"/>
+                      <a:pt x="50482" y="273368"/>
+                      <a:pt x="57150" y="284798"/>
+                    </a:cubicBezTo>
+                    <a:lnTo>
+                      <a:pt x="41910" y="329565"/>
+                    </a:lnTo>
+                    <a:lnTo>
+                      <a:pt x="75248" y="362903"/>
+                    </a:lnTo>
+                    <a:lnTo>
+                      <a:pt x="120015" y="347663"/>
+                    </a:lnTo>
+                    <a:cubicBezTo>
+                      <a:pt x="131445" y="354330"/>
+                      <a:pt x="143827" y="359093"/>
+                      <a:pt x="157163" y="362903"/>
+                    </a:cubicBezTo>
+                    <a:lnTo>
+                      <a:pt x="178118" y="404813"/>
+                    </a:lnTo>
+                    <a:lnTo>
+                      <a:pt x="225743" y="404813"/>
+                    </a:lnTo>
+                    <a:lnTo>
+                      <a:pt x="246698" y="362903"/>
+                    </a:lnTo>
+                    <a:cubicBezTo>
+                      <a:pt x="260033" y="359093"/>
+                      <a:pt x="272415" y="354330"/>
+                      <a:pt x="283845" y="347663"/>
+                    </a:cubicBezTo>
+                    <a:lnTo>
+                      <a:pt x="328613" y="362903"/>
+                    </a:lnTo>
+                    <a:lnTo>
+                      <a:pt x="362903" y="329565"/>
+                    </a:lnTo>
+                    <a:lnTo>
+                      <a:pt x="347663" y="284798"/>
+                    </a:lnTo>
+                    <a:cubicBezTo>
+                      <a:pt x="354330" y="273368"/>
+                      <a:pt x="360045" y="260033"/>
+                      <a:pt x="363855" y="247650"/>
+                    </a:cubicBezTo>
+                    <a:lnTo>
+                      <a:pt x="405765" y="226695"/>
+                    </a:lnTo>
+                    <a:lnTo>
+                      <a:pt x="405765" y="179070"/>
+                    </a:lnTo>
+                    <a:lnTo>
+                      <a:pt x="363855" y="158115"/>
+                    </a:lnTo>
+                    <a:close/>
+                  </a:path>
+                </a:pathLst>
+              </a:custGeom>
+              <a:ln w="3175"/>
+            </p:spPr>
+            <p:style>
+              <a:lnRef idx="2">
+                <a:schemeClr val="dk1"/>
+              </a:lnRef>
+              <a:fillRef idx="1">
+                <a:schemeClr val="lt1"/>
+              </a:fillRef>
+              <a:effectRef idx="0">
+                <a:schemeClr val="dk1"/>
+              </a:effectRef>
+              <a:fontRef idx="minor">
+                <a:schemeClr val="dk1"/>
+              </a:fontRef>
+            </p:style>
+            <p:txBody>
+              <a:bodyPr rtlCol="0" anchor="ctr"/>
+              <a:lstStyle/>
+              <a:p>
+                <a:pPr marL="0" marR="0" lvl="0" indent="0" algn="l" defTabSz="914400" rtl="0" eaLnBrk="1" fontAlgn="auto" latinLnBrk="0" hangingPunct="1">
+                  <a:lnSpc>
+                    <a:spcPct val="100000"/>
+                  </a:lnSpc>
+                  <a:spcBef>
+                    <a:spcPts val="0"/>
+                  </a:spcBef>
+                  <a:spcAft>
+                    <a:spcPts val="0"/>
+                  </a:spcAft>
+                  <a:buClrTx/>
+                  <a:buSzTx/>
+                  <a:buFontTx/>
+                  <a:buNone/>
+                  <a:tabLst/>
+                  <a:defRPr/>
+                </a:pPr>
+                <a:endParaRPr kumimoji="0" lang="nl-NL" sz="1800" b="0" i="0" u="none" strike="noStrike" kern="1200" cap="none" spc="0" normalizeH="0" baseline="0" noProof="0">
+                  <a:ln>
+                    <a:noFill/>
+                  </a:ln>
+                  <a:solidFill>
+                    <a:prstClr val="white"/>
+                  </a:solidFill>
+                  <a:effectLst/>
+                  <a:uLnTx/>
+                  <a:uFillTx/>
+                  <a:latin typeface="Calibri" panose="020F0502020204030204"/>
+                  <a:ea typeface="+mn-ea"/>
+                  <a:cs typeface="+mn-cs"/>
+                </a:endParaRPr>
+              </a:p>
+            </p:txBody>
+          </p:sp>
+          <p:sp>
+            <p:nvSpPr>
+              <p:cNvPr id="196" name="Freeform 6">
+                <a:extLst>
+                  <a:ext uri="{FF2B5EF4-FFF2-40B4-BE49-F238E27FC236}">
+                    <a16:creationId xmlns:a16="http://schemas.microsoft.com/office/drawing/2014/main" id="{713FA783-96A6-470C-87F4-9E8066BA4FB0}"/>
+                  </a:ext>
+                </a:extLst>
+              </p:cNvPr>
+              <p:cNvSpPr>
+                <a:spLocks noChangeAspect="1"/>
+              </p:cNvSpPr>
+              <p:nvPr/>
+            </p:nvSpPr>
+            <p:spPr bwMode="auto">
+              <a:xfrm>
+                <a:off x="6635592" y="1932386"/>
+                <a:ext cx="691875" cy="630139"/>
+              </a:xfrm>
+              <a:custGeom>
+                <a:avLst/>
+                <a:gdLst>
+                  <a:gd name="T0" fmla="*/ 0 w 1737"/>
+                  <a:gd name="T1" fmla="*/ 791 h 1582"/>
+                  <a:gd name="T2" fmla="*/ 395 w 1737"/>
+                  <a:gd name="T3" fmla="*/ 0 h 1582"/>
+                  <a:gd name="T4" fmla="*/ 1342 w 1737"/>
+                  <a:gd name="T5" fmla="*/ 0 h 1582"/>
+                  <a:gd name="T6" fmla="*/ 1737 w 1737"/>
+                  <a:gd name="T7" fmla="*/ 791 h 1582"/>
+                  <a:gd name="T8" fmla="*/ 1342 w 1737"/>
+                  <a:gd name="T9" fmla="*/ 1582 h 1582"/>
+                  <a:gd name="T10" fmla="*/ 395 w 1737"/>
+                  <a:gd name="T11" fmla="*/ 1582 h 1582"/>
+                  <a:gd name="T12" fmla="*/ 0 w 1737"/>
+                  <a:gd name="T13" fmla="*/ 791 h 1582"/>
+                </a:gdLst>
+                <a:ahLst/>
+                <a:cxnLst>
+                  <a:cxn ang="0">
+                    <a:pos x="T0" y="T1"/>
+                  </a:cxn>
+                  <a:cxn ang="0">
+                    <a:pos x="T2" y="T3"/>
+                  </a:cxn>
+                  <a:cxn ang="0">
+                    <a:pos x="T4" y="T5"/>
+                  </a:cxn>
+                  <a:cxn ang="0">
+                    <a:pos x="T6" y="T7"/>
+                  </a:cxn>
+                  <a:cxn ang="0">
+                    <a:pos x="T8" y="T9"/>
+                  </a:cxn>
+                  <a:cxn ang="0">
+                    <a:pos x="T10" y="T11"/>
+                  </a:cxn>
+                  <a:cxn ang="0">
+                    <a:pos x="T12" y="T13"/>
+                  </a:cxn>
+                </a:cxnLst>
+                <a:rect l="0" t="0" r="r" b="b"/>
+                <a:pathLst>
+                  <a:path w="1737" h="1582">
+                    <a:moveTo>
+                      <a:pt x="0" y="791"/>
+                    </a:moveTo>
+                    <a:lnTo>
+                      <a:pt x="395" y="0"/>
+                    </a:lnTo>
+                    <a:lnTo>
+                      <a:pt x="1342" y="0"/>
+                    </a:lnTo>
+                    <a:lnTo>
+                      <a:pt x="1737" y="791"/>
+                    </a:lnTo>
+                    <a:lnTo>
+                      <a:pt x="1342" y="1582"/>
+                    </a:lnTo>
+                    <a:lnTo>
+                      <a:pt x="395" y="1582"/>
+                    </a:lnTo>
+                    <a:lnTo>
+                      <a:pt x="0" y="791"/>
+                    </a:lnTo>
+                    <a:close/>
+                  </a:path>
+                </a:pathLst>
+              </a:custGeom>
+              <a:noFill/>
+              <a:ln w="3175">
+                <a:solidFill>
+                  <a:schemeClr val="accent1"/>
+                </a:solidFill>
+              </a:ln>
+            </p:spPr>
+            <p:txBody>
+              <a:bodyPr vert="horz" wrap="square" lIns="91440" tIns="45720" rIns="91440" bIns="45720" numCol="1" anchor="ctr" anchorCtr="0" compatLnSpc="1">
+                <a:prstTxWarp prst="textNoShape">
+                  <a:avLst/>
+                </a:prstTxWarp>
+              </a:bodyPr>
+              <a:lstStyle/>
+              <a:p>
+                <a:pPr marL="0" marR="0" lvl="0" indent="0" algn="ctr" defTabSz="914400" rtl="0" eaLnBrk="1" fontAlgn="auto" latinLnBrk="0" hangingPunct="1">
+                  <a:lnSpc>
+                    <a:spcPct val="100000"/>
+                  </a:lnSpc>
+                  <a:spcBef>
+                    <a:spcPts val="0"/>
+                  </a:spcBef>
+                  <a:spcAft>
+                    <a:spcPts val="0"/>
+                  </a:spcAft>
+                  <a:buClrTx/>
+                  <a:buSzTx/>
+                  <a:buFontTx/>
+                  <a:buNone/>
+                  <a:tabLst/>
+                  <a:defRPr/>
+                </a:pPr>
+                <a:endParaRPr kumimoji="0" lang="en-GB" sz="1100" b="0" i="0" u="none" strike="noStrike" kern="1200" cap="none" spc="0" normalizeH="0" baseline="0" noProof="0" dirty="0">
+                  <a:ln>
+                    <a:noFill/>
+                  </a:ln>
+                  <a:solidFill>
+                    <a:srgbClr val="ECB54E"/>
+                  </a:solidFill>
+                  <a:effectLst/>
+                  <a:uLnTx/>
+                  <a:uFillTx/>
+                  <a:latin typeface="Calibri" panose="020F0502020204030204"/>
+                  <a:ea typeface="+mn-ea"/>
+                  <a:cs typeface="+mn-cs"/>
+                </a:endParaRPr>
+              </a:p>
+            </p:txBody>
+          </p:sp>
+        </p:grpSp>
+        <p:sp>
+          <p:nvSpPr>
+            <p:cNvPr id="135" name="TextBox 134">
+              <a:extLst>
+                <a:ext uri="{FF2B5EF4-FFF2-40B4-BE49-F238E27FC236}">
+                  <a16:creationId xmlns:a16="http://schemas.microsoft.com/office/drawing/2014/main" id="{7588F292-A427-4689-BA1D-EC76B633FE43}"/>
+                </a:ext>
+              </a:extLst>
+            </p:cNvPr>
+            <p:cNvSpPr txBox="1"/>
+            <p:nvPr/>
+          </p:nvSpPr>
+          <p:spPr>
+            <a:xfrm>
+              <a:off x="7075257" y="1504956"/>
+              <a:ext cx="1336164" cy="430761"/>
+            </a:xfrm>
+            <a:prstGeom prst="rect">
+              <a:avLst/>
+            </a:prstGeom>
+          </p:spPr>
+          <p:txBody>
+            <a:bodyPr wrap="none" rtlCol="0">
+              <a:normAutofit/>
+            </a:bodyPr>
+            <a:lstStyle/>
+            <a:p>
+              <a:r>
+                <a:rPr lang="en-US" sz="1200" dirty="0">
+                  <a:solidFill>
+                    <a:schemeClr val="bg1"/>
+                  </a:solidFill>
+                </a:rPr>
+                <a:t>GUI configuration</a:t>
+              </a:r>
+            </a:p>
+          </p:txBody>
+        </p:sp>
+      </p:grpSp>
+      <p:cxnSp>
+        <p:nvCxnSpPr>
+          <p:cNvPr id="200" name="Straight Arrow Connector 199">
+            <a:extLst>
+              <a:ext uri="{FF2B5EF4-FFF2-40B4-BE49-F238E27FC236}">
+                <a16:creationId xmlns:a16="http://schemas.microsoft.com/office/drawing/2014/main" id="{E42750BF-BC4C-4308-8279-B2F3582B2365}"/>
+              </a:ext>
+            </a:extLst>
+          </p:cNvPr>
+          <p:cNvCxnSpPr>
+            <a:cxnSpLocks/>
+          </p:cNvCxnSpPr>
+          <p:nvPr/>
+        </p:nvCxnSpPr>
+        <p:spPr>
+          <a:xfrm>
+            <a:off x="6007100" y="1906378"/>
+            <a:ext cx="2349500" cy="0"/>
+          </a:xfrm>
+          <a:prstGeom prst="straightConnector1">
+            <a:avLst/>
+          </a:prstGeom>
+          <a:ln>
+            <a:tailEnd type="triangle"/>
+          </a:ln>
+        </p:spPr>
+        <p:style>
+          <a:lnRef idx="1">
+            <a:schemeClr val="dk1"/>
+          </a:lnRef>
+          <a:fillRef idx="0">
+            <a:schemeClr val="dk1"/>
+          </a:fillRef>
+          <a:effectRef idx="0">
+            <a:schemeClr val="dk1"/>
+          </a:effectRef>
+          <a:fontRef idx="minor">
+            <a:schemeClr val="tx1"/>
+          </a:fontRef>
+        </p:style>
+      </p:cxnSp>
+      <p:cxnSp>
+        <p:nvCxnSpPr>
+          <p:cNvPr id="201" name="Straight Arrow Connector 200">
+            <a:extLst>
+              <a:ext uri="{FF2B5EF4-FFF2-40B4-BE49-F238E27FC236}">
+                <a16:creationId xmlns:a16="http://schemas.microsoft.com/office/drawing/2014/main" id="{1180BE5C-86CE-49F2-B350-42CAD4C8E2CB}"/>
+              </a:ext>
+            </a:extLst>
+          </p:cNvPr>
+          <p:cNvCxnSpPr>
+            <a:cxnSpLocks/>
+          </p:cNvCxnSpPr>
+          <p:nvPr/>
+        </p:nvCxnSpPr>
+        <p:spPr>
+          <a:xfrm flipH="1">
+            <a:off x="6007100" y="3075823"/>
+            <a:ext cx="419100" cy="0"/>
+          </a:xfrm>
+          <a:prstGeom prst="straightConnector1">
+            <a:avLst/>
+          </a:prstGeom>
+          <a:ln>
+            <a:tailEnd type="triangle"/>
+          </a:ln>
+        </p:spPr>
+        <p:style>
+          <a:lnRef idx="1">
+            <a:schemeClr val="dk1"/>
+          </a:lnRef>
+          <a:fillRef idx="0">
+            <a:schemeClr val="dk1"/>
+          </a:fillRef>
+          <a:effectRef idx="0">
+            <a:schemeClr val="dk1"/>
+          </a:effectRef>
+          <a:fontRef idx="minor">
+            <a:schemeClr val="tx1"/>
+          </a:fontRef>
+        </p:style>
+      </p:cxnSp>
+      <p:grpSp>
+        <p:nvGrpSpPr>
+          <p:cNvPr id="26" name="Group 25">
+            <a:extLst>
+              <a:ext uri="{FF2B5EF4-FFF2-40B4-BE49-F238E27FC236}">
+                <a16:creationId xmlns:a16="http://schemas.microsoft.com/office/drawing/2014/main" id="{569250E5-8816-4228-B10B-23434AADA8D0}"/>
+              </a:ext>
+            </a:extLst>
+          </p:cNvPr>
+          <p:cNvGrpSpPr/>
+          <p:nvPr/>
+        </p:nvGrpSpPr>
+        <p:grpSpPr>
+          <a:xfrm>
+            <a:off x="483402" y="1028480"/>
+            <a:ext cx="1999739" cy="2264156"/>
+            <a:chOff x="483402" y="329980"/>
+            <a:chExt cx="1999739" cy="2264156"/>
+          </a:xfrm>
+        </p:grpSpPr>
+        <p:pic>
+          <p:nvPicPr>
+            <p:cNvPr id="32" name="Graphic 31" descr="Database">
+              <a:extLst>
+                <a:ext uri="{FF2B5EF4-FFF2-40B4-BE49-F238E27FC236}">
+                  <a16:creationId xmlns:a16="http://schemas.microsoft.com/office/drawing/2014/main" id="{D92C34F8-8A41-41C1-BDE6-AA3FABB769A6}"/>
+                </a:ext>
+              </a:extLst>
+            </p:cNvPr>
+            <p:cNvPicPr>
+              <a:picLocks noChangeAspect="1"/>
+            </p:cNvPicPr>
+            <p:nvPr/>
+          </p:nvPicPr>
+          <p:blipFill>
+            <a:blip r:embed="rId6">
+              <a:extLst>
+                <a:ext uri="{28A0092B-C50C-407E-A947-70E740481C1C}">
+                  <a14:useLocalDpi xmlns:a14="http://schemas.microsoft.com/office/drawing/2010/main" val="0"/>
+                </a:ext>
+                <a:ext uri="{96DAC541-7B7A-43D3-8B79-37D633B846F1}">
+                  <asvg:svgBlip xmlns:asvg="http://schemas.microsoft.com/office/drawing/2016/SVG/main" r:embed="rId7"/>
+                </a:ext>
+              </a:extLst>
+            </a:blip>
+            <a:stretch>
+              <a:fillRect/>
+            </a:stretch>
+          </p:blipFill>
+          <p:spPr>
+            <a:xfrm>
+              <a:off x="848208" y="1683078"/>
+              <a:ext cx="508244" cy="508244"/>
+            </a:xfrm>
+            <a:prstGeom prst="rect">
+              <a:avLst/>
+            </a:prstGeom>
+          </p:spPr>
+        </p:pic>
+        <p:pic>
+          <p:nvPicPr>
+            <p:cNvPr id="40" name="Graphic 39" descr="Open book">
+              <a:extLst>
+                <a:ext uri="{FF2B5EF4-FFF2-40B4-BE49-F238E27FC236}">
+                  <a16:creationId xmlns:a16="http://schemas.microsoft.com/office/drawing/2014/main" id="{781B378B-36B3-4F6F-BB99-C074D52DF833}"/>
+                </a:ext>
+              </a:extLst>
+            </p:cNvPr>
+            <p:cNvPicPr>
+              <a:picLocks noChangeAspect="1"/>
+            </p:cNvPicPr>
+            <p:nvPr/>
+          </p:nvPicPr>
+          <p:blipFill>
+            <a:blip r:embed="rId8">
+              <a:extLst>
+                <a:ext uri="{28A0092B-C50C-407E-A947-70E740481C1C}">
+                  <a14:useLocalDpi xmlns:a14="http://schemas.microsoft.com/office/drawing/2010/main" val="0"/>
+                </a:ext>
+                <a:ext uri="{96DAC541-7B7A-43D3-8B79-37D633B846F1}">
+                  <asvg:svgBlip xmlns:asvg="http://schemas.microsoft.com/office/drawing/2016/SVG/main" r:embed="rId9"/>
+                </a:ext>
+              </a:extLst>
+            </a:blip>
+            <a:stretch>
+              <a:fillRect/>
+            </a:stretch>
+          </p:blipFill>
+          <p:spPr>
+            <a:xfrm>
+              <a:off x="1657345" y="1283496"/>
+              <a:ext cx="478959" cy="478959"/>
+            </a:xfrm>
+            <a:prstGeom prst="rect">
+              <a:avLst/>
+            </a:prstGeom>
+          </p:spPr>
+        </p:pic>
+        <p:grpSp>
+          <p:nvGrpSpPr>
+            <p:cNvPr id="3" name="Group 2">
+              <a:extLst>
+                <a:ext uri="{FF2B5EF4-FFF2-40B4-BE49-F238E27FC236}">
+                  <a16:creationId xmlns:a16="http://schemas.microsoft.com/office/drawing/2014/main" id="{2009E5B1-9D47-4A58-8A2B-F4E2D8B952A2}"/>
+                </a:ext>
+              </a:extLst>
+            </p:cNvPr>
+            <p:cNvGrpSpPr/>
+            <p:nvPr/>
+          </p:nvGrpSpPr>
+          <p:grpSpPr>
+            <a:xfrm>
+              <a:off x="923690" y="751104"/>
+              <a:ext cx="714852" cy="809337"/>
+              <a:chOff x="602220" y="1107346"/>
+              <a:chExt cx="714852" cy="809337"/>
+            </a:xfrm>
+          </p:grpSpPr>
+          <p:pic>
+            <p:nvPicPr>
+              <p:cNvPr id="38" name="Graphic 37" descr="Books on shelf">
+                <a:extLst>
+                  <a:ext uri="{FF2B5EF4-FFF2-40B4-BE49-F238E27FC236}">
+                    <a16:creationId xmlns:a16="http://schemas.microsoft.com/office/drawing/2014/main" id="{68A96CD6-F29C-4789-B63C-3ECC756B4D44}"/>
+                  </a:ext>
+                </a:extLst>
+              </p:cNvPr>
+              <p:cNvPicPr>
+                <a:picLocks noChangeAspect="1"/>
+              </p:cNvPicPr>
+              <p:nvPr/>
+            </p:nvPicPr>
+            <p:blipFill>
+              <a:blip r:embed="rId10">
+                <a:extLst>
+                  <a:ext uri="{28A0092B-C50C-407E-A947-70E740481C1C}">
+                    <a14:useLocalDpi xmlns:a14="http://schemas.microsoft.com/office/drawing/2010/main" val="0"/>
+                  </a:ext>
+                  <a:ext uri="{96DAC541-7B7A-43D3-8B79-37D633B846F1}">
+                    <asvg:svgBlip xmlns:asvg="http://schemas.microsoft.com/office/drawing/2016/SVG/main" r:embed="rId11"/>
+                  </a:ext>
+                </a:extLst>
+              </a:blip>
+              <a:stretch>
+                <a:fillRect/>
+              </a:stretch>
+            </p:blipFill>
+            <p:spPr>
+              <a:xfrm>
+                <a:off x="698853" y="1107346"/>
+                <a:ext cx="478959" cy="478959"/>
+              </a:xfrm>
+              <a:prstGeom prst="rect">
+                <a:avLst/>
+              </a:prstGeom>
+            </p:spPr>
+          </p:pic>
+          <p:sp>
+            <p:nvSpPr>
+              <p:cNvPr id="41" name="TextBox 40">
+                <a:extLst>
+                  <a:ext uri="{FF2B5EF4-FFF2-40B4-BE49-F238E27FC236}">
+                    <a16:creationId xmlns:a16="http://schemas.microsoft.com/office/drawing/2014/main" id="{34BB4675-93C1-4486-B8FB-E4C9FD34A197}"/>
+                  </a:ext>
+                </a:extLst>
+              </p:cNvPr>
+              <p:cNvSpPr txBox="1"/>
+              <p:nvPr/>
+            </p:nvSpPr>
+            <p:spPr>
+              <a:xfrm>
+                <a:off x="602220" y="1502113"/>
+                <a:ext cx="714852" cy="414570"/>
+              </a:xfrm>
+              <a:prstGeom prst="rect">
+                <a:avLst/>
+              </a:prstGeom>
+            </p:spPr>
+            <p:txBody>
+              <a:bodyPr wrap="none" rtlCol="0">
+                <a:normAutofit/>
+              </a:bodyPr>
+              <a:lstStyle/>
+              <a:p>
+                <a:r>
+                  <a:rPr lang="en-US" sz="1400" b="1" dirty="0">
+                    <a:solidFill>
+                      <a:schemeClr val="bg1"/>
+                    </a:solidFill>
+                  </a:rPr>
+                  <a:t>Books</a:t>
+                </a:r>
+                <a:endParaRPr lang="en-US" sz="1600" b="1" dirty="0">
+                  <a:solidFill>
+                    <a:schemeClr val="bg1"/>
+                  </a:solidFill>
+                </a:endParaRPr>
+              </a:p>
+            </p:txBody>
+          </p:sp>
+        </p:grpSp>
+        <p:sp>
+          <p:nvSpPr>
+            <p:cNvPr id="74" name="TextBox 73">
+              <a:extLst>
+                <a:ext uri="{FF2B5EF4-FFF2-40B4-BE49-F238E27FC236}">
+                  <a16:creationId xmlns:a16="http://schemas.microsoft.com/office/drawing/2014/main" id="{87E123A1-30CE-4EF7-A4D6-1AB649074472}"/>
+                </a:ext>
+              </a:extLst>
+            </p:cNvPr>
+            <p:cNvSpPr txBox="1"/>
+            <p:nvPr/>
+          </p:nvSpPr>
+          <p:spPr>
+            <a:xfrm>
+              <a:off x="1421452" y="1672716"/>
+              <a:ext cx="714852" cy="414570"/>
+            </a:xfrm>
+            <a:prstGeom prst="rect">
+              <a:avLst/>
+            </a:prstGeom>
+          </p:spPr>
+          <p:txBody>
+            <a:bodyPr wrap="none" rtlCol="0">
+              <a:normAutofit/>
+            </a:bodyPr>
+            <a:lstStyle/>
+            <a:p>
+              <a:r>
+                <a:rPr lang="en-US" sz="1400" b="1" dirty="0">
+                  <a:solidFill>
+                    <a:schemeClr val="bg1"/>
+                  </a:solidFill>
+                </a:rPr>
+                <a:t>Literature</a:t>
+              </a:r>
+              <a:endParaRPr lang="en-US" sz="1600" b="1" dirty="0">
+                <a:solidFill>
+                  <a:schemeClr val="bg1"/>
+                </a:solidFill>
+              </a:endParaRPr>
+            </a:p>
+          </p:txBody>
+        </p:sp>
+        <p:sp>
+          <p:nvSpPr>
+            <p:cNvPr id="75" name="TextBox 74">
+              <a:extLst>
+                <a:ext uri="{FF2B5EF4-FFF2-40B4-BE49-F238E27FC236}">
+                  <a16:creationId xmlns:a16="http://schemas.microsoft.com/office/drawing/2014/main" id="{38E0FBC1-F5EB-4059-9BD3-AF9220CE813F}"/>
+                </a:ext>
+              </a:extLst>
+            </p:cNvPr>
+            <p:cNvSpPr txBox="1"/>
+            <p:nvPr/>
+          </p:nvSpPr>
+          <p:spPr>
+            <a:xfrm>
+              <a:off x="483402" y="2179566"/>
+              <a:ext cx="1473704" cy="414570"/>
+            </a:xfrm>
+            <a:prstGeom prst="rect">
+              <a:avLst/>
+            </a:prstGeom>
+          </p:spPr>
+          <p:txBody>
+            <a:bodyPr wrap="none" rtlCol="0">
+              <a:normAutofit/>
+            </a:bodyPr>
+            <a:lstStyle/>
+            <a:p>
+              <a:r>
+                <a:rPr lang="en-US" sz="1400" b="1" dirty="0">
+                  <a:solidFill>
+                    <a:schemeClr val="bg1"/>
+                  </a:solidFill>
+                </a:rPr>
+                <a:t>Online databases</a:t>
+              </a:r>
+              <a:endParaRPr lang="en-US" sz="1600" b="1" dirty="0">
+                <a:solidFill>
+                  <a:schemeClr val="bg1"/>
+                </a:solidFill>
+              </a:endParaRPr>
+            </a:p>
+          </p:txBody>
+        </p:sp>
+        <p:sp>
+          <p:nvSpPr>
+            <p:cNvPr id="149" name="TextBox 148">
+              <a:extLst>
+                <a:ext uri="{FF2B5EF4-FFF2-40B4-BE49-F238E27FC236}">
+                  <a16:creationId xmlns:a16="http://schemas.microsoft.com/office/drawing/2014/main" id="{FABF85C8-719F-4A80-B0C0-3159942C8D10}"/>
+                </a:ext>
+              </a:extLst>
+            </p:cNvPr>
+            <p:cNvSpPr txBox="1"/>
+            <p:nvPr/>
+          </p:nvSpPr>
+          <p:spPr>
+            <a:xfrm>
+              <a:off x="726452" y="329980"/>
+              <a:ext cx="1513637" cy="414570"/>
+            </a:xfrm>
+            <a:prstGeom prst="rect">
+              <a:avLst/>
+            </a:prstGeom>
+          </p:spPr>
+          <p:txBody>
+            <a:bodyPr wrap="none" rtlCol="0">
+              <a:normAutofit/>
+            </a:bodyPr>
+            <a:lstStyle/>
+            <a:p>
+              <a:pPr algn="ctr"/>
+              <a:r>
+                <a:rPr lang="en-US" sz="1600" b="1" dirty="0">
+                  <a:solidFill>
+                    <a:schemeClr val="bg1"/>
+                  </a:solidFill>
+                </a:rPr>
+                <a:t>Data collection</a:t>
+              </a:r>
+              <a:endParaRPr lang="en-US" b="1" dirty="0">
+                <a:solidFill>
+                  <a:schemeClr val="bg1"/>
+                </a:solidFill>
+              </a:endParaRPr>
+            </a:p>
+          </p:txBody>
+        </p:sp>
+        <p:sp>
+          <p:nvSpPr>
+            <p:cNvPr id="4" name="Rectangle 3">
+              <a:extLst>
+                <a:ext uri="{FF2B5EF4-FFF2-40B4-BE49-F238E27FC236}">
+                  <a16:creationId xmlns:a16="http://schemas.microsoft.com/office/drawing/2014/main" id="{26B98683-ABAF-4ADB-9EF7-6E4DBCCC8DE8}"/>
+                </a:ext>
+              </a:extLst>
+            </p:cNvPr>
+            <p:cNvSpPr/>
+            <p:nvPr/>
+          </p:nvSpPr>
+          <p:spPr>
+            <a:xfrm>
+              <a:off x="483402" y="673336"/>
+              <a:ext cx="1999739" cy="1920800"/>
+            </a:xfrm>
+            <a:prstGeom prst="rect">
+              <a:avLst/>
+            </a:prstGeom>
+            <a:noFill/>
+            <a:ln w="6350"/>
+          </p:spPr>
+          <p:style>
+            <a:lnRef idx="2">
+              <a:schemeClr val="accent1">
+                <a:shade val="50000"/>
+              </a:schemeClr>
+            </a:lnRef>
+            <a:fillRef idx="1">
+              <a:schemeClr val="accent1"/>
+            </a:fillRef>
+            <a:effectRef idx="0">
+              <a:schemeClr val="accent1"/>
+            </a:effectRef>
+            <a:fontRef idx="minor">
+              <a:schemeClr val="lt1"/>
+            </a:fontRef>
+          </p:style>
+          <p:txBody>
+            <a:bodyPr rtlCol="0" anchor="ctr"/>
+            <a:lstStyle/>
+            <a:p>
+              <a:pPr algn="ctr"/>
+              <a:endParaRPr lang="en-US"/>
+            </a:p>
+          </p:txBody>
+        </p:sp>
+      </p:grpSp>
+      <p:grpSp>
+        <p:nvGrpSpPr>
+          <p:cNvPr id="9" name="Group 8">
+            <a:extLst>
+              <a:ext uri="{FF2B5EF4-FFF2-40B4-BE49-F238E27FC236}">
+                <a16:creationId xmlns:a16="http://schemas.microsoft.com/office/drawing/2014/main" id="{25D51356-5DD3-4AB4-BEC2-96DBF1D30CCF}"/>
+              </a:ext>
+            </a:extLst>
+          </p:cNvPr>
+          <p:cNvGrpSpPr/>
+          <p:nvPr/>
+        </p:nvGrpSpPr>
+        <p:grpSpPr>
+          <a:xfrm>
+            <a:off x="1892324" y="3736129"/>
+            <a:ext cx="3157848" cy="2380245"/>
+            <a:chOff x="1356669" y="3228051"/>
+            <a:chExt cx="3157848" cy="2380245"/>
+          </a:xfrm>
+        </p:grpSpPr>
+        <p:grpSp>
+          <p:nvGrpSpPr>
+            <p:cNvPr id="5" name="Group 4">
+              <a:extLst>
+                <a:ext uri="{FF2B5EF4-FFF2-40B4-BE49-F238E27FC236}">
+                  <a16:creationId xmlns:a16="http://schemas.microsoft.com/office/drawing/2014/main" id="{7253DB12-C600-41AE-828B-3496CB98BA28}"/>
+                </a:ext>
+              </a:extLst>
+            </p:cNvPr>
+            <p:cNvGrpSpPr/>
+            <p:nvPr/>
+          </p:nvGrpSpPr>
+          <p:grpSpPr>
+            <a:xfrm>
+              <a:off x="2101451" y="3701854"/>
+              <a:ext cx="1226374" cy="994459"/>
+              <a:chOff x="1484288" y="3186563"/>
+              <a:chExt cx="1226374" cy="994459"/>
+            </a:xfrm>
+          </p:grpSpPr>
+          <p:pic>
+            <p:nvPicPr>
+              <p:cNvPr id="30" name="Graphic 29" descr="Server">
+                <a:extLst>
+                  <a:ext uri="{FF2B5EF4-FFF2-40B4-BE49-F238E27FC236}">
+                    <a16:creationId xmlns:a16="http://schemas.microsoft.com/office/drawing/2014/main" id="{0D87B75F-13AC-499F-A7A6-BF2141834A15}"/>
+                  </a:ext>
+                </a:extLst>
+              </p:cNvPr>
+              <p:cNvPicPr>
+                <a:picLocks noChangeAspect="1"/>
+              </p:cNvPicPr>
+              <p:nvPr/>
+            </p:nvPicPr>
+            <p:blipFill>
+              <a:blip r:embed="rId12">
+                <a:extLst>
+                  <a:ext uri="{28A0092B-C50C-407E-A947-70E740481C1C}">
+                    <a14:useLocalDpi xmlns:a14="http://schemas.microsoft.com/office/drawing/2010/main" val="0"/>
+                  </a:ext>
+                  <a:ext uri="{96DAC541-7B7A-43D3-8B79-37D633B846F1}">
+                    <asvg:svgBlip xmlns:asvg="http://schemas.microsoft.com/office/drawing/2016/SVG/main" r:embed="rId13"/>
+                  </a:ext>
+                </a:extLst>
+              </a:blip>
+              <a:stretch>
+                <a:fillRect/>
+              </a:stretch>
+            </p:blipFill>
+            <p:spPr>
+              <a:xfrm>
+                <a:off x="1908361" y="3802794"/>
+                <a:ext cx="378228" cy="378228"/>
+              </a:xfrm>
+              <a:prstGeom prst="rect">
+                <a:avLst/>
+              </a:prstGeom>
+            </p:spPr>
+          </p:pic>
+          <p:pic>
+            <p:nvPicPr>
+              <p:cNvPr id="36" name="Graphic 35" descr="Web design">
+                <a:extLst>
+                  <a:ext uri="{FF2B5EF4-FFF2-40B4-BE49-F238E27FC236}">
+                    <a16:creationId xmlns:a16="http://schemas.microsoft.com/office/drawing/2014/main" id="{CD948F38-50AE-4AE3-A315-B561EC264C55}"/>
+                  </a:ext>
+                </a:extLst>
+              </p:cNvPr>
+              <p:cNvPicPr>
+                <a:picLocks noChangeAspect="1"/>
+              </p:cNvPicPr>
+              <p:nvPr/>
+            </p:nvPicPr>
+            <p:blipFill>
+              <a:blip r:embed="rId4">
+                <a:extLst>
+                  <a:ext uri="{28A0092B-C50C-407E-A947-70E740481C1C}">
+                    <a14:useLocalDpi xmlns:a14="http://schemas.microsoft.com/office/drawing/2010/main" val="0"/>
+                  </a:ext>
+                  <a:ext uri="{96DAC541-7B7A-43D3-8B79-37D633B846F1}">
+                    <asvg:svgBlip xmlns:asvg="http://schemas.microsoft.com/office/drawing/2016/SVG/main" r:embed="rId5"/>
+                  </a:ext>
+                </a:extLst>
+              </a:blip>
+              <a:stretch>
+                <a:fillRect/>
+              </a:stretch>
+            </p:blipFill>
+            <p:spPr>
+              <a:xfrm>
+                <a:off x="1908361" y="3186563"/>
+                <a:ext cx="379432" cy="379432"/>
+              </a:xfrm>
+              <a:prstGeom prst="rect">
+                <a:avLst/>
+              </a:prstGeom>
+            </p:spPr>
+          </p:pic>
+          <p:sp>
+            <p:nvSpPr>
+              <p:cNvPr id="83" name="TextBox 82">
+                <a:extLst>
+                  <a:ext uri="{FF2B5EF4-FFF2-40B4-BE49-F238E27FC236}">
+                    <a16:creationId xmlns:a16="http://schemas.microsoft.com/office/drawing/2014/main" id="{705B4869-E14E-43E0-933B-3BD0AD2DFDCA}"/>
+                  </a:ext>
+                </a:extLst>
+              </p:cNvPr>
+              <p:cNvSpPr txBox="1"/>
+              <p:nvPr/>
+            </p:nvSpPr>
+            <p:spPr>
+              <a:xfrm>
+                <a:off x="1484288" y="3541900"/>
+                <a:ext cx="1226374" cy="292827"/>
+              </a:xfrm>
+              <a:prstGeom prst="rect">
+                <a:avLst/>
+              </a:prstGeom>
+            </p:spPr>
+            <p:txBody>
+              <a:bodyPr wrap="none" rtlCol="0">
+                <a:normAutofit/>
+              </a:bodyPr>
+              <a:lstStyle/>
+              <a:p>
+                <a:r>
+                  <a:rPr lang="en-US" sz="1200" b="1" dirty="0">
+                    <a:solidFill>
+                      <a:schemeClr val="bg1"/>
+                    </a:solidFill>
+                  </a:rPr>
+                  <a:t>JSON / R / GAMS</a:t>
+                </a:r>
+                <a:endParaRPr lang="en-US" sz="1400" b="1" dirty="0">
+                  <a:solidFill>
+                    <a:schemeClr val="bg1"/>
+                  </a:solidFill>
+                </a:endParaRPr>
+              </a:p>
+            </p:txBody>
+          </p:sp>
+        </p:grpSp>
+        <p:sp>
+          <p:nvSpPr>
+            <p:cNvPr id="87" name="TextBox 86">
+              <a:extLst>
+                <a:ext uri="{FF2B5EF4-FFF2-40B4-BE49-F238E27FC236}">
+                  <a16:creationId xmlns:a16="http://schemas.microsoft.com/office/drawing/2014/main" id="{ECBC66B4-196F-4B85-ADD5-C5A462BA25B4}"/>
+                </a:ext>
+              </a:extLst>
+            </p:cNvPr>
+            <p:cNvSpPr txBox="1"/>
+            <p:nvPr/>
+          </p:nvSpPr>
+          <p:spPr>
+            <a:xfrm>
+              <a:off x="1540853" y="4779156"/>
+              <a:ext cx="2871598" cy="326207"/>
+            </a:xfrm>
+            <a:prstGeom prst="rect">
+              <a:avLst/>
+            </a:prstGeom>
+            <a:ln>
+              <a:noFill/>
+            </a:ln>
+          </p:spPr>
+          <p:txBody>
+            <a:bodyPr wrap="none" rtlCol="0">
+              <a:normAutofit/>
+            </a:bodyPr>
+            <a:lstStyle/>
+            <a:p>
+              <a:r>
+                <a:rPr lang="en-US" sz="1200" dirty="0">
+                  <a:solidFill>
+                    <a:schemeClr val="bg1"/>
+                  </a:solidFill>
+                </a:rPr>
+                <a:t>KTBL API / R processing of </a:t>
+              </a:r>
+              <a:r>
+                <a:rPr lang="en-US" sz="1200" dirty="0" err="1">
+                  <a:solidFill>
+                    <a:schemeClr val="bg1"/>
+                  </a:solidFill>
+                </a:rPr>
+                <a:t>FarmDyn</a:t>
+              </a:r>
+              <a:r>
+                <a:rPr lang="en-US" sz="1200" dirty="0">
+                  <a:solidFill>
+                    <a:schemeClr val="bg1"/>
+                  </a:solidFill>
+                </a:rPr>
+                <a:t> crops</a:t>
+              </a:r>
+              <a:endParaRPr lang="en-US" sz="1400" dirty="0">
+                <a:solidFill>
+                  <a:schemeClr val="bg1"/>
+                </a:solidFill>
+              </a:endParaRPr>
+            </a:p>
+          </p:txBody>
+        </p:sp>
+        <p:sp>
+          <p:nvSpPr>
+            <p:cNvPr id="65" name="TextBox 64">
+              <a:extLst>
+                <a:ext uri="{FF2B5EF4-FFF2-40B4-BE49-F238E27FC236}">
+                  <a16:creationId xmlns:a16="http://schemas.microsoft.com/office/drawing/2014/main" id="{84F8A279-3159-4534-95ED-76A691CEB457}"/>
+                </a:ext>
+              </a:extLst>
+            </p:cNvPr>
+            <p:cNvSpPr txBox="1"/>
+            <p:nvPr/>
+          </p:nvSpPr>
+          <p:spPr>
+            <a:xfrm>
+              <a:off x="1356669" y="3228051"/>
+              <a:ext cx="2871598" cy="414570"/>
+            </a:xfrm>
+            <a:prstGeom prst="rect">
+              <a:avLst/>
+            </a:prstGeom>
+          </p:spPr>
+          <p:txBody>
+            <a:bodyPr wrap="none" rtlCol="0">
+              <a:normAutofit/>
+            </a:bodyPr>
+            <a:lstStyle/>
+            <a:p>
+              <a:pPr algn="ctr"/>
+              <a:r>
+                <a:rPr lang="en-US" sz="1600" b="1" dirty="0">
+                  <a:solidFill>
+                    <a:schemeClr val="bg1"/>
+                  </a:solidFill>
+                </a:rPr>
+                <a:t>Data processing</a:t>
+              </a:r>
+              <a:endParaRPr lang="en-US" b="1" dirty="0">
+                <a:solidFill>
+                  <a:schemeClr val="bg1"/>
+                </a:solidFill>
+              </a:endParaRPr>
+            </a:p>
+          </p:txBody>
+        </p:sp>
+        <p:sp>
+          <p:nvSpPr>
+            <p:cNvPr id="66" name="Rectangle 65">
+              <a:extLst>
+                <a:ext uri="{FF2B5EF4-FFF2-40B4-BE49-F238E27FC236}">
+                  <a16:creationId xmlns:a16="http://schemas.microsoft.com/office/drawing/2014/main" id="{0D5E9945-2F80-4672-BFEC-96FE255790F7}"/>
+                </a:ext>
+              </a:extLst>
+            </p:cNvPr>
+            <p:cNvSpPr/>
+            <p:nvPr/>
+          </p:nvSpPr>
+          <p:spPr>
+            <a:xfrm>
+              <a:off x="1421451" y="3398586"/>
+              <a:ext cx="3093066" cy="2209710"/>
+            </a:xfrm>
+            <a:prstGeom prst="rect">
+              <a:avLst/>
+            </a:prstGeom>
+            <a:noFill/>
+            <a:ln w="6350">
+              <a:noFill/>
+            </a:ln>
+          </p:spPr>
+          <p:style>
+            <a:lnRef idx="2">
+              <a:schemeClr val="accent1">
+                <a:shade val="50000"/>
+              </a:schemeClr>
+            </a:lnRef>
+            <a:fillRef idx="1">
+              <a:schemeClr val="accent1"/>
+            </a:fillRef>
+            <a:effectRef idx="0">
+              <a:schemeClr val="accent1"/>
+            </a:effectRef>
+            <a:fontRef idx="minor">
+              <a:schemeClr val="lt1"/>
+            </a:fontRef>
+          </p:style>
+          <p:txBody>
+            <a:bodyPr rtlCol="0" anchor="ctr"/>
+            <a:lstStyle/>
+            <a:p>
+              <a:pPr algn="ctr"/>
+              <a:endParaRPr lang="en-US"/>
+            </a:p>
+          </p:txBody>
+        </p:sp>
+      </p:grpSp>
+      <p:sp>
+        <p:nvSpPr>
+          <p:cNvPr id="73" name="TextBox 72">
+            <a:extLst>
+              <a:ext uri="{FF2B5EF4-FFF2-40B4-BE49-F238E27FC236}">
+                <a16:creationId xmlns:a16="http://schemas.microsoft.com/office/drawing/2014/main" id="{43F3F63D-8587-4099-9BA3-400312151323}"/>
+              </a:ext>
+            </a:extLst>
+          </p:cNvPr>
+          <p:cNvSpPr txBox="1"/>
+          <p:nvPr/>
+        </p:nvSpPr>
+        <p:spPr>
+          <a:xfrm>
+            <a:off x="2076507" y="5701804"/>
+            <a:ext cx="2871598" cy="326207"/>
+          </a:xfrm>
+          <a:prstGeom prst="rect">
+            <a:avLst/>
+          </a:prstGeom>
+          <a:ln>
+            <a:noFill/>
+          </a:ln>
+        </p:spPr>
+        <p:txBody>
+          <a:bodyPr wrap="none" rtlCol="0">
+            <a:normAutofit/>
+          </a:bodyPr>
+          <a:lstStyle/>
+          <a:p>
+            <a:r>
+              <a:rPr lang="en-US" sz="1200" dirty="0">
+                <a:solidFill>
+                  <a:schemeClr val="bg1"/>
+                </a:solidFill>
+              </a:rPr>
+              <a:t>User defined </a:t>
+            </a:r>
+            <a:r>
+              <a:rPr lang="en-US" sz="1200" dirty="0" err="1">
+                <a:solidFill>
+                  <a:schemeClr val="bg1"/>
+                </a:solidFill>
+              </a:rPr>
+              <a:t>FarmDyn</a:t>
+            </a:r>
+            <a:r>
+              <a:rPr lang="en-US" sz="1200" dirty="0">
+                <a:solidFill>
+                  <a:schemeClr val="bg1"/>
+                </a:solidFill>
+              </a:rPr>
+              <a:t> crops</a:t>
+            </a:r>
+            <a:endParaRPr lang="en-US" sz="1400" dirty="0">
+              <a:solidFill>
+                <a:schemeClr val="bg1"/>
+              </a:solidFill>
+            </a:endParaRPr>
+          </a:p>
+        </p:txBody>
+      </p:sp>
+      <p:cxnSp>
+        <p:nvCxnSpPr>
+          <p:cNvPr id="12" name="Connector: Elbow 11">
+            <a:extLst>
+              <a:ext uri="{FF2B5EF4-FFF2-40B4-BE49-F238E27FC236}">
+                <a16:creationId xmlns:a16="http://schemas.microsoft.com/office/drawing/2014/main" id="{0CF9EC5D-8704-44C3-A3D3-FB73D2D928EB}"/>
+              </a:ext>
+            </a:extLst>
+          </p:cNvPr>
+          <p:cNvCxnSpPr>
+            <a:cxnSpLocks/>
+            <a:stCxn id="4" idx="2"/>
+            <a:endCxn id="87" idx="1"/>
+          </p:cNvCxnSpPr>
+          <p:nvPr/>
+        </p:nvCxnSpPr>
+        <p:spPr>
+          <a:xfrm rot="16200000" flipH="1">
+            <a:off x="701039" y="4074869"/>
+            <a:ext cx="2157702" cy="593236"/>
+          </a:xfrm>
+          <a:prstGeom prst="bentConnector2">
+            <a:avLst/>
+          </a:prstGeom>
+          <a:ln>
+            <a:tailEnd type="triangle"/>
+          </a:ln>
+        </p:spPr>
+        <p:style>
+          <a:lnRef idx="1">
+            <a:schemeClr val="accent1"/>
+          </a:lnRef>
+          <a:fillRef idx="0">
+            <a:schemeClr val="accent1"/>
+          </a:fillRef>
+          <a:effectRef idx="0">
+            <a:schemeClr val="accent1"/>
+          </a:effectRef>
+          <a:fontRef idx="minor">
+            <a:schemeClr val="tx1"/>
+          </a:fontRef>
+        </p:style>
+      </p:cxnSp>
+      <p:cxnSp>
+        <p:nvCxnSpPr>
+          <p:cNvPr id="15" name="Connector: Elbow 14">
+            <a:extLst>
+              <a:ext uri="{FF2B5EF4-FFF2-40B4-BE49-F238E27FC236}">
+                <a16:creationId xmlns:a16="http://schemas.microsoft.com/office/drawing/2014/main" id="{FBA926B7-0072-4CF0-997F-B87DE4D0F326}"/>
+              </a:ext>
+            </a:extLst>
+          </p:cNvPr>
+          <p:cNvCxnSpPr>
+            <a:cxnSpLocks/>
+            <a:stCxn id="4" idx="2"/>
+            <a:endCxn id="73" idx="1"/>
+          </p:cNvCxnSpPr>
+          <p:nvPr/>
+        </p:nvCxnSpPr>
+        <p:spPr>
+          <a:xfrm rot="16200000" flipH="1">
+            <a:off x="493753" y="4282154"/>
+            <a:ext cx="2572272" cy="593235"/>
+          </a:xfrm>
+          <a:prstGeom prst="bentConnector2">
+            <a:avLst/>
+          </a:prstGeom>
+          <a:ln>
+            <a:tailEnd type="triangle"/>
+          </a:ln>
+        </p:spPr>
+        <p:style>
+          <a:lnRef idx="1">
+            <a:schemeClr val="accent1"/>
+          </a:lnRef>
+          <a:fillRef idx="0">
+            <a:schemeClr val="accent1"/>
+          </a:fillRef>
+          <a:effectRef idx="0">
+            <a:schemeClr val="accent1"/>
+          </a:effectRef>
+          <a:fontRef idx="minor">
+            <a:schemeClr val="tx1"/>
+          </a:fontRef>
+        </p:style>
+      </p:cxnSp>
+      <p:grpSp>
+        <p:nvGrpSpPr>
+          <p:cNvPr id="28" name="Group 27">
+            <a:extLst>
+              <a:ext uri="{FF2B5EF4-FFF2-40B4-BE49-F238E27FC236}">
+                <a16:creationId xmlns:a16="http://schemas.microsoft.com/office/drawing/2014/main" id="{DEBBCE1B-F297-4E88-8350-FDB5337B2EDC}"/>
+              </a:ext>
+            </a:extLst>
+          </p:cNvPr>
+          <p:cNvGrpSpPr/>
+          <p:nvPr/>
+        </p:nvGrpSpPr>
+        <p:grpSpPr>
+          <a:xfrm>
+            <a:off x="3820182" y="1025555"/>
+            <a:ext cx="1999739" cy="2267080"/>
+            <a:chOff x="3961579" y="327056"/>
+            <a:chExt cx="1999739" cy="2267080"/>
+          </a:xfrm>
+        </p:grpSpPr>
+        <p:pic>
+          <p:nvPicPr>
+            <p:cNvPr id="72" name="Graphic 71" descr="Open folder">
+              <a:extLst>
+                <a:ext uri="{FF2B5EF4-FFF2-40B4-BE49-F238E27FC236}">
+                  <a16:creationId xmlns:a16="http://schemas.microsoft.com/office/drawing/2014/main" id="{AE91C259-B2E0-46DF-B5BF-0DC4F806F929}"/>
+                </a:ext>
+              </a:extLst>
+            </p:cNvPr>
+            <p:cNvPicPr>
+              <a:picLocks noChangeAspect="1"/>
+            </p:cNvPicPr>
+            <p:nvPr/>
+          </p:nvPicPr>
+          <p:blipFill>
+            <a:blip r:embed="rId14">
+              <a:extLst>
+                <a:ext uri="{28A0092B-C50C-407E-A947-70E740481C1C}">
+                  <a14:useLocalDpi xmlns:a14="http://schemas.microsoft.com/office/drawing/2010/main" val="0"/>
+                </a:ext>
+                <a:ext uri="{96DAC541-7B7A-43D3-8B79-37D633B846F1}">
+                  <asvg:svgBlip xmlns:asvg="http://schemas.microsoft.com/office/drawing/2016/SVG/main" r:embed="rId15"/>
+                </a:ext>
+              </a:extLst>
+            </a:blip>
+            <a:stretch>
+              <a:fillRect/>
+            </a:stretch>
+          </p:blipFill>
+          <p:spPr>
+            <a:xfrm>
+              <a:off x="4191286" y="790746"/>
+              <a:ext cx="298981" cy="298981"/>
+            </a:xfrm>
+            <a:prstGeom prst="rect">
+              <a:avLst/>
+            </a:prstGeom>
+          </p:spPr>
+        </p:pic>
+        <p:grpSp>
+          <p:nvGrpSpPr>
+            <p:cNvPr id="164" name="Graphic 6" descr="Database">
+              <a:extLst>
+                <a:ext uri="{FF2B5EF4-FFF2-40B4-BE49-F238E27FC236}">
+                  <a16:creationId xmlns:a16="http://schemas.microsoft.com/office/drawing/2014/main" id="{D775AF1A-951B-4855-AC07-082C6C7E04E5}"/>
+                </a:ext>
+              </a:extLst>
+            </p:cNvPr>
+            <p:cNvGrpSpPr/>
+            <p:nvPr/>
+          </p:nvGrpSpPr>
+          <p:grpSpPr>
+            <a:xfrm>
+              <a:off x="4153138" y="1366486"/>
+              <a:ext cx="388598" cy="235243"/>
+              <a:chOff x="6399510" y="2166137"/>
+              <a:chExt cx="542925" cy="352425"/>
+            </a:xfrm>
+            <a:solidFill>
+              <a:schemeClr val="bg2"/>
+            </a:solidFill>
+          </p:grpSpPr>
+          <p:sp>
+            <p:nvSpPr>
+              <p:cNvPr id="165" name="Freeform: Shape 164">
+                <a:extLst>
+                  <a:ext uri="{FF2B5EF4-FFF2-40B4-BE49-F238E27FC236}">
+                    <a16:creationId xmlns:a16="http://schemas.microsoft.com/office/drawing/2014/main" id="{52CAA262-777F-48C0-98DA-B03F0F6DB711}"/>
+                  </a:ext>
+                </a:extLst>
+              </p:cNvPr>
+              <p:cNvSpPr/>
+              <p:nvPr/>
+            </p:nvSpPr>
+            <p:spPr>
+              <a:xfrm>
+                <a:off x="6399510" y="2166137"/>
+                <a:ext cx="542925" cy="161925"/>
+              </a:xfrm>
+              <a:custGeom>
+                <a:avLst/>
+                <a:gdLst>
+                  <a:gd name="connsiteX0" fmla="*/ 540544 w 542925"/>
+                  <a:gd name="connsiteY0" fmla="*/ 83344 h 161925"/>
+                  <a:gd name="connsiteX1" fmla="*/ 273844 w 542925"/>
+                  <a:gd name="connsiteY1" fmla="*/ 159544 h 161925"/>
+                  <a:gd name="connsiteX2" fmla="*/ 7144 w 542925"/>
+                  <a:gd name="connsiteY2" fmla="*/ 83344 h 161925"/>
+                  <a:gd name="connsiteX3" fmla="*/ 273844 w 542925"/>
+                  <a:gd name="connsiteY3" fmla="*/ 7144 h 161925"/>
+                  <a:gd name="connsiteX4" fmla="*/ 540544 w 542925"/>
+                  <a:gd name="connsiteY4" fmla="*/ 83344 h 161925"/>
+                </a:gdLst>
+                <a:ahLst/>
+                <a:cxnLst>
+                  <a:cxn ang="0">
+                    <a:pos x="connsiteX0" y="connsiteY0"/>
+                  </a:cxn>
+                  <a:cxn ang="0">
+                    <a:pos x="connsiteX1" y="connsiteY1"/>
+                  </a:cxn>
+                  <a:cxn ang="0">
+                    <a:pos x="connsiteX2" y="connsiteY2"/>
+                  </a:cxn>
+                  <a:cxn ang="0">
+                    <a:pos x="connsiteX3" y="connsiteY3"/>
+                  </a:cxn>
+                  <a:cxn ang="0">
+                    <a:pos x="connsiteX4" y="connsiteY4"/>
+                  </a:cxn>
+                </a:cxnLst>
+                <a:rect l="l" t="t" r="r" b="b"/>
+                <a:pathLst>
+                  <a:path w="542925" h="161925">
+                    <a:moveTo>
+                      <a:pt x="540544" y="83344"/>
+                    </a:moveTo>
+                    <a:cubicBezTo>
+                      <a:pt x="540544" y="125428"/>
+                      <a:pt x="421138" y="159544"/>
+                      <a:pt x="273844" y="159544"/>
+                    </a:cubicBezTo>
+                    <a:cubicBezTo>
+                      <a:pt x="126549" y="159544"/>
+                      <a:pt x="7144" y="125428"/>
+                      <a:pt x="7144" y="83344"/>
+                    </a:cubicBezTo>
+                    <a:cubicBezTo>
+                      <a:pt x="7144" y="41260"/>
+                      <a:pt x="126549" y="7144"/>
+                      <a:pt x="273844" y="7144"/>
+                    </a:cubicBezTo>
+                    <a:cubicBezTo>
+                      <a:pt x="421138" y="7144"/>
+                      <a:pt x="540544" y="41260"/>
+                      <a:pt x="540544" y="83344"/>
+                    </a:cubicBezTo>
+                    <a:close/>
+                  </a:path>
+                </a:pathLst>
+              </a:custGeom>
+              <a:ln w="3175"/>
+            </p:spPr>
+            <p:style>
+              <a:lnRef idx="2">
+                <a:schemeClr val="dk1"/>
+              </a:lnRef>
+              <a:fillRef idx="1">
+                <a:schemeClr val="lt1"/>
+              </a:fillRef>
+              <a:effectRef idx="0">
+                <a:schemeClr val="dk1"/>
+              </a:effectRef>
+              <a:fontRef idx="minor">
+                <a:schemeClr val="dk1"/>
+              </a:fontRef>
+            </p:style>
+            <p:txBody>
+              <a:bodyPr rtlCol="0" anchor="ctr"/>
+              <a:lstStyle/>
+              <a:p>
+                <a:pPr marL="0" marR="0" lvl="0" indent="0" algn="l" defTabSz="914400" rtl="0" eaLnBrk="1" fontAlgn="auto" latinLnBrk="0" hangingPunct="1">
+                  <a:lnSpc>
+                    <a:spcPct val="100000"/>
+                  </a:lnSpc>
+                  <a:spcBef>
+                    <a:spcPts val="0"/>
+                  </a:spcBef>
+                  <a:spcAft>
+                    <a:spcPts val="0"/>
+                  </a:spcAft>
+                  <a:buClrTx/>
+                  <a:buSzTx/>
+                  <a:buFontTx/>
+                  <a:buNone/>
+                  <a:tabLst/>
+                  <a:defRPr/>
+                </a:pPr>
+                <a:endParaRPr kumimoji="0" lang="nl-NL" sz="1800" b="0" i="0" u="none" strike="noStrike" kern="1200" cap="none" spc="0" normalizeH="0" baseline="0" noProof="0">
+                  <a:ln>
+                    <a:noFill/>
+                  </a:ln>
+                  <a:solidFill>
+                    <a:prstClr val="white"/>
+                  </a:solidFill>
+                  <a:effectLst/>
+                  <a:uLnTx/>
+                  <a:uFillTx/>
+                  <a:latin typeface="Calibri" panose="020F0502020204030204"/>
+                  <a:ea typeface="+mn-ea"/>
+                  <a:cs typeface="+mn-cs"/>
+                </a:endParaRPr>
+              </a:p>
+            </p:txBody>
+          </p:sp>
+          <p:sp>
+            <p:nvSpPr>
+              <p:cNvPr id="166" name="Freeform: Shape 165">
+                <a:extLst>
+                  <a:ext uri="{FF2B5EF4-FFF2-40B4-BE49-F238E27FC236}">
+                    <a16:creationId xmlns:a16="http://schemas.microsoft.com/office/drawing/2014/main" id="{4E50261B-4DAA-4F65-B677-25F3B784E24B}"/>
+                  </a:ext>
+                </a:extLst>
+              </p:cNvPr>
+              <p:cNvSpPr/>
+              <p:nvPr/>
+            </p:nvSpPr>
+            <p:spPr>
+              <a:xfrm>
+                <a:off x="6399510" y="2280437"/>
+                <a:ext cx="542925" cy="238125"/>
+              </a:xfrm>
+              <a:custGeom>
+                <a:avLst/>
+                <a:gdLst>
+                  <a:gd name="connsiteX0" fmla="*/ 464344 w 542925"/>
+                  <a:gd name="connsiteY0" fmla="*/ 159544 h 238125"/>
+                  <a:gd name="connsiteX1" fmla="*/ 445294 w 542925"/>
+                  <a:gd name="connsiteY1" fmla="*/ 140494 h 238125"/>
+                  <a:gd name="connsiteX2" fmla="*/ 464344 w 542925"/>
+                  <a:gd name="connsiteY2" fmla="*/ 121444 h 238125"/>
+                  <a:gd name="connsiteX3" fmla="*/ 483394 w 542925"/>
+                  <a:gd name="connsiteY3" fmla="*/ 140494 h 238125"/>
+                  <a:gd name="connsiteX4" fmla="*/ 464344 w 542925"/>
+                  <a:gd name="connsiteY4" fmla="*/ 159544 h 238125"/>
+                  <a:gd name="connsiteX5" fmla="*/ 273844 w 542925"/>
+                  <a:gd name="connsiteY5" fmla="*/ 83344 h 238125"/>
+                  <a:gd name="connsiteX6" fmla="*/ 7144 w 542925"/>
+                  <a:gd name="connsiteY6" fmla="*/ 7144 h 238125"/>
+                  <a:gd name="connsiteX7" fmla="*/ 7144 w 542925"/>
+                  <a:gd name="connsiteY7" fmla="*/ 159544 h 238125"/>
+                  <a:gd name="connsiteX8" fmla="*/ 273844 w 542925"/>
+                  <a:gd name="connsiteY8" fmla="*/ 235744 h 238125"/>
+                  <a:gd name="connsiteX9" fmla="*/ 540544 w 542925"/>
+                  <a:gd name="connsiteY9" fmla="*/ 159544 h 238125"/>
+                  <a:gd name="connsiteX10" fmla="*/ 540544 w 542925"/>
+                  <a:gd name="connsiteY10" fmla="*/ 7144 h 238125"/>
+                  <a:gd name="connsiteX11" fmla="*/ 273844 w 542925"/>
+                  <a:gd name="connsiteY11" fmla="*/ 83344 h 238125"/>
+                </a:gdLst>
+                <a:ahLst/>
+                <a:cxnLst>
+                  <a:cxn ang="0">
+                    <a:pos x="connsiteX0" y="connsiteY0"/>
+                  </a:cxn>
+                  <a:cxn ang="0">
+                    <a:pos x="connsiteX1" y="connsiteY1"/>
+                  </a:cxn>
+                  <a:cxn ang="0">
+                    <a:pos x="connsiteX2" y="connsiteY2"/>
+                  </a:cxn>
+                  <a:cxn ang="0">
+                    <a:pos x="connsiteX3" y="connsiteY3"/>
+                  </a:cxn>
+                  <a:cxn ang="0">
+                    <a:pos x="connsiteX4" y="connsiteY4"/>
+                  </a:cxn>
+                  <a:cxn ang="0">
+                    <a:pos x="connsiteX5" y="connsiteY5"/>
+                  </a:cxn>
+                  <a:cxn ang="0">
+                    <a:pos x="connsiteX6" y="connsiteY6"/>
+                  </a:cxn>
+                  <a:cxn ang="0">
+                    <a:pos x="connsiteX7" y="connsiteY7"/>
+                  </a:cxn>
+                  <a:cxn ang="0">
+                    <a:pos x="connsiteX8" y="connsiteY8"/>
+                  </a:cxn>
+                  <a:cxn ang="0">
+                    <a:pos x="connsiteX9" y="connsiteY9"/>
+                  </a:cxn>
+                  <a:cxn ang="0">
+                    <a:pos x="connsiteX10" y="connsiteY10"/>
+                  </a:cxn>
+                  <a:cxn ang="0">
+                    <a:pos x="connsiteX11" y="connsiteY11"/>
+                  </a:cxn>
+                </a:cxnLst>
+                <a:rect l="l" t="t" r="r" b="b"/>
+                <a:pathLst>
+                  <a:path w="542925" h="238125">
+                    <a:moveTo>
+                      <a:pt x="464344" y="159544"/>
+                    </a:moveTo>
+                    <a:cubicBezTo>
+                      <a:pt x="452914" y="159544"/>
+                      <a:pt x="445294" y="151924"/>
+                      <a:pt x="445294" y="140494"/>
+                    </a:cubicBezTo>
+                    <a:cubicBezTo>
+                      <a:pt x="445294" y="129064"/>
+                      <a:pt x="452914" y="121444"/>
+                      <a:pt x="464344" y="121444"/>
+                    </a:cubicBezTo>
+                    <a:cubicBezTo>
+                      <a:pt x="475774" y="121444"/>
+                      <a:pt x="483394" y="129064"/>
+                      <a:pt x="483394" y="140494"/>
+                    </a:cubicBezTo>
+                    <a:cubicBezTo>
+                      <a:pt x="483394" y="151924"/>
+                      <a:pt x="475774" y="159544"/>
+                      <a:pt x="464344" y="159544"/>
+                    </a:cubicBezTo>
+                    <a:close/>
+                    <a:moveTo>
+                      <a:pt x="273844" y="83344"/>
+                    </a:moveTo>
+                    <a:cubicBezTo>
+                      <a:pt x="127159" y="83344"/>
+                      <a:pt x="7144" y="49054"/>
+                      <a:pt x="7144" y="7144"/>
+                    </a:cubicBezTo>
+                    <a:lnTo>
+                      <a:pt x="7144" y="159544"/>
+                    </a:lnTo>
+                    <a:cubicBezTo>
+                      <a:pt x="7144" y="201454"/>
+                      <a:pt x="127159" y="235744"/>
+                      <a:pt x="273844" y="235744"/>
+                    </a:cubicBezTo>
+                    <a:cubicBezTo>
+                      <a:pt x="420529" y="235744"/>
+                      <a:pt x="540544" y="201454"/>
+                      <a:pt x="540544" y="159544"/>
+                    </a:cubicBezTo>
+                    <a:lnTo>
+                      <a:pt x="540544" y="7144"/>
+                    </a:lnTo>
+                    <a:cubicBezTo>
+                      <a:pt x="540544" y="49054"/>
+                      <a:pt x="420529" y="83344"/>
+                      <a:pt x="273844" y="83344"/>
+                    </a:cubicBezTo>
+                    <a:close/>
+                  </a:path>
+                </a:pathLst>
+              </a:custGeom>
+              <a:ln w="3175"/>
+            </p:spPr>
+            <p:style>
+              <a:lnRef idx="2">
+                <a:schemeClr val="dk1"/>
+              </a:lnRef>
+              <a:fillRef idx="1">
+                <a:schemeClr val="lt1"/>
+              </a:fillRef>
+              <a:effectRef idx="0">
+                <a:schemeClr val="dk1"/>
+              </a:effectRef>
+              <a:fontRef idx="minor">
+                <a:schemeClr val="dk1"/>
+              </a:fontRef>
+            </p:style>
+            <p:txBody>
+              <a:bodyPr rtlCol="0" anchor="ctr"/>
+              <a:lstStyle/>
+              <a:p>
+                <a:pPr marL="0" marR="0" lvl="0" indent="0" algn="l" defTabSz="914400" rtl="0" eaLnBrk="1" fontAlgn="auto" latinLnBrk="0" hangingPunct="1">
+                  <a:lnSpc>
+                    <a:spcPct val="100000"/>
+                  </a:lnSpc>
+                  <a:spcBef>
+                    <a:spcPts val="0"/>
+                  </a:spcBef>
+                  <a:spcAft>
+                    <a:spcPts val="0"/>
+                  </a:spcAft>
+                  <a:buClrTx/>
+                  <a:buSzTx/>
+                  <a:buFontTx/>
+                  <a:buNone/>
+                  <a:tabLst/>
+                  <a:defRPr/>
+                </a:pPr>
+                <a:endParaRPr kumimoji="0" lang="nl-NL" sz="1800" b="0" i="0" u="none" strike="noStrike" kern="1200" cap="none" spc="0" normalizeH="0" baseline="0" noProof="0" dirty="0">
+                  <a:ln>
+                    <a:noFill/>
+                  </a:ln>
+                  <a:solidFill>
+                    <a:prstClr val="white"/>
+                  </a:solidFill>
+                  <a:effectLst/>
+                  <a:uLnTx/>
+                  <a:uFillTx/>
+                  <a:latin typeface="Calibri" panose="020F0502020204030204"/>
+                  <a:ea typeface="+mn-ea"/>
+                  <a:cs typeface="+mn-cs"/>
+                </a:endParaRPr>
+              </a:p>
+            </p:txBody>
+          </p:sp>
+        </p:grpSp>
+        <p:sp>
+          <p:nvSpPr>
+            <p:cNvPr id="81" name="TextBox 80">
+              <a:extLst>
+                <a:ext uri="{FF2B5EF4-FFF2-40B4-BE49-F238E27FC236}">
+                  <a16:creationId xmlns:a16="http://schemas.microsoft.com/office/drawing/2014/main" id="{9C77FFB7-C810-4735-8FB4-591B22776CCA}"/>
+                </a:ext>
+              </a:extLst>
+            </p:cNvPr>
+            <p:cNvSpPr txBox="1"/>
+            <p:nvPr/>
+          </p:nvSpPr>
+          <p:spPr>
+            <a:xfrm>
+              <a:off x="4191286" y="327056"/>
+              <a:ext cx="1513637" cy="414570"/>
+            </a:xfrm>
+            <a:prstGeom prst="rect">
+              <a:avLst/>
+            </a:prstGeom>
+          </p:spPr>
+          <p:txBody>
+            <a:bodyPr wrap="none" rtlCol="0">
+              <a:normAutofit/>
+            </a:bodyPr>
+            <a:lstStyle/>
+            <a:p>
+              <a:pPr algn="ctr"/>
+              <a:r>
+                <a:rPr lang="en-US" sz="1600" b="1" dirty="0">
+                  <a:solidFill>
+                    <a:schemeClr val="bg1"/>
+                  </a:solidFill>
+                </a:rPr>
+                <a:t>Database </a:t>
+              </a:r>
+              <a:r>
+                <a:rPr lang="en-US" sz="1600" b="1" dirty="0" err="1">
+                  <a:solidFill>
+                    <a:schemeClr val="bg1"/>
+                  </a:solidFill>
+                </a:rPr>
+                <a:t>FarmDyn</a:t>
+              </a:r>
+              <a:endParaRPr lang="en-US" b="1" dirty="0">
+                <a:solidFill>
+                  <a:schemeClr val="bg1"/>
+                </a:solidFill>
+              </a:endParaRPr>
+            </a:p>
+          </p:txBody>
+        </p:sp>
+        <p:sp>
+          <p:nvSpPr>
+            <p:cNvPr id="82" name="Rectangle 81">
+              <a:extLst>
+                <a:ext uri="{FF2B5EF4-FFF2-40B4-BE49-F238E27FC236}">
+                  <a16:creationId xmlns:a16="http://schemas.microsoft.com/office/drawing/2014/main" id="{9BA74C3C-16FD-40FE-B6BA-18C44F6381B7}"/>
+                </a:ext>
+              </a:extLst>
+            </p:cNvPr>
+            <p:cNvSpPr/>
+            <p:nvPr/>
+          </p:nvSpPr>
+          <p:spPr>
+            <a:xfrm>
+              <a:off x="3961579" y="673336"/>
+              <a:ext cx="1999739" cy="1920800"/>
+            </a:xfrm>
+            <a:prstGeom prst="rect">
+              <a:avLst/>
+            </a:prstGeom>
+            <a:noFill/>
+            <a:ln w="6350"/>
+          </p:spPr>
+          <p:style>
+            <a:lnRef idx="2">
+              <a:schemeClr val="accent1">
+                <a:shade val="50000"/>
+              </a:schemeClr>
+            </a:lnRef>
+            <a:fillRef idx="1">
+              <a:schemeClr val="accent1"/>
+            </a:fillRef>
+            <a:effectRef idx="0">
+              <a:schemeClr val="accent1"/>
+            </a:effectRef>
+            <a:fontRef idx="minor">
+              <a:schemeClr val="lt1"/>
+            </a:fontRef>
+          </p:style>
+          <p:txBody>
+            <a:bodyPr rtlCol="0" anchor="ctr"/>
+            <a:lstStyle/>
+            <a:p>
+              <a:pPr algn="ctr"/>
+              <a:endParaRPr lang="en-US"/>
+            </a:p>
+          </p:txBody>
+        </p:sp>
+        <p:pic>
+          <p:nvPicPr>
+            <p:cNvPr id="85" name="Graphic 84" descr="Open folder">
+              <a:extLst>
+                <a:ext uri="{FF2B5EF4-FFF2-40B4-BE49-F238E27FC236}">
+                  <a16:creationId xmlns:a16="http://schemas.microsoft.com/office/drawing/2014/main" id="{BB5FFF9E-22D6-47B8-887C-A115C80CA3FA}"/>
+                </a:ext>
+              </a:extLst>
+            </p:cNvPr>
+            <p:cNvPicPr>
+              <a:picLocks noChangeAspect="1"/>
+            </p:cNvPicPr>
+            <p:nvPr/>
+          </p:nvPicPr>
+          <p:blipFill>
+            <a:blip r:embed="rId14">
+              <a:extLst>
+                <a:ext uri="{28A0092B-C50C-407E-A947-70E740481C1C}">
+                  <a14:useLocalDpi xmlns:a14="http://schemas.microsoft.com/office/drawing/2010/main" val="0"/>
+                </a:ext>
+                <a:ext uri="{96DAC541-7B7A-43D3-8B79-37D633B846F1}">
+                  <asvg:svgBlip xmlns:asvg="http://schemas.microsoft.com/office/drawing/2016/SVG/main" r:embed="rId15"/>
+                </a:ext>
+              </a:extLst>
+            </a:blip>
+            <a:stretch>
+              <a:fillRect/>
+            </a:stretch>
+          </p:blipFill>
+          <p:spPr>
+            <a:xfrm>
+              <a:off x="5290543" y="790746"/>
+              <a:ext cx="298981" cy="298981"/>
+            </a:xfrm>
+            <a:prstGeom prst="rect">
+              <a:avLst/>
+            </a:prstGeom>
+          </p:spPr>
+        </p:pic>
+        <p:grpSp>
+          <p:nvGrpSpPr>
+            <p:cNvPr id="86" name="Graphic 6" descr="Database">
+              <a:extLst>
+                <a:ext uri="{FF2B5EF4-FFF2-40B4-BE49-F238E27FC236}">
+                  <a16:creationId xmlns:a16="http://schemas.microsoft.com/office/drawing/2014/main" id="{AADCFE50-CD63-4172-908A-0BF8F1E46AC6}"/>
+                </a:ext>
+              </a:extLst>
+            </p:cNvPr>
+            <p:cNvGrpSpPr/>
+            <p:nvPr/>
+          </p:nvGrpSpPr>
+          <p:grpSpPr>
+            <a:xfrm>
+              <a:off x="4153138" y="1627447"/>
+              <a:ext cx="388598" cy="235243"/>
+              <a:chOff x="6399510" y="2166137"/>
+              <a:chExt cx="542925" cy="352425"/>
+            </a:xfrm>
+            <a:solidFill>
+              <a:schemeClr val="bg2"/>
+            </a:solidFill>
+          </p:grpSpPr>
+          <p:sp>
+            <p:nvSpPr>
+              <p:cNvPr id="88" name="Freeform: Shape 87">
+                <a:extLst>
+                  <a:ext uri="{FF2B5EF4-FFF2-40B4-BE49-F238E27FC236}">
+                    <a16:creationId xmlns:a16="http://schemas.microsoft.com/office/drawing/2014/main" id="{3055FC31-160F-4AAF-9B77-3D188B83680E}"/>
+                  </a:ext>
+                </a:extLst>
+              </p:cNvPr>
+              <p:cNvSpPr/>
+              <p:nvPr/>
+            </p:nvSpPr>
+            <p:spPr>
+              <a:xfrm>
+                <a:off x="6399510" y="2166137"/>
+                <a:ext cx="542925" cy="161925"/>
+              </a:xfrm>
+              <a:custGeom>
+                <a:avLst/>
+                <a:gdLst>
+                  <a:gd name="connsiteX0" fmla="*/ 540544 w 542925"/>
+                  <a:gd name="connsiteY0" fmla="*/ 83344 h 161925"/>
+                  <a:gd name="connsiteX1" fmla="*/ 273844 w 542925"/>
+                  <a:gd name="connsiteY1" fmla="*/ 159544 h 161925"/>
+                  <a:gd name="connsiteX2" fmla="*/ 7144 w 542925"/>
+                  <a:gd name="connsiteY2" fmla="*/ 83344 h 161925"/>
+                  <a:gd name="connsiteX3" fmla="*/ 273844 w 542925"/>
+                  <a:gd name="connsiteY3" fmla="*/ 7144 h 161925"/>
+                  <a:gd name="connsiteX4" fmla="*/ 540544 w 542925"/>
+                  <a:gd name="connsiteY4" fmla="*/ 83344 h 161925"/>
+                </a:gdLst>
+                <a:ahLst/>
+                <a:cxnLst>
+                  <a:cxn ang="0">
+                    <a:pos x="connsiteX0" y="connsiteY0"/>
+                  </a:cxn>
+                  <a:cxn ang="0">
+                    <a:pos x="connsiteX1" y="connsiteY1"/>
+                  </a:cxn>
+                  <a:cxn ang="0">
+                    <a:pos x="connsiteX2" y="connsiteY2"/>
+                  </a:cxn>
+                  <a:cxn ang="0">
+                    <a:pos x="connsiteX3" y="connsiteY3"/>
+                  </a:cxn>
+                  <a:cxn ang="0">
+                    <a:pos x="connsiteX4" y="connsiteY4"/>
+                  </a:cxn>
+                </a:cxnLst>
+                <a:rect l="l" t="t" r="r" b="b"/>
+                <a:pathLst>
+                  <a:path w="542925" h="161925">
+                    <a:moveTo>
+                      <a:pt x="540544" y="83344"/>
+                    </a:moveTo>
+                    <a:cubicBezTo>
+                      <a:pt x="540544" y="125428"/>
+                      <a:pt x="421138" y="159544"/>
+                      <a:pt x="273844" y="159544"/>
+                    </a:cubicBezTo>
+                    <a:cubicBezTo>
+                      <a:pt x="126549" y="159544"/>
+                      <a:pt x="7144" y="125428"/>
+                      <a:pt x="7144" y="83344"/>
+                    </a:cubicBezTo>
+                    <a:cubicBezTo>
+                      <a:pt x="7144" y="41260"/>
+                      <a:pt x="126549" y="7144"/>
+                      <a:pt x="273844" y="7144"/>
+                    </a:cubicBezTo>
+                    <a:cubicBezTo>
+                      <a:pt x="421138" y="7144"/>
+                      <a:pt x="540544" y="41260"/>
+                      <a:pt x="540544" y="83344"/>
+                    </a:cubicBezTo>
+                    <a:close/>
+                  </a:path>
+                </a:pathLst>
+              </a:custGeom>
+              <a:ln w="3175"/>
+            </p:spPr>
+            <p:style>
+              <a:lnRef idx="2">
+                <a:schemeClr val="dk1"/>
+              </a:lnRef>
+              <a:fillRef idx="1">
+                <a:schemeClr val="lt1"/>
+              </a:fillRef>
+              <a:effectRef idx="0">
+                <a:schemeClr val="dk1"/>
+              </a:effectRef>
+              <a:fontRef idx="minor">
+                <a:schemeClr val="dk1"/>
+              </a:fontRef>
+            </p:style>
+            <p:txBody>
+              <a:bodyPr rtlCol="0" anchor="ctr"/>
+              <a:lstStyle/>
+              <a:p>
+                <a:pPr marL="0" marR="0" lvl="0" indent="0" algn="l" defTabSz="914400" rtl="0" eaLnBrk="1" fontAlgn="auto" latinLnBrk="0" hangingPunct="1">
+                  <a:lnSpc>
+                    <a:spcPct val="100000"/>
+                  </a:lnSpc>
+                  <a:spcBef>
+                    <a:spcPts val="0"/>
+                  </a:spcBef>
+                  <a:spcAft>
+                    <a:spcPts val="0"/>
+                  </a:spcAft>
+                  <a:buClrTx/>
+                  <a:buSzTx/>
+                  <a:buFontTx/>
+                  <a:buNone/>
+                  <a:tabLst/>
+                  <a:defRPr/>
+                </a:pPr>
+                <a:endParaRPr kumimoji="0" lang="nl-NL" sz="1800" b="0" i="0" u="none" strike="noStrike" kern="1200" cap="none" spc="0" normalizeH="0" baseline="0" noProof="0">
+                  <a:ln>
+                    <a:noFill/>
+                  </a:ln>
+                  <a:solidFill>
+                    <a:prstClr val="white"/>
+                  </a:solidFill>
+                  <a:effectLst/>
+                  <a:uLnTx/>
+                  <a:uFillTx/>
+                  <a:latin typeface="Calibri" panose="020F0502020204030204"/>
+                  <a:ea typeface="+mn-ea"/>
+                  <a:cs typeface="+mn-cs"/>
+                </a:endParaRPr>
+              </a:p>
+            </p:txBody>
+          </p:sp>
+          <p:sp>
+            <p:nvSpPr>
+              <p:cNvPr id="89" name="Freeform: Shape 88">
+                <a:extLst>
+                  <a:ext uri="{FF2B5EF4-FFF2-40B4-BE49-F238E27FC236}">
+                    <a16:creationId xmlns:a16="http://schemas.microsoft.com/office/drawing/2014/main" id="{2B727A67-4D08-4C2F-9868-4580BC71CBE5}"/>
+                  </a:ext>
+                </a:extLst>
+              </p:cNvPr>
+              <p:cNvSpPr/>
+              <p:nvPr/>
+            </p:nvSpPr>
+            <p:spPr>
+              <a:xfrm>
+                <a:off x="6399510" y="2280437"/>
+                <a:ext cx="542925" cy="238125"/>
+              </a:xfrm>
+              <a:custGeom>
+                <a:avLst/>
+                <a:gdLst>
+                  <a:gd name="connsiteX0" fmla="*/ 464344 w 542925"/>
+                  <a:gd name="connsiteY0" fmla="*/ 159544 h 238125"/>
+                  <a:gd name="connsiteX1" fmla="*/ 445294 w 542925"/>
+                  <a:gd name="connsiteY1" fmla="*/ 140494 h 238125"/>
+                  <a:gd name="connsiteX2" fmla="*/ 464344 w 542925"/>
+                  <a:gd name="connsiteY2" fmla="*/ 121444 h 238125"/>
+                  <a:gd name="connsiteX3" fmla="*/ 483394 w 542925"/>
+                  <a:gd name="connsiteY3" fmla="*/ 140494 h 238125"/>
+                  <a:gd name="connsiteX4" fmla="*/ 464344 w 542925"/>
+                  <a:gd name="connsiteY4" fmla="*/ 159544 h 238125"/>
+                  <a:gd name="connsiteX5" fmla="*/ 273844 w 542925"/>
+                  <a:gd name="connsiteY5" fmla="*/ 83344 h 238125"/>
+                  <a:gd name="connsiteX6" fmla="*/ 7144 w 542925"/>
+                  <a:gd name="connsiteY6" fmla="*/ 7144 h 238125"/>
+                  <a:gd name="connsiteX7" fmla="*/ 7144 w 542925"/>
+                  <a:gd name="connsiteY7" fmla="*/ 159544 h 238125"/>
+                  <a:gd name="connsiteX8" fmla="*/ 273844 w 542925"/>
+                  <a:gd name="connsiteY8" fmla="*/ 235744 h 238125"/>
+                  <a:gd name="connsiteX9" fmla="*/ 540544 w 542925"/>
+                  <a:gd name="connsiteY9" fmla="*/ 159544 h 238125"/>
+                  <a:gd name="connsiteX10" fmla="*/ 540544 w 542925"/>
+                  <a:gd name="connsiteY10" fmla="*/ 7144 h 238125"/>
+                  <a:gd name="connsiteX11" fmla="*/ 273844 w 542925"/>
+                  <a:gd name="connsiteY11" fmla="*/ 83344 h 238125"/>
+                </a:gdLst>
+                <a:ahLst/>
+                <a:cxnLst>
+                  <a:cxn ang="0">
+                    <a:pos x="connsiteX0" y="connsiteY0"/>
+                  </a:cxn>
+                  <a:cxn ang="0">
+                    <a:pos x="connsiteX1" y="connsiteY1"/>
+                  </a:cxn>
+                  <a:cxn ang="0">
+                    <a:pos x="connsiteX2" y="connsiteY2"/>
+                  </a:cxn>
+                  <a:cxn ang="0">
+                    <a:pos x="connsiteX3" y="connsiteY3"/>
+                  </a:cxn>
+                  <a:cxn ang="0">
+                    <a:pos x="connsiteX4" y="connsiteY4"/>
+                  </a:cxn>
+                  <a:cxn ang="0">
+                    <a:pos x="connsiteX5" y="connsiteY5"/>
+                  </a:cxn>
+                  <a:cxn ang="0">
+                    <a:pos x="connsiteX6" y="connsiteY6"/>
+                  </a:cxn>
+                  <a:cxn ang="0">
+                    <a:pos x="connsiteX7" y="connsiteY7"/>
+                  </a:cxn>
+                  <a:cxn ang="0">
+                    <a:pos x="connsiteX8" y="connsiteY8"/>
+                  </a:cxn>
+                  <a:cxn ang="0">
+                    <a:pos x="connsiteX9" y="connsiteY9"/>
+                  </a:cxn>
+                  <a:cxn ang="0">
+                    <a:pos x="connsiteX10" y="connsiteY10"/>
+                  </a:cxn>
+                  <a:cxn ang="0">
+                    <a:pos x="connsiteX11" y="connsiteY11"/>
+                  </a:cxn>
+                </a:cxnLst>
+                <a:rect l="l" t="t" r="r" b="b"/>
+                <a:pathLst>
+                  <a:path w="542925" h="238125">
+                    <a:moveTo>
+                      <a:pt x="464344" y="159544"/>
+                    </a:moveTo>
+                    <a:cubicBezTo>
+                      <a:pt x="452914" y="159544"/>
+                      <a:pt x="445294" y="151924"/>
+                      <a:pt x="445294" y="140494"/>
+                    </a:cubicBezTo>
+                    <a:cubicBezTo>
+                      <a:pt x="445294" y="129064"/>
+                      <a:pt x="452914" y="121444"/>
+                      <a:pt x="464344" y="121444"/>
+                    </a:cubicBezTo>
+                    <a:cubicBezTo>
+                      <a:pt x="475774" y="121444"/>
+                      <a:pt x="483394" y="129064"/>
+                      <a:pt x="483394" y="140494"/>
+                    </a:cubicBezTo>
+                    <a:cubicBezTo>
+                      <a:pt x="483394" y="151924"/>
+                      <a:pt x="475774" y="159544"/>
+                      <a:pt x="464344" y="159544"/>
+                    </a:cubicBezTo>
+                    <a:close/>
+                    <a:moveTo>
+                      <a:pt x="273844" y="83344"/>
+                    </a:moveTo>
+                    <a:cubicBezTo>
+                      <a:pt x="127159" y="83344"/>
+                      <a:pt x="7144" y="49054"/>
+                      <a:pt x="7144" y="7144"/>
+                    </a:cubicBezTo>
+                    <a:lnTo>
+                      <a:pt x="7144" y="159544"/>
+                    </a:lnTo>
+                    <a:cubicBezTo>
+                      <a:pt x="7144" y="201454"/>
+                      <a:pt x="127159" y="235744"/>
+                      <a:pt x="273844" y="235744"/>
+                    </a:cubicBezTo>
+                    <a:cubicBezTo>
+                      <a:pt x="420529" y="235744"/>
+                      <a:pt x="540544" y="201454"/>
+                      <a:pt x="540544" y="159544"/>
+                    </a:cubicBezTo>
+                    <a:lnTo>
+                      <a:pt x="540544" y="7144"/>
+                    </a:lnTo>
+                    <a:cubicBezTo>
+                      <a:pt x="540544" y="49054"/>
+                      <a:pt x="420529" y="83344"/>
+                      <a:pt x="273844" y="83344"/>
+                    </a:cubicBezTo>
+                    <a:close/>
+                  </a:path>
+                </a:pathLst>
+              </a:custGeom>
+              <a:ln w="3175"/>
+            </p:spPr>
+            <p:style>
+              <a:lnRef idx="2">
+                <a:schemeClr val="dk1"/>
+              </a:lnRef>
+              <a:fillRef idx="1">
+                <a:schemeClr val="lt1"/>
+              </a:fillRef>
+              <a:effectRef idx="0">
+                <a:schemeClr val="dk1"/>
+              </a:effectRef>
+              <a:fontRef idx="minor">
+                <a:schemeClr val="dk1"/>
+              </a:fontRef>
+            </p:style>
+            <p:txBody>
+              <a:bodyPr rtlCol="0" anchor="ctr"/>
+              <a:lstStyle/>
+              <a:p>
+                <a:pPr marL="0" marR="0" lvl="0" indent="0" algn="l" defTabSz="914400" rtl="0" eaLnBrk="1" fontAlgn="auto" latinLnBrk="0" hangingPunct="1">
+                  <a:lnSpc>
+                    <a:spcPct val="100000"/>
+                  </a:lnSpc>
+                  <a:spcBef>
+                    <a:spcPts val="0"/>
+                  </a:spcBef>
+                  <a:spcAft>
+                    <a:spcPts val="0"/>
+                  </a:spcAft>
+                  <a:buClrTx/>
+                  <a:buSzTx/>
+                  <a:buFontTx/>
+                  <a:buNone/>
+                  <a:tabLst/>
+                  <a:defRPr/>
+                </a:pPr>
+                <a:endParaRPr kumimoji="0" lang="nl-NL" sz="1800" b="0" i="0" u="none" strike="noStrike" kern="1200" cap="none" spc="0" normalizeH="0" baseline="0" noProof="0" dirty="0">
+                  <a:ln>
+                    <a:noFill/>
+                  </a:ln>
+                  <a:solidFill>
+                    <a:prstClr val="white"/>
+                  </a:solidFill>
+                  <a:effectLst/>
+                  <a:uLnTx/>
+                  <a:uFillTx/>
+                  <a:latin typeface="Calibri" panose="020F0502020204030204"/>
+                  <a:ea typeface="+mn-ea"/>
+                  <a:cs typeface="+mn-cs"/>
+                </a:endParaRPr>
+              </a:p>
+            </p:txBody>
+          </p:sp>
+        </p:grpSp>
+        <p:grpSp>
+          <p:nvGrpSpPr>
+            <p:cNvPr id="90" name="Graphic 6" descr="Database">
+              <a:extLst>
+                <a:ext uri="{FF2B5EF4-FFF2-40B4-BE49-F238E27FC236}">
+                  <a16:creationId xmlns:a16="http://schemas.microsoft.com/office/drawing/2014/main" id="{43BCB511-4ED3-411A-9E49-0FEBDF342D07}"/>
+                </a:ext>
+              </a:extLst>
+            </p:cNvPr>
+            <p:cNvGrpSpPr/>
+            <p:nvPr/>
+          </p:nvGrpSpPr>
+          <p:grpSpPr>
+            <a:xfrm>
+              <a:off x="4153138" y="1889147"/>
+              <a:ext cx="388598" cy="235243"/>
+              <a:chOff x="6399510" y="2166137"/>
+              <a:chExt cx="542925" cy="352425"/>
+            </a:xfrm>
+            <a:solidFill>
+              <a:schemeClr val="bg2"/>
+            </a:solidFill>
+          </p:grpSpPr>
+          <p:sp>
+            <p:nvSpPr>
+              <p:cNvPr id="91" name="Freeform: Shape 90">
+                <a:extLst>
+                  <a:ext uri="{FF2B5EF4-FFF2-40B4-BE49-F238E27FC236}">
+                    <a16:creationId xmlns:a16="http://schemas.microsoft.com/office/drawing/2014/main" id="{E81DCF58-69DA-4986-BA2A-B1D1E592FD27}"/>
+                  </a:ext>
+                </a:extLst>
+              </p:cNvPr>
+              <p:cNvSpPr/>
+              <p:nvPr/>
+            </p:nvSpPr>
+            <p:spPr>
+              <a:xfrm>
+                <a:off x="6399510" y="2166137"/>
+                <a:ext cx="542925" cy="161925"/>
+              </a:xfrm>
+              <a:custGeom>
+                <a:avLst/>
+                <a:gdLst>
+                  <a:gd name="connsiteX0" fmla="*/ 540544 w 542925"/>
+                  <a:gd name="connsiteY0" fmla="*/ 83344 h 161925"/>
+                  <a:gd name="connsiteX1" fmla="*/ 273844 w 542925"/>
+                  <a:gd name="connsiteY1" fmla="*/ 159544 h 161925"/>
+                  <a:gd name="connsiteX2" fmla="*/ 7144 w 542925"/>
+                  <a:gd name="connsiteY2" fmla="*/ 83344 h 161925"/>
+                  <a:gd name="connsiteX3" fmla="*/ 273844 w 542925"/>
+                  <a:gd name="connsiteY3" fmla="*/ 7144 h 161925"/>
+                  <a:gd name="connsiteX4" fmla="*/ 540544 w 542925"/>
+                  <a:gd name="connsiteY4" fmla="*/ 83344 h 161925"/>
+                </a:gdLst>
+                <a:ahLst/>
+                <a:cxnLst>
+                  <a:cxn ang="0">
+                    <a:pos x="connsiteX0" y="connsiteY0"/>
+                  </a:cxn>
+                  <a:cxn ang="0">
+                    <a:pos x="connsiteX1" y="connsiteY1"/>
+                  </a:cxn>
+                  <a:cxn ang="0">
+                    <a:pos x="connsiteX2" y="connsiteY2"/>
+                  </a:cxn>
+                  <a:cxn ang="0">
+                    <a:pos x="connsiteX3" y="connsiteY3"/>
+                  </a:cxn>
+                  <a:cxn ang="0">
+                    <a:pos x="connsiteX4" y="connsiteY4"/>
+                  </a:cxn>
+                </a:cxnLst>
+                <a:rect l="l" t="t" r="r" b="b"/>
+                <a:pathLst>
+                  <a:path w="542925" h="161925">
+                    <a:moveTo>
+                      <a:pt x="540544" y="83344"/>
+                    </a:moveTo>
+                    <a:cubicBezTo>
+                      <a:pt x="540544" y="125428"/>
+                      <a:pt x="421138" y="159544"/>
+                      <a:pt x="273844" y="159544"/>
+                    </a:cubicBezTo>
+                    <a:cubicBezTo>
+                      <a:pt x="126549" y="159544"/>
+                      <a:pt x="7144" y="125428"/>
+                      <a:pt x="7144" y="83344"/>
+                    </a:cubicBezTo>
+                    <a:cubicBezTo>
+                      <a:pt x="7144" y="41260"/>
+                      <a:pt x="126549" y="7144"/>
+                      <a:pt x="273844" y="7144"/>
+                    </a:cubicBezTo>
+                    <a:cubicBezTo>
+                      <a:pt x="421138" y="7144"/>
+                      <a:pt x="540544" y="41260"/>
+                      <a:pt x="540544" y="83344"/>
+                    </a:cubicBezTo>
+                    <a:close/>
+                  </a:path>
+                </a:pathLst>
+              </a:custGeom>
+              <a:ln w="3175"/>
+            </p:spPr>
+            <p:style>
+              <a:lnRef idx="2">
+                <a:schemeClr val="dk1"/>
+              </a:lnRef>
+              <a:fillRef idx="1">
+                <a:schemeClr val="lt1"/>
+              </a:fillRef>
+              <a:effectRef idx="0">
+                <a:schemeClr val="dk1"/>
+              </a:effectRef>
+              <a:fontRef idx="minor">
+                <a:schemeClr val="dk1"/>
+              </a:fontRef>
+            </p:style>
+            <p:txBody>
+              <a:bodyPr rtlCol="0" anchor="ctr"/>
+              <a:lstStyle/>
+              <a:p>
+                <a:pPr marL="0" marR="0" lvl="0" indent="0" algn="l" defTabSz="914400" rtl="0" eaLnBrk="1" fontAlgn="auto" latinLnBrk="0" hangingPunct="1">
+                  <a:lnSpc>
+                    <a:spcPct val="100000"/>
+                  </a:lnSpc>
+                  <a:spcBef>
+                    <a:spcPts val="0"/>
+                  </a:spcBef>
+                  <a:spcAft>
+                    <a:spcPts val="0"/>
+                  </a:spcAft>
+                  <a:buClrTx/>
+                  <a:buSzTx/>
+                  <a:buFontTx/>
+                  <a:buNone/>
+                  <a:tabLst/>
+                  <a:defRPr/>
+                </a:pPr>
+                <a:endParaRPr kumimoji="0" lang="nl-NL" sz="1800" b="0" i="0" u="none" strike="noStrike" kern="1200" cap="none" spc="0" normalizeH="0" baseline="0" noProof="0">
+                  <a:ln>
+                    <a:noFill/>
+                  </a:ln>
+                  <a:solidFill>
+                    <a:prstClr val="white"/>
+                  </a:solidFill>
+                  <a:effectLst/>
+                  <a:uLnTx/>
+                  <a:uFillTx/>
+                  <a:latin typeface="Calibri" panose="020F0502020204030204"/>
+                  <a:ea typeface="+mn-ea"/>
+                  <a:cs typeface="+mn-cs"/>
+                </a:endParaRPr>
+              </a:p>
+            </p:txBody>
+          </p:sp>
+          <p:sp>
+            <p:nvSpPr>
+              <p:cNvPr id="92" name="Freeform: Shape 91">
+                <a:extLst>
+                  <a:ext uri="{FF2B5EF4-FFF2-40B4-BE49-F238E27FC236}">
+                    <a16:creationId xmlns:a16="http://schemas.microsoft.com/office/drawing/2014/main" id="{20A31F88-2BDD-4B22-BC1C-4F03AF8E9452}"/>
+                  </a:ext>
+                </a:extLst>
+              </p:cNvPr>
+              <p:cNvSpPr/>
+              <p:nvPr/>
+            </p:nvSpPr>
+            <p:spPr>
+              <a:xfrm>
+                <a:off x="6399510" y="2280437"/>
+                <a:ext cx="542925" cy="238125"/>
+              </a:xfrm>
+              <a:custGeom>
+                <a:avLst/>
+                <a:gdLst>
+                  <a:gd name="connsiteX0" fmla="*/ 464344 w 542925"/>
+                  <a:gd name="connsiteY0" fmla="*/ 159544 h 238125"/>
+                  <a:gd name="connsiteX1" fmla="*/ 445294 w 542925"/>
+                  <a:gd name="connsiteY1" fmla="*/ 140494 h 238125"/>
+                  <a:gd name="connsiteX2" fmla="*/ 464344 w 542925"/>
+                  <a:gd name="connsiteY2" fmla="*/ 121444 h 238125"/>
+                  <a:gd name="connsiteX3" fmla="*/ 483394 w 542925"/>
+                  <a:gd name="connsiteY3" fmla="*/ 140494 h 238125"/>
+                  <a:gd name="connsiteX4" fmla="*/ 464344 w 542925"/>
+                  <a:gd name="connsiteY4" fmla="*/ 159544 h 238125"/>
+                  <a:gd name="connsiteX5" fmla="*/ 273844 w 542925"/>
+                  <a:gd name="connsiteY5" fmla="*/ 83344 h 238125"/>
+                  <a:gd name="connsiteX6" fmla="*/ 7144 w 542925"/>
+                  <a:gd name="connsiteY6" fmla="*/ 7144 h 238125"/>
+                  <a:gd name="connsiteX7" fmla="*/ 7144 w 542925"/>
+                  <a:gd name="connsiteY7" fmla="*/ 159544 h 238125"/>
+                  <a:gd name="connsiteX8" fmla="*/ 273844 w 542925"/>
+                  <a:gd name="connsiteY8" fmla="*/ 235744 h 238125"/>
+                  <a:gd name="connsiteX9" fmla="*/ 540544 w 542925"/>
+                  <a:gd name="connsiteY9" fmla="*/ 159544 h 238125"/>
+                  <a:gd name="connsiteX10" fmla="*/ 540544 w 542925"/>
+                  <a:gd name="connsiteY10" fmla="*/ 7144 h 238125"/>
+                  <a:gd name="connsiteX11" fmla="*/ 273844 w 542925"/>
+                  <a:gd name="connsiteY11" fmla="*/ 83344 h 238125"/>
+                </a:gdLst>
+                <a:ahLst/>
+                <a:cxnLst>
+                  <a:cxn ang="0">
+                    <a:pos x="connsiteX0" y="connsiteY0"/>
+                  </a:cxn>
+                  <a:cxn ang="0">
+                    <a:pos x="connsiteX1" y="connsiteY1"/>
+                  </a:cxn>
+                  <a:cxn ang="0">
+                    <a:pos x="connsiteX2" y="connsiteY2"/>
+                  </a:cxn>
+                  <a:cxn ang="0">
+                    <a:pos x="connsiteX3" y="connsiteY3"/>
+                  </a:cxn>
+                  <a:cxn ang="0">
+                    <a:pos x="connsiteX4" y="connsiteY4"/>
+                  </a:cxn>
+                  <a:cxn ang="0">
+                    <a:pos x="connsiteX5" y="connsiteY5"/>
+                  </a:cxn>
+                  <a:cxn ang="0">
+                    <a:pos x="connsiteX6" y="connsiteY6"/>
+                  </a:cxn>
+                  <a:cxn ang="0">
+                    <a:pos x="connsiteX7" y="connsiteY7"/>
+                  </a:cxn>
+                  <a:cxn ang="0">
+                    <a:pos x="connsiteX8" y="connsiteY8"/>
+                  </a:cxn>
+                  <a:cxn ang="0">
+                    <a:pos x="connsiteX9" y="connsiteY9"/>
+                  </a:cxn>
+                  <a:cxn ang="0">
+                    <a:pos x="connsiteX10" y="connsiteY10"/>
+                  </a:cxn>
+                  <a:cxn ang="0">
+                    <a:pos x="connsiteX11" y="connsiteY11"/>
+                  </a:cxn>
+                </a:cxnLst>
+                <a:rect l="l" t="t" r="r" b="b"/>
+                <a:pathLst>
+                  <a:path w="542925" h="238125">
+                    <a:moveTo>
+                      <a:pt x="464344" y="159544"/>
+                    </a:moveTo>
+                    <a:cubicBezTo>
+                      <a:pt x="452914" y="159544"/>
+                      <a:pt x="445294" y="151924"/>
+                      <a:pt x="445294" y="140494"/>
+                    </a:cubicBezTo>
+                    <a:cubicBezTo>
+                      <a:pt x="445294" y="129064"/>
+                      <a:pt x="452914" y="121444"/>
+                      <a:pt x="464344" y="121444"/>
+                    </a:cubicBezTo>
+                    <a:cubicBezTo>
+                      <a:pt x="475774" y="121444"/>
+                      <a:pt x="483394" y="129064"/>
+                      <a:pt x="483394" y="140494"/>
+                    </a:cubicBezTo>
+                    <a:cubicBezTo>
+                      <a:pt x="483394" y="151924"/>
+                      <a:pt x="475774" y="159544"/>
+                      <a:pt x="464344" y="159544"/>
+                    </a:cubicBezTo>
+                    <a:close/>
+                    <a:moveTo>
+                      <a:pt x="273844" y="83344"/>
+                    </a:moveTo>
+                    <a:cubicBezTo>
+                      <a:pt x="127159" y="83344"/>
+                      <a:pt x="7144" y="49054"/>
+                      <a:pt x="7144" y="7144"/>
+                    </a:cubicBezTo>
+                    <a:lnTo>
+                      <a:pt x="7144" y="159544"/>
+                    </a:lnTo>
+                    <a:cubicBezTo>
+                      <a:pt x="7144" y="201454"/>
+                      <a:pt x="127159" y="235744"/>
+                      <a:pt x="273844" y="235744"/>
+                    </a:cubicBezTo>
+                    <a:cubicBezTo>
+                      <a:pt x="420529" y="235744"/>
+                      <a:pt x="540544" y="201454"/>
+                      <a:pt x="540544" y="159544"/>
+                    </a:cubicBezTo>
+                    <a:lnTo>
+                      <a:pt x="540544" y="7144"/>
+                    </a:lnTo>
+                    <a:cubicBezTo>
+                      <a:pt x="540544" y="49054"/>
+                      <a:pt x="420529" y="83344"/>
+                      <a:pt x="273844" y="83344"/>
+                    </a:cubicBezTo>
+                    <a:close/>
+                  </a:path>
+                </a:pathLst>
+              </a:custGeom>
+              <a:ln w="3175"/>
+            </p:spPr>
+            <p:style>
+              <a:lnRef idx="2">
+                <a:schemeClr val="dk1"/>
+              </a:lnRef>
+              <a:fillRef idx="1">
+                <a:schemeClr val="lt1"/>
+              </a:fillRef>
+              <a:effectRef idx="0">
+                <a:schemeClr val="dk1"/>
+              </a:effectRef>
+              <a:fontRef idx="minor">
+                <a:schemeClr val="dk1"/>
+              </a:fontRef>
+            </p:style>
+            <p:txBody>
+              <a:bodyPr rtlCol="0" anchor="ctr"/>
+              <a:lstStyle/>
+              <a:p>
+                <a:pPr marL="0" marR="0" lvl="0" indent="0" algn="l" defTabSz="914400" rtl="0" eaLnBrk="1" fontAlgn="auto" latinLnBrk="0" hangingPunct="1">
+                  <a:lnSpc>
+                    <a:spcPct val="100000"/>
+                  </a:lnSpc>
+                  <a:spcBef>
+                    <a:spcPts val="0"/>
+                  </a:spcBef>
+                  <a:spcAft>
+                    <a:spcPts val="0"/>
+                  </a:spcAft>
+                  <a:buClrTx/>
+                  <a:buSzTx/>
+                  <a:buFontTx/>
+                  <a:buNone/>
+                  <a:tabLst/>
+                  <a:defRPr/>
+                </a:pPr>
+                <a:endParaRPr kumimoji="0" lang="nl-NL" sz="1800" b="0" i="0" u="none" strike="noStrike" kern="1200" cap="none" spc="0" normalizeH="0" baseline="0" noProof="0" dirty="0">
+                  <a:ln>
+                    <a:noFill/>
+                  </a:ln>
+                  <a:solidFill>
+                    <a:prstClr val="white"/>
+                  </a:solidFill>
+                  <a:effectLst/>
+                  <a:uLnTx/>
+                  <a:uFillTx/>
+                  <a:latin typeface="Calibri" panose="020F0502020204030204"/>
+                  <a:ea typeface="+mn-ea"/>
+                  <a:cs typeface="+mn-cs"/>
+                </a:endParaRPr>
+              </a:p>
+            </p:txBody>
+          </p:sp>
+        </p:grpSp>
+        <p:grpSp>
+          <p:nvGrpSpPr>
+            <p:cNvPr id="93" name="Graphic 6" descr="Database">
+              <a:extLst>
+                <a:ext uri="{FF2B5EF4-FFF2-40B4-BE49-F238E27FC236}">
+                  <a16:creationId xmlns:a16="http://schemas.microsoft.com/office/drawing/2014/main" id="{D3948339-9D73-4D53-8594-65C266CE4EAE}"/>
+                </a:ext>
+              </a:extLst>
+            </p:cNvPr>
+            <p:cNvGrpSpPr/>
+            <p:nvPr/>
+          </p:nvGrpSpPr>
+          <p:grpSpPr>
+            <a:xfrm>
+              <a:off x="5273700" y="1366486"/>
+              <a:ext cx="388598" cy="235243"/>
+              <a:chOff x="6399510" y="2166137"/>
+              <a:chExt cx="542925" cy="352425"/>
+            </a:xfrm>
+            <a:solidFill>
+              <a:schemeClr val="bg2"/>
+            </a:solidFill>
+          </p:grpSpPr>
+          <p:sp>
+            <p:nvSpPr>
+              <p:cNvPr id="94" name="Freeform: Shape 93">
+                <a:extLst>
+                  <a:ext uri="{FF2B5EF4-FFF2-40B4-BE49-F238E27FC236}">
+                    <a16:creationId xmlns:a16="http://schemas.microsoft.com/office/drawing/2014/main" id="{8F550DC4-1A32-4411-9A9B-583EE59A5B44}"/>
+                  </a:ext>
+                </a:extLst>
+              </p:cNvPr>
+              <p:cNvSpPr/>
+              <p:nvPr/>
+            </p:nvSpPr>
+            <p:spPr>
+              <a:xfrm>
+                <a:off x="6399510" y="2166137"/>
+                <a:ext cx="542925" cy="161925"/>
+              </a:xfrm>
+              <a:custGeom>
+                <a:avLst/>
+                <a:gdLst>
+                  <a:gd name="connsiteX0" fmla="*/ 540544 w 542925"/>
+                  <a:gd name="connsiteY0" fmla="*/ 83344 h 161925"/>
+                  <a:gd name="connsiteX1" fmla="*/ 273844 w 542925"/>
+                  <a:gd name="connsiteY1" fmla="*/ 159544 h 161925"/>
+                  <a:gd name="connsiteX2" fmla="*/ 7144 w 542925"/>
+                  <a:gd name="connsiteY2" fmla="*/ 83344 h 161925"/>
+                  <a:gd name="connsiteX3" fmla="*/ 273844 w 542925"/>
+                  <a:gd name="connsiteY3" fmla="*/ 7144 h 161925"/>
+                  <a:gd name="connsiteX4" fmla="*/ 540544 w 542925"/>
+                  <a:gd name="connsiteY4" fmla="*/ 83344 h 161925"/>
+                </a:gdLst>
+                <a:ahLst/>
+                <a:cxnLst>
+                  <a:cxn ang="0">
+                    <a:pos x="connsiteX0" y="connsiteY0"/>
+                  </a:cxn>
+                  <a:cxn ang="0">
+                    <a:pos x="connsiteX1" y="connsiteY1"/>
+                  </a:cxn>
+                  <a:cxn ang="0">
+                    <a:pos x="connsiteX2" y="connsiteY2"/>
+                  </a:cxn>
+                  <a:cxn ang="0">
+                    <a:pos x="connsiteX3" y="connsiteY3"/>
+                  </a:cxn>
+                  <a:cxn ang="0">
+                    <a:pos x="connsiteX4" y="connsiteY4"/>
+                  </a:cxn>
+                </a:cxnLst>
+                <a:rect l="l" t="t" r="r" b="b"/>
+                <a:pathLst>
+                  <a:path w="542925" h="161925">
+                    <a:moveTo>
+                      <a:pt x="540544" y="83344"/>
+                    </a:moveTo>
+                    <a:cubicBezTo>
+                      <a:pt x="540544" y="125428"/>
+                      <a:pt x="421138" y="159544"/>
+                      <a:pt x="273844" y="159544"/>
+                    </a:cubicBezTo>
+                    <a:cubicBezTo>
+                      <a:pt x="126549" y="159544"/>
+                      <a:pt x="7144" y="125428"/>
+                      <a:pt x="7144" y="83344"/>
+                    </a:cubicBezTo>
+                    <a:cubicBezTo>
+                      <a:pt x="7144" y="41260"/>
+                      <a:pt x="126549" y="7144"/>
+                      <a:pt x="273844" y="7144"/>
+                    </a:cubicBezTo>
+                    <a:cubicBezTo>
+                      <a:pt x="421138" y="7144"/>
+                      <a:pt x="540544" y="41260"/>
+                      <a:pt x="540544" y="83344"/>
+                    </a:cubicBezTo>
+                    <a:close/>
+                  </a:path>
+                </a:pathLst>
+              </a:custGeom>
+              <a:ln w="3175"/>
+            </p:spPr>
+            <p:style>
+              <a:lnRef idx="2">
+                <a:schemeClr val="dk1"/>
+              </a:lnRef>
+              <a:fillRef idx="1">
+                <a:schemeClr val="lt1"/>
+              </a:fillRef>
+              <a:effectRef idx="0">
+                <a:schemeClr val="dk1"/>
+              </a:effectRef>
+              <a:fontRef idx="minor">
+                <a:schemeClr val="dk1"/>
+              </a:fontRef>
+            </p:style>
+            <p:txBody>
+              <a:bodyPr rtlCol="0" anchor="ctr"/>
+              <a:lstStyle/>
+              <a:p>
+                <a:pPr marL="0" marR="0" lvl="0" indent="0" algn="l" defTabSz="914400" rtl="0" eaLnBrk="1" fontAlgn="auto" latinLnBrk="0" hangingPunct="1">
+                  <a:lnSpc>
+                    <a:spcPct val="100000"/>
+                  </a:lnSpc>
+                  <a:spcBef>
+                    <a:spcPts val="0"/>
+                  </a:spcBef>
+                  <a:spcAft>
+                    <a:spcPts val="0"/>
+                  </a:spcAft>
+                  <a:buClrTx/>
+                  <a:buSzTx/>
+                  <a:buFontTx/>
+                  <a:buNone/>
+                  <a:tabLst/>
+                  <a:defRPr/>
+                </a:pPr>
+                <a:endParaRPr kumimoji="0" lang="nl-NL" sz="1800" b="0" i="0" u="none" strike="noStrike" kern="1200" cap="none" spc="0" normalizeH="0" baseline="0" noProof="0">
+                  <a:ln>
+                    <a:noFill/>
+                  </a:ln>
+                  <a:solidFill>
+                    <a:prstClr val="white"/>
+                  </a:solidFill>
+                  <a:effectLst/>
+                  <a:uLnTx/>
+                  <a:uFillTx/>
+                  <a:latin typeface="Calibri" panose="020F0502020204030204"/>
+                  <a:ea typeface="+mn-ea"/>
+                  <a:cs typeface="+mn-cs"/>
+                </a:endParaRPr>
+              </a:p>
+            </p:txBody>
+          </p:sp>
+          <p:sp>
+            <p:nvSpPr>
+              <p:cNvPr id="95" name="Freeform: Shape 94">
+                <a:extLst>
+                  <a:ext uri="{FF2B5EF4-FFF2-40B4-BE49-F238E27FC236}">
+                    <a16:creationId xmlns:a16="http://schemas.microsoft.com/office/drawing/2014/main" id="{2C2734FF-5A5C-45AF-A498-D6F8B3E579D5}"/>
+                  </a:ext>
+                </a:extLst>
+              </p:cNvPr>
+              <p:cNvSpPr/>
+              <p:nvPr/>
+            </p:nvSpPr>
+            <p:spPr>
+              <a:xfrm>
+                <a:off x="6399510" y="2280437"/>
+                <a:ext cx="542925" cy="238125"/>
+              </a:xfrm>
+              <a:custGeom>
+                <a:avLst/>
+                <a:gdLst>
+                  <a:gd name="connsiteX0" fmla="*/ 464344 w 542925"/>
+                  <a:gd name="connsiteY0" fmla="*/ 159544 h 238125"/>
+                  <a:gd name="connsiteX1" fmla="*/ 445294 w 542925"/>
+                  <a:gd name="connsiteY1" fmla="*/ 140494 h 238125"/>
+                  <a:gd name="connsiteX2" fmla="*/ 464344 w 542925"/>
+                  <a:gd name="connsiteY2" fmla="*/ 121444 h 238125"/>
+                  <a:gd name="connsiteX3" fmla="*/ 483394 w 542925"/>
+                  <a:gd name="connsiteY3" fmla="*/ 140494 h 238125"/>
+                  <a:gd name="connsiteX4" fmla="*/ 464344 w 542925"/>
+                  <a:gd name="connsiteY4" fmla="*/ 159544 h 238125"/>
+                  <a:gd name="connsiteX5" fmla="*/ 273844 w 542925"/>
+                  <a:gd name="connsiteY5" fmla="*/ 83344 h 238125"/>
+                  <a:gd name="connsiteX6" fmla="*/ 7144 w 542925"/>
+                  <a:gd name="connsiteY6" fmla="*/ 7144 h 238125"/>
+                  <a:gd name="connsiteX7" fmla="*/ 7144 w 542925"/>
+                  <a:gd name="connsiteY7" fmla="*/ 159544 h 238125"/>
+                  <a:gd name="connsiteX8" fmla="*/ 273844 w 542925"/>
+                  <a:gd name="connsiteY8" fmla="*/ 235744 h 238125"/>
+                  <a:gd name="connsiteX9" fmla="*/ 540544 w 542925"/>
+                  <a:gd name="connsiteY9" fmla="*/ 159544 h 238125"/>
+                  <a:gd name="connsiteX10" fmla="*/ 540544 w 542925"/>
+                  <a:gd name="connsiteY10" fmla="*/ 7144 h 238125"/>
+                  <a:gd name="connsiteX11" fmla="*/ 273844 w 542925"/>
+                  <a:gd name="connsiteY11" fmla="*/ 83344 h 238125"/>
+                </a:gdLst>
+                <a:ahLst/>
+                <a:cxnLst>
+                  <a:cxn ang="0">
+                    <a:pos x="connsiteX0" y="connsiteY0"/>
+                  </a:cxn>
+                  <a:cxn ang="0">
+                    <a:pos x="connsiteX1" y="connsiteY1"/>
+                  </a:cxn>
+                  <a:cxn ang="0">
+                    <a:pos x="connsiteX2" y="connsiteY2"/>
+                  </a:cxn>
+                  <a:cxn ang="0">
+                    <a:pos x="connsiteX3" y="connsiteY3"/>
+                  </a:cxn>
+                  <a:cxn ang="0">
+                    <a:pos x="connsiteX4" y="connsiteY4"/>
+                  </a:cxn>
+                  <a:cxn ang="0">
+                    <a:pos x="connsiteX5" y="connsiteY5"/>
+                  </a:cxn>
+                  <a:cxn ang="0">
+                    <a:pos x="connsiteX6" y="connsiteY6"/>
+                  </a:cxn>
+                  <a:cxn ang="0">
+                    <a:pos x="connsiteX7" y="connsiteY7"/>
+                  </a:cxn>
+                  <a:cxn ang="0">
+                    <a:pos x="connsiteX8" y="connsiteY8"/>
+                  </a:cxn>
+                  <a:cxn ang="0">
+                    <a:pos x="connsiteX9" y="connsiteY9"/>
+                  </a:cxn>
+                  <a:cxn ang="0">
+                    <a:pos x="connsiteX10" y="connsiteY10"/>
+                  </a:cxn>
+                  <a:cxn ang="0">
+                    <a:pos x="connsiteX11" y="connsiteY11"/>
+                  </a:cxn>
+                </a:cxnLst>
+                <a:rect l="l" t="t" r="r" b="b"/>
+                <a:pathLst>
+                  <a:path w="542925" h="238125">
+                    <a:moveTo>
+                      <a:pt x="464344" y="159544"/>
+                    </a:moveTo>
+                    <a:cubicBezTo>
+                      <a:pt x="452914" y="159544"/>
+                      <a:pt x="445294" y="151924"/>
+                      <a:pt x="445294" y="140494"/>
+                    </a:cubicBezTo>
+                    <a:cubicBezTo>
+                      <a:pt x="445294" y="129064"/>
+                      <a:pt x="452914" y="121444"/>
+                      <a:pt x="464344" y="121444"/>
+                    </a:cubicBezTo>
+                    <a:cubicBezTo>
+                      <a:pt x="475774" y="121444"/>
+                      <a:pt x="483394" y="129064"/>
+                      <a:pt x="483394" y="140494"/>
+                    </a:cubicBezTo>
+                    <a:cubicBezTo>
+                      <a:pt x="483394" y="151924"/>
+                      <a:pt x="475774" y="159544"/>
+                      <a:pt x="464344" y="159544"/>
+                    </a:cubicBezTo>
+                    <a:close/>
+                    <a:moveTo>
+                      <a:pt x="273844" y="83344"/>
+                    </a:moveTo>
+                    <a:cubicBezTo>
+                      <a:pt x="127159" y="83344"/>
+                      <a:pt x="7144" y="49054"/>
+                      <a:pt x="7144" y="7144"/>
+                    </a:cubicBezTo>
+                    <a:lnTo>
+                      <a:pt x="7144" y="159544"/>
+                    </a:lnTo>
+                    <a:cubicBezTo>
+                      <a:pt x="7144" y="201454"/>
+                      <a:pt x="127159" y="235744"/>
+                      <a:pt x="273844" y="235744"/>
+                    </a:cubicBezTo>
+                    <a:cubicBezTo>
+                      <a:pt x="420529" y="235744"/>
+                      <a:pt x="540544" y="201454"/>
+                      <a:pt x="540544" y="159544"/>
+                    </a:cubicBezTo>
+                    <a:lnTo>
+                      <a:pt x="540544" y="7144"/>
+                    </a:lnTo>
+                    <a:cubicBezTo>
+                      <a:pt x="540544" y="49054"/>
+                      <a:pt x="420529" y="83344"/>
+                      <a:pt x="273844" y="83344"/>
+                    </a:cubicBezTo>
+                    <a:close/>
+                  </a:path>
+                </a:pathLst>
+              </a:custGeom>
+              <a:ln w="3175"/>
+            </p:spPr>
+            <p:style>
+              <a:lnRef idx="2">
+                <a:schemeClr val="dk1"/>
+              </a:lnRef>
+              <a:fillRef idx="1">
+                <a:schemeClr val="lt1"/>
+              </a:fillRef>
+              <a:effectRef idx="0">
+                <a:schemeClr val="dk1"/>
+              </a:effectRef>
+              <a:fontRef idx="minor">
+                <a:schemeClr val="dk1"/>
+              </a:fontRef>
+            </p:style>
+            <p:txBody>
+              <a:bodyPr rtlCol="0" anchor="ctr"/>
+              <a:lstStyle/>
+              <a:p>
+                <a:pPr marL="0" marR="0" lvl="0" indent="0" algn="l" defTabSz="914400" rtl="0" eaLnBrk="1" fontAlgn="auto" latinLnBrk="0" hangingPunct="1">
+                  <a:lnSpc>
+                    <a:spcPct val="100000"/>
+                  </a:lnSpc>
+                  <a:spcBef>
+                    <a:spcPts val="0"/>
+                  </a:spcBef>
+                  <a:spcAft>
+                    <a:spcPts val="0"/>
+                  </a:spcAft>
+                  <a:buClrTx/>
+                  <a:buSzTx/>
+                  <a:buFontTx/>
+                  <a:buNone/>
+                  <a:tabLst/>
+                  <a:defRPr/>
+                </a:pPr>
+                <a:endParaRPr kumimoji="0" lang="nl-NL" sz="1800" b="0" i="0" u="none" strike="noStrike" kern="1200" cap="none" spc="0" normalizeH="0" baseline="0" noProof="0" dirty="0">
+                  <a:ln>
+                    <a:noFill/>
+                  </a:ln>
+                  <a:solidFill>
+                    <a:prstClr val="white"/>
+                  </a:solidFill>
+                  <a:effectLst/>
+                  <a:uLnTx/>
+                  <a:uFillTx/>
+                  <a:latin typeface="Calibri" panose="020F0502020204030204"/>
+                  <a:ea typeface="+mn-ea"/>
+                  <a:cs typeface="+mn-cs"/>
+                </a:endParaRPr>
+              </a:p>
+            </p:txBody>
+          </p:sp>
+        </p:grpSp>
+        <p:grpSp>
+          <p:nvGrpSpPr>
+            <p:cNvPr id="96" name="Graphic 6" descr="Database">
+              <a:extLst>
+                <a:ext uri="{FF2B5EF4-FFF2-40B4-BE49-F238E27FC236}">
+                  <a16:creationId xmlns:a16="http://schemas.microsoft.com/office/drawing/2014/main" id="{084D0727-75DE-4FB8-A5B7-B8DA6AF1F9A7}"/>
+                </a:ext>
+              </a:extLst>
+            </p:cNvPr>
+            <p:cNvGrpSpPr/>
+            <p:nvPr/>
+          </p:nvGrpSpPr>
+          <p:grpSpPr>
+            <a:xfrm>
+              <a:off x="5273700" y="1627447"/>
+              <a:ext cx="388598" cy="235243"/>
+              <a:chOff x="6399510" y="2166137"/>
+              <a:chExt cx="542925" cy="352425"/>
+            </a:xfrm>
+            <a:solidFill>
+              <a:schemeClr val="bg2"/>
+            </a:solidFill>
+          </p:grpSpPr>
+          <p:sp>
+            <p:nvSpPr>
+              <p:cNvPr id="97" name="Freeform: Shape 96">
+                <a:extLst>
+                  <a:ext uri="{FF2B5EF4-FFF2-40B4-BE49-F238E27FC236}">
+                    <a16:creationId xmlns:a16="http://schemas.microsoft.com/office/drawing/2014/main" id="{72CA1183-2F11-4D7E-8571-8A0E58E481D4}"/>
+                  </a:ext>
+                </a:extLst>
+              </p:cNvPr>
+              <p:cNvSpPr/>
+              <p:nvPr/>
+            </p:nvSpPr>
+            <p:spPr>
+              <a:xfrm>
+                <a:off x="6399510" y="2166137"/>
+                <a:ext cx="542925" cy="161925"/>
+              </a:xfrm>
+              <a:custGeom>
+                <a:avLst/>
+                <a:gdLst>
+                  <a:gd name="connsiteX0" fmla="*/ 540544 w 542925"/>
+                  <a:gd name="connsiteY0" fmla="*/ 83344 h 161925"/>
+                  <a:gd name="connsiteX1" fmla="*/ 273844 w 542925"/>
+                  <a:gd name="connsiteY1" fmla="*/ 159544 h 161925"/>
+                  <a:gd name="connsiteX2" fmla="*/ 7144 w 542925"/>
+                  <a:gd name="connsiteY2" fmla="*/ 83344 h 161925"/>
+                  <a:gd name="connsiteX3" fmla="*/ 273844 w 542925"/>
+                  <a:gd name="connsiteY3" fmla="*/ 7144 h 161925"/>
+                  <a:gd name="connsiteX4" fmla="*/ 540544 w 542925"/>
+                  <a:gd name="connsiteY4" fmla="*/ 83344 h 161925"/>
+                </a:gdLst>
+                <a:ahLst/>
+                <a:cxnLst>
+                  <a:cxn ang="0">
+                    <a:pos x="connsiteX0" y="connsiteY0"/>
+                  </a:cxn>
+                  <a:cxn ang="0">
+                    <a:pos x="connsiteX1" y="connsiteY1"/>
+                  </a:cxn>
+                  <a:cxn ang="0">
+                    <a:pos x="connsiteX2" y="connsiteY2"/>
+                  </a:cxn>
+                  <a:cxn ang="0">
+                    <a:pos x="connsiteX3" y="connsiteY3"/>
+                  </a:cxn>
+                  <a:cxn ang="0">
+                    <a:pos x="connsiteX4" y="connsiteY4"/>
+                  </a:cxn>
+                </a:cxnLst>
+                <a:rect l="l" t="t" r="r" b="b"/>
+                <a:pathLst>
+                  <a:path w="542925" h="161925">
+                    <a:moveTo>
+                      <a:pt x="540544" y="83344"/>
+                    </a:moveTo>
+                    <a:cubicBezTo>
+                      <a:pt x="540544" y="125428"/>
+                      <a:pt x="421138" y="159544"/>
+                      <a:pt x="273844" y="159544"/>
+                    </a:cubicBezTo>
+                    <a:cubicBezTo>
+                      <a:pt x="126549" y="159544"/>
+                      <a:pt x="7144" y="125428"/>
+                      <a:pt x="7144" y="83344"/>
+                    </a:cubicBezTo>
+                    <a:cubicBezTo>
+                      <a:pt x="7144" y="41260"/>
+                      <a:pt x="126549" y="7144"/>
+                      <a:pt x="273844" y="7144"/>
+                    </a:cubicBezTo>
+                    <a:cubicBezTo>
+                      <a:pt x="421138" y="7144"/>
+                      <a:pt x="540544" y="41260"/>
+                      <a:pt x="540544" y="83344"/>
+                    </a:cubicBezTo>
+                    <a:close/>
+                  </a:path>
+                </a:pathLst>
+              </a:custGeom>
+              <a:ln w="3175"/>
+            </p:spPr>
+            <p:style>
+              <a:lnRef idx="2">
+                <a:schemeClr val="dk1"/>
+              </a:lnRef>
+              <a:fillRef idx="1">
+                <a:schemeClr val="lt1"/>
+              </a:fillRef>
+              <a:effectRef idx="0">
+                <a:schemeClr val="dk1"/>
+              </a:effectRef>
+              <a:fontRef idx="minor">
+                <a:schemeClr val="dk1"/>
+              </a:fontRef>
+            </p:style>
+            <p:txBody>
+              <a:bodyPr rtlCol="0" anchor="ctr"/>
+              <a:lstStyle/>
+              <a:p>
+                <a:pPr marL="0" marR="0" lvl="0" indent="0" algn="l" defTabSz="914400" rtl="0" eaLnBrk="1" fontAlgn="auto" latinLnBrk="0" hangingPunct="1">
+                  <a:lnSpc>
+                    <a:spcPct val="100000"/>
+                  </a:lnSpc>
+                  <a:spcBef>
+                    <a:spcPts val="0"/>
+                  </a:spcBef>
+                  <a:spcAft>
+                    <a:spcPts val="0"/>
+                  </a:spcAft>
+                  <a:buClrTx/>
+                  <a:buSzTx/>
+                  <a:buFontTx/>
+                  <a:buNone/>
+                  <a:tabLst/>
+                  <a:defRPr/>
+                </a:pPr>
+                <a:endParaRPr kumimoji="0" lang="nl-NL" sz="1800" b="0" i="0" u="none" strike="noStrike" kern="1200" cap="none" spc="0" normalizeH="0" baseline="0" noProof="0">
+                  <a:ln>
+                    <a:noFill/>
+                  </a:ln>
+                  <a:solidFill>
+                    <a:prstClr val="white"/>
+                  </a:solidFill>
+                  <a:effectLst/>
+                  <a:uLnTx/>
+                  <a:uFillTx/>
+                  <a:latin typeface="Calibri" panose="020F0502020204030204"/>
+                  <a:ea typeface="+mn-ea"/>
+                  <a:cs typeface="+mn-cs"/>
+                </a:endParaRPr>
+              </a:p>
+            </p:txBody>
+          </p:sp>
+          <p:sp>
+            <p:nvSpPr>
+              <p:cNvPr id="98" name="Freeform: Shape 97">
+                <a:extLst>
+                  <a:ext uri="{FF2B5EF4-FFF2-40B4-BE49-F238E27FC236}">
+                    <a16:creationId xmlns:a16="http://schemas.microsoft.com/office/drawing/2014/main" id="{2D098A2E-CB8A-4FAD-87EA-306F0AFD16C1}"/>
+                  </a:ext>
+                </a:extLst>
+              </p:cNvPr>
+              <p:cNvSpPr/>
+              <p:nvPr/>
+            </p:nvSpPr>
+            <p:spPr>
+              <a:xfrm>
+                <a:off x="6399510" y="2280437"/>
+                <a:ext cx="542925" cy="238125"/>
+              </a:xfrm>
+              <a:custGeom>
+                <a:avLst/>
+                <a:gdLst>
+                  <a:gd name="connsiteX0" fmla="*/ 464344 w 542925"/>
+                  <a:gd name="connsiteY0" fmla="*/ 159544 h 238125"/>
+                  <a:gd name="connsiteX1" fmla="*/ 445294 w 542925"/>
+                  <a:gd name="connsiteY1" fmla="*/ 140494 h 238125"/>
+                  <a:gd name="connsiteX2" fmla="*/ 464344 w 542925"/>
+                  <a:gd name="connsiteY2" fmla="*/ 121444 h 238125"/>
+                  <a:gd name="connsiteX3" fmla="*/ 483394 w 542925"/>
+                  <a:gd name="connsiteY3" fmla="*/ 140494 h 238125"/>
+                  <a:gd name="connsiteX4" fmla="*/ 464344 w 542925"/>
+                  <a:gd name="connsiteY4" fmla="*/ 159544 h 238125"/>
+                  <a:gd name="connsiteX5" fmla="*/ 273844 w 542925"/>
+                  <a:gd name="connsiteY5" fmla="*/ 83344 h 238125"/>
+                  <a:gd name="connsiteX6" fmla="*/ 7144 w 542925"/>
+                  <a:gd name="connsiteY6" fmla="*/ 7144 h 238125"/>
+                  <a:gd name="connsiteX7" fmla="*/ 7144 w 542925"/>
+                  <a:gd name="connsiteY7" fmla="*/ 159544 h 238125"/>
+                  <a:gd name="connsiteX8" fmla="*/ 273844 w 542925"/>
+                  <a:gd name="connsiteY8" fmla="*/ 235744 h 238125"/>
+                  <a:gd name="connsiteX9" fmla="*/ 540544 w 542925"/>
+                  <a:gd name="connsiteY9" fmla="*/ 159544 h 238125"/>
+                  <a:gd name="connsiteX10" fmla="*/ 540544 w 542925"/>
+                  <a:gd name="connsiteY10" fmla="*/ 7144 h 238125"/>
+                  <a:gd name="connsiteX11" fmla="*/ 273844 w 542925"/>
+                  <a:gd name="connsiteY11" fmla="*/ 83344 h 238125"/>
+                </a:gdLst>
+                <a:ahLst/>
+                <a:cxnLst>
+                  <a:cxn ang="0">
+                    <a:pos x="connsiteX0" y="connsiteY0"/>
+                  </a:cxn>
+                  <a:cxn ang="0">
+                    <a:pos x="connsiteX1" y="connsiteY1"/>
+                  </a:cxn>
+                  <a:cxn ang="0">
+                    <a:pos x="connsiteX2" y="connsiteY2"/>
+                  </a:cxn>
+                  <a:cxn ang="0">
+                    <a:pos x="connsiteX3" y="connsiteY3"/>
+                  </a:cxn>
+                  <a:cxn ang="0">
+                    <a:pos x="connsiteX4" y="connsiteY4"/>
+                  </a:cxn>
+                  <a:cxn ang="0">
+                    <a:pos x="connsiteX5" y="connsiteY5"/>
+                  </a:cxn>
+                  <a:cxn ang="0">
+                    <a:pos x="connsiteX6" y="connsiteY6"/>
+                  </a:cxn>
+                  <a:cxn ang="0">
+                    <a:pos x="connsiteX7" y="connsiteY7"/>
+                  </a:cxn>
+                  <a:cxn ang="0">
+                    <a:pos x="connsiteX8" y="connsiteY8"/>
+                  </a:cxn>
+                  <a:cxn ang="0">
+                    <a:pos x="connsiteX9" y="connsiteY9"/>
+                  </a:cxn>
+                  <a:cxn ang="0">
+                    <a:pos x="connsiteX10" y="connsiteY10"/>
+                  </a:cxn>
+                  <a:cxn ang="0">
+                    <a:pos x="connsiteX11" y="connsiteY11"/>
+                  </a:cxn>
+                </a:cxnLst>
+                <a:rect l="l" t="t" r="r" b="b"/>
+                <a:pathLst>
+                  <a:path w="542925" h="238125">
+                    <a:moveTo>
+                      <a:pt x="464344" y="159544"/>
+                    </a:moveTo>
+                    <a:cubicBezTo>
+                      <a:pt x="452914" y="159544"/>
+                      <a:pt x="445294" y="151924"/>
+                      <a:pt x="445294" y="140494"/>
+                    </a:cubicBezTo>
+                    <a:cubicBezTo>
+                      <a:pt x="445294" y="129064"/>
+                      <a:pt x="452914" y="121444"/>
+                      <a:pt x="464344" y="121444"/>
+                    </a:cubicBezTo>
+                    <a:cubicBezTo>
+                      <a:pt x="475774" y="121444"/>
+                      <a:pt x="483394" y="129064"/>
+                      <a:pt x="483394" y="140494"/>
+                    </a:cubicBezTo>
+                    <a:cubicBezTo>
+                      <a:pt x="483394" y="151924"/>
+                      <a:pt x="475774" y="159544"/>
+                      <a:pt x="464344" y="159544"/>
+                    </a:cubicBezTo>
+                    <a:close/>
+                    <a:moveTo>
+                      <a:pt x="273844" y="83344"/>
+                    </a:moveTo>
+                    <a:cubicBezTo>
+                      <a:pt x="127159" y="83344"/>
+                      <a:pt x="7144" y="49054"/>
+                      <a:pt x="7144" y="7144"/>
+                    </a:cubicBezTo>
+                    <a:lnTo>
+                      <a:pt x="7144" y="159544"/>
+                    </a:lnTo>
+                    <a:cubicBezTo>
+                      <a:pt x="7144" y="201454"/>
+                      <a:pt x="127159" y="235744"/>
+                      <a:pt x="273844" y="235744"/>
+                    </a:cubicBezTo>
+                    <a:cubicBezTo>
+                      <a:pt x="420529" y="235744"/>
+                      <a:pt x="540544" y="201454"/>
+                      <a:pt x="540544" y="159544"/>
+                    </a:cubicBezTo>
+                    <a:lnTo>
+                      <a:pt x="540544" y="7144"/>
+                    </a:lnTo>
+                    <a:cubicBezTo>
+                      <a:pt x="540544" y="49054"/>
+                      <a:pt x="420529" y="83344"/>
+                      <a:pt x="273844" y="83344"/>
+                    </a:cubicBezTo>
+                    <a:close/>
+                  </a:path>
+                </a:pathLst>
+              </a:custGeom>
+              <a:ln w="3175"/>
+            </p:spPr>
+            <p:style>
+              <a:lnRef idx="2">
+                <a:schemeClr val="dk1"/>
+              </a:lnRef>
+              <a:fillRef idx="1">
+                <a:schemeClr val="lt1"/>
+              </a:fillRef>
+              <a:effectRef idx="0">
+                <a:schemeClr val="dk1"/>
+              </a:effectRef>
+              <a:fontRef idx="minor">
+                <a:schemeClr val="dk1"/>
+              </a:fontRef>
+            </p:style>
+            <p:txBody>
+              <a:bodyPr rtlCol="0" anchor="ctr"/>
+              <a:lstStyle/>
+              <a:p>
+                <a:pPr marL="0" marR="0" lvl="0" indent="0" algn="l" defTabSz="914400" rtl="0" eaLnBrk="1" fontAlgn="auto" latinLnBrk="0" hangingPunct="1">
+                  <a:lnSpc>
+                    <a:spcPct val="100000"/>
+                  </a:lnSpc>
+                  <a:spcBef>
+                    <a:spcPts val="0"/>
+                  </a:spcBef>
+                  <a:spcAft>
+                    <a:spcPts val="0"/>
+                  </a:spcAft>
+                  <a:buClrTx/>
+                  <a:buSzTx/>
+                  <a:buFontTx/>
+                  <a:buNone/>
+                  <a:tabLst/>
+                  <a:defRPr/>
+                </a:pPr>
+                <a:endParaRPr kumimoji="0" lang="nl-NL" sz="1800" b="0" i="0" u="none" strike="noStrike" kern="1200" cap="none" spc="0" normalizeH="0" baseline="0" noProof="0" dirty="0">
+                  <a:ln>
+                    <a:noFill/>
+                  </a:ln>
+                  <a:solidFill>
+                    <a:prstClr val="white"/>
+                  </a:solidFill>
+                  <a:effectLst/>
+                  <a:uLnTx/>
+                  <a:uFillTx/>
+                  <a:latin typeface="Calibri" panose="020F0502020204030204"/>
+                  <a:ea typeface="+mn-ea"/>
+                  <a:cs typeface="+mn-cs"/>
+                </a:endParaRPr>
+              </a:p>
+            </p:txBody>
+          </p:sp>
+        </p:grpSp>
+        <p:grpSp>
+          <p:nvGrpSpPr>
+            <p:cNvPr id="99" name="Graphic 6" descr="Database">
+              <a:extLst>
+                <a:ext uri="{FF2B5EF4-FFF2-40B4-BE49-F238E27FC236}">
+                  <a16:creationId xmlns:a16="http://schemas.microsoft.com/office/drawing/2014/main" id="{A9405976-FB87-4671-B51C-D899A8036034}"/>
+                </a:ext>
+              </a:extLst>
+            </p:cNvPr>
+            <p:cNvGrpSpPr/>
+            <p:nvPr/>
+          </p:nvGrpSpPr>
+          <p:grpSpPr>
+            <a:xfrm>
+              <a:off x="5273700" y="1889147"/>
+              <a:ext cx="388598" cy="235243"/>
+              <a:chOff x="6399510" y="2166137"/>
+              <a:chExt cx="542925" cy="352425"/>
+            </a:xfrm>
+            <a:solidFill>
+              <a:schemeClr val="bg2"/>
+            </a:solidFill>
+          </p:grpSpPr>
+          <p:sp>
+            <p:nvSpPr>
+              <p:cNvPr id="100" name="Freeform: Shape 99">
+                <a:extLst>
+                  <a:ext uri="{FF2B5EF4-FFF2-40B4-BE49-F238E27FC236}">
+                    <a16:creationId xmlns:a16="http://schemas.microsoft.com/office/drawing/2014/main" id="{08BB9F9E-A5BF-4D1B-894C-ABE1C139EA36}"/>
+                  </a:ext>
+                </a:extLst>
+              </p:cNvPr>
+              <p:cNvSpPr/>
+              <p:nvPr/>
+            </p:nvSpPr>
+            <p:spPr>
+              <a:xfrm>
+                <a:off x="6399510" y="2166137"/>
+                <a:ext cx="542925" cy="161925"/>
+              </a:xfrm>
+              <a:custGeom>
+                <a:avLst/>
+                <a:gdLst>
+                  <a:gd name="connsiteX0" fmla="*/ 540544 w 542925"/>
+                  <a:gd name="connsiteY0" fmla="*/ 83344 h 161925"/>
+                  <a:gd name="connsiteX1" fmla="*/ 273844 w 542925"/>
+                  <a:gd name="connsiteY1" fmla="*/ 159544 h 161925"/>
+                  <a:gd name="connsiteX2" fmla="*/ 7144 w 542925"/>
+                  <a:gd name="connsiteY2" fmla="*/ 83344 h 161925"/>
+                  <a:gd name="connsiteX3" fmla="*/ 273844 w 542925"/>
+                  <a:gd name="connsiteY3" fmla="*/ 7144 h 161925"/>
+                  <a:gd name="connsiteX4" fmla="*/ 540544 w 542925"/>
+                  <a:gd name="connsiteY4" fmla="*/ 83344 h 161925"/>
+                </a:gdLst>
+                <a:ahLst/>
+                <a:cxnLst>
+                  <a:cxn ang="0">
+                    <a:pos x="connsiteX0" y="connsiteY0"/>
+                  </a:cxn>
+                  <a:cxn ang="0">
+                    <a:pos x="connsiteX1" y="connsiteY1"/>
+                  </a:cxn>
+                  <a:cxn ang="0">
+                    <a:pos x="connsiteX2" y="connsiteY2"/>
+                  </a:cxn>
+                  <a:cxn ang="0">
+                    <a:pos x="connsiteX3" y="connsiteY3"/>
+                  </a:cxn>
+                  <a:cxn ang="0">
+                    <a:pos x="connsiteX4" y="connsiteY4"/>
+                  </a:cxn>
+                </a:cxnLst>
+                <a:rect l="l" t="t" r="r" b="b"/>
+                <a:pathLst>
+                  <a:path w="542925" h="161925">
+                    <a:moveTo>
+                      <a:pt x="540544" y="83344"/>
+                    </a:moveTo>
+                    <a:cubicBezTo>
+                      <a:pt x="540544" y="125428"/>
+                      <a:pt x="421138" y="159544"/>
+                      <a:pt x="273844" y="159544"/>
+                    </a:cubicBezTo>
+                    <a:cubicBezTo>
+                      <a:pt x="126549" y="159544"/>
+                      <a:pt x="7144" y="125428"/>
+                      <a:pt x="7144" y="83344"/>
+                    </a:cubicBezTo>
+                    <a:cubicBezTo>
+                      <a:pt x="7144" y="41260"/>
+                      <a:pt x="126549" y="7144"/>
+                      <a:pt x="273844" y="7144"/>
+                    </a:cubicBezTo>
+                    <a:cubicBezTo>
+                      <a:pt x="421138" y="7144"/>
+                      <a:pt x="540544" y="41260"/>
+                      <a:pt x="540544" y="83344"/>
+                    </a:cubicBezTo>
+                    <a:close/>
+                  </a:path>
+                </a:pathLst>
+              </a:custGeom>
+              <a:ln w="3175"/>
+            </p:spPr>
+            <p:style>
+              <a:lnRef idx="2">
+                <a:schemeClr val="dk1"/>
+              </a:lnRef>
+              <a:fillRef idx="1">
+                <a:schemeClr val="lt1"/>
+              </a:fillRef>
+              <a:effectRef idx="0">
+                <a:schemeClr val="dk1"/>
+              </a:effectRef>
+              <a:fontRef idx="minor">
+                <a:schemeClr val="dk1"/>
+              </a:fontRef>
+            </p:style>
+            <p:txBody>
+              <a:bodyPr rtlCol="0" anchor="ctr"/>
+              <a:lstStyle/>
+              <a:p>
+                <a:pPr marL="0" marR="0" lvl="0" indent="0" algn="l" defTabSz="914400" rtl="0" eaLnBrk="1" fontAlgn="auto" latinLnBrk="0" hangingPunct="1">
+                  <a:lnSpc>
+                    <a:spcPct val="100000"/>
+                  </a:lnSpc>
+                  <a:spcBef>
+                    <a:spcPts val="0"/>
+                  </a:spcBef>
+                  <a:spcAft>
+                    <a:spcPts val="0"/>
+                  </a:spcAft>
+                  <a:buClrTx/>
+                  <a:buSzTx/>
+                  <a:buFontTx/>
+                  <a:buNone/>
+                  <a:tabLst/>
+                  <a:defRPr/>
+                </a:pPr>
+                <a:endParaRPr kumimoji="0" lang="nl-NL" sz="1800" b="0" i="0" u="none" strike="noStrike" kern="1200" cap="none" spc="0" normalizeH="0" baseline="0" noProof="0">
+                  <a:ln>
+                    <a:noFill/>
+                  </a:ln>
+                  <a:solidFill>
+                    <a:prstClr val="white"/>
+                  </a:solidFill>
+                  <a:effectLst/>
+                  <a:uLnTx/>
+                  <a:uFillTx/>
+                  <a:latin typeface="Calibri" panose="020F0502020204030204"/>
+                  <a:ea typeface="+mn-ea"/>
+                  <a:cs typeface="+mn-cs"/>
+                </a:endParaRPr>
+              </a:p>
+            </p:txBody>
+          </p:sp>
+          <p:sp>
+            <p:nvSpPr>
+              <p:cNvPr id="101" name="Freeform: Shape 100">
+                <a:extLst>
+                  <a:ext uri="{FF2B5EF4-FFF2-40B4-BE49-F238E27FC236}">
+                    <a16:creationId xmlns:a16="http://schemas.microsoft.com/office/drawing/2014/main" id="{38FDC469-7AA3-453B-A1EA-C68C5664FFB3}"/>
+                  </a:ext>
+                </a:extLst>
+              </p:cNvPr>
+              <p:cNvSpPr/>
+              <p:nvPr/>
+            </p:nvSpPr>
+            <p:spPr>
+              <a:xfrm>
+                <a:off x="6399510" y="2280437"/>
+                <a:ext cx="542925" cy="238125"/>
+              </a:xfrm>
+              <a:custGeom>
+                <a:avLst/>
+                <a:gdLst>
+                  <a:gd name="connsiteX0" fmla="*/ 464344 w 542925"/>
+                  <a:gd name="connsiteY0" fmla="*/ 159544 h 238125"/>
+                  <a:gd name="connsiteX1" fmla="*/ 445294 w 542925"/>
+                  <a:gd name="connsiteY1" fmla="*/ 140494 h 238125"/>
+                  <a:gd name="connsiteX2" fmla="*/ 464344 w 542925"/>
+                  <a:gd name="connsiteY2" fmla="*/ 121444 h 238125"/>
+                  <a:gd name="connsiteX3" fmla="*/ 483394 w 542925"/>
+                  <a:gd name="connsiteY3" fmla="*/ 140494 h 238125"/>
+                  <a:gd name="connsiteX4" fmla="*/ 464344 w 542925"/>
+                  <a:gd name="connsiteY4" fmla="*/ 159544 h 238125"/>
+                  <a:gd name="connsiteX5" fmla="*/ 273844 w 542925"/>
+                  <a:gd name="connsiteY5" fmla="*/ 83344 h 238125"/>
+                  <a:gd name="connsiteX6" fmla="*/ 7144 w 542925"/>
+                  <a:gd name="connsiteY6" fmla="*/ 7144 h 238125"/>
+                  <a:gd name="connsiteX7" fmla="*/ 7144 w 542925"/>
+                  <a:gd name="connsiteY7" fmla="*/ 159544 h 238125"/>
+                  <a:gd name="connsiteX8" fmla="*/ 273844 w 542925"/>
+                  <a:gd name="connsiteY8" fmla="*/ 235744 h 238125"/>
+                  <a:gd name="connsiteX9" fmla="*/ 540544 w 542925"/>
+                  <a:gd name="connsiteY9" fmla="*/ 159544 h 238125"/>
+                  <a:gd name="connsiteX10" fmla="*/ 540544 w 542925"/>
+                  <a:gd name="connsiteY10" fmla="*/ 7144 h 238125"/>
+                  <a:gd name="connsiteX11" fmla="*/ 273844 w 542925"/>
+                  <a:gd name="connsiteY11" fmla="*/ 83344 h 238125"/>
+                </a:gdLst>
+                <a:ahLst/>
+                <a:cxnLst>
+                  <a:cxn ang="0">
+                    <a:pos x="connsiteX0" y="connsiteY0"/>
+                  </a:cxn>
+                  <a:cxn ang="0">
+                    <a:pos x="connsiteX1" y="connsiteY1"/>
+                  </a:cxn>
+                  <a:cxn ang="0">
+                    <a:pos x="connsiteX2" y="connsiteY2"/>
+                  </a:cxn>
+                  <a:cxn ang="0">
+                    <a:pos x="connsiteX3" y="connsiteY3"/>
+                  </a:cxn>
+                  <a:cxn ang="0">
+                    <a:pos x="connsiteX4" y="connsiteY4"/>
+                  </a:cxn>
+                  <a:cxn ang="0">
+                    <a:pos x="connsiteX5" y="connsiteY5"/>
+                  </a:cxn>
+                  <a:cxn ang="0">
+                    <a:pos x="connsiteX6" y="connsiteY6"/>
+                  </a:cxn>
+                  <a:cxn ang="0">
+                    <a:pos x="connsiteX7" y="connsiteY7"/>
+                  </a:cxn>
+                  <a:cxn ang="0">
+                    <a:pos x="connsiteX8" y="connsiteY8"/>
+                  </a:cxn>
+                  <a:cxn ang="0">
+                    <a:pos x="connsiteX9" y="connsiteY9"/>
+                  </a:cxn>
+                  <a:cxn ang="0">
+                    <a:pos x="connsiteX10" y="connsiteY10"/>
+                  </a:cxn>
+                  <a:cxn ang="0">
+                    <a:pos x="connsiteX11" y="connsiteY11"/>
+                  </a:cxn>
+                </a:cxnLst>
+                <a:rect l="l" t="t" r="r" b="b"/>
+                <a:pathLst>
+                  <a:path w="542925" h="238125">
+                    <a:moveTo>
+                      <a:pt x="464344" y="159544"/>
+                    </a:moveTo>
+                    <a:cubicBezTo>
+                      <a:pt x="452914" y="159544"/>
+                      <a:pt x="445294" y="151924"/>
+                      <a:pt x="445294" y="140494"/>
+                    </a:cubicBezTo>
+                    <a:cubicBezTo>
+                      <a:pt x="445294" y="129064"/>
+                      <a:pt x="452914" y="121444"/>
+                      <a:pt x="464344" y="121444"/>
+                    </a:cubicBezTo>
+                    <a:cubicBezTo>
+                      <a:pt x="475774" y="121444"/>
+                      <a:pt x="483394" y="129064"/>
+                      <a:pt x="483394" y="140494"/>
+                    </a:cubicBezTo>
+                    <a:cubicBezTo>
+                      <a:pt x="483394" y="151924"/>
+                      <a:pt x="475774" y="159544"/>
+                      <a:pt x="464344" y="159544"/>
+                    </a:cubicBezTo>
+                    <a:close/>
+                    <a:moveTo>
+                      <a:pt x="273844" y="83344"/>
+                    </a:moveTo>
+                    <a:cubicBezTo>
+                      <a:pt x="127159" y="83344"/>
+                      <a:pt x="7144" y="49054"/>
+                      <a:pt x="7144" y="7144"/>
+                    </a:cubicBezTo>
+                    <a:lnTo>
+                      <a:pt x="7144" y="159544"/>
+                    </a:lnTo>
+                    <a:cubicBezTo>
+                      <a:pt x="7144" y="201454"/>
+                      <a:pt x="127159" y="235744"/>
+                      <a:pt x="273844" y="235744"/>
+                    </a:cubicBezTo>
+                    <a:cubicBezTo>
+                      <a:pt x="420529" y="235744"/>
+                      <a:pt x="540544" y="201454"/>
+                      <a:pt x="540544" y="159544"/>
+                    </a:cubicBezTo>
+                    <a:lnTo>
+                      <a:pt x="540544" y="7144"/>
+                    </a:lnTo>
+                    <a:cubicBezTo>
+                      <a:pt x="540544" y="49054"/>
+                      <a:pt x="420529" y="83344"/>
+                      <a:pt x="273844" y="83344"/>
+                    </a:cubicBezTo>
+                    <a:close/>
+                  </a:path>
+                </a:pathLst>
+              </a:custGeom>
+              <a:ln w="3175"/>
+            </p:spPr>
+            <p:style>
+              <a:lnRef idx="2">
+                <a:schemeClr val="dk1"/>
+              </a:lnRef>
+              <a:fillRef idx="1">
+                <a:schemeClr val="lt1"/>
+              </a:fillRef>
+              <a:effectRef idx="0">
+                <a:schemeClr val="dk1"/>
+              </a:effectRef>
+              <a:fontRef idx="minor">
+                <a:schemeClr val="dk1"/>
+              </a:fontRef>
+            </p:style>
+            <p:txBody>
+              <a:bodyPr rtlCol="0" anchor="ctr"/>
+              <a:lstStyle/>
+              <a:p>
+                <a:pPr marL="0" marR="0" lvl="0" indent="0" algn="l" defTabSz="914400" rtl="0" eaLnBrk="1" fontAlgn="auto" latinLnBrk="0" hangingPunct="1">
+                  <a:lnSpc>
+                    <a:spcPct val="100000"/>
+                  </a:lnSpc>
+                  <a:spcBef>
+                    <a:spcPts val="0"/>
+                  </a:spcBef>
+                  <a:spcAft>
+                    <a:spcPts val="0"/>
+                  </a:spcAft>
+                  <a:buClrTx/>
+                  <a:buSzTx/>
+                  <a:buFontTx/>
+                  <a:buNone/>
+                  <a:tabLst/>
+                  <a:defRPr/>
+                </a:pPr>
+                <a:endParaRPr kumimoji="0" lang="nl-NL" sz="1800" b="0" i="0" u="none" strike="noStrike" kern="1200" cap="none" spc="0" normalizeH="0" baseline="0" noProof="0" dirty="0">
+                  <a:ln>
+                    <a:noFill/>
+                  </a:ln>
+                  <a:solidFill>
+                    <a:prstClr val="white"/>
+                  </a:solidFill>
+                  <a:effectLst/>
+                  <a:uLnTx/>
+                  <a:uFillTx/>
+                  <a:latin typeface="Calibri" panose="020F0502020204030204"/>
+                  <a:ea typeface="+mn-ea"/>
+                  <a:cs typeface="+mn-cs"/>
+                </a:endParaRPr>
+              </a:p>
+            </p:txBody>
+          </p:sp>
+        </p:grpSp>
+        <p:sp>
+          <p:nvSpPr>
+            <p:cNvPr id="20" name="TextBox 19">
+              <a:extLst>
+                <a:ext uri="{FF2B5EF4-FFF2-40B4-BE49-F238E27FC236}">
+                  <a16:creationId xmlns:a16="http://schemas.microsoft.com/office/drawing/2014/main" id="{0B56B563-448A-4417-986F-4317E1CCDD3E}"/>
+                </a:ext>
+              </a:extLst>
+            </p:cNvPr>
+            <p:cNvSpPr txBox="1"/>
+            <p:nvPr/>
+          </p:nvSpPr>
+          <p:spPr>
+            <a:xfrm>
+              <a:off x="3994723" y="1057470"/>
+              <a:ext cx="756818" cy="264558"/>
+            </a:xfrm>
+            <a:prstGeom prst="rect">
+              <a:avLst/>
+            </a:prstGeom>
+          </p:spPr>
+          <p:txBody>
+            <a:bodyPr wrap="none" rtlCol="0">
+              <a:normAutofit lnSpcReduction="10000"/>
+            </a:bodyPr>
+            <a:lstStyle/>
+            <a:p>
+              <a:r>
+                <a:rPr lang="en-US" sz="1200" dirty="0">
+                  <a:solidFill>
+                    <a:sysClr val="windowText" lastClr="000000"/>
+                  </a:solidFill>
+                </a:rPr>
+                <a:t>.</a:t>
+              </a:r>
+              <a:r>
+                <a:rPr lang="en-US" sz="1200" dirty="0" err="1">
+                  <a:solidFill>
+                    <a:sysClr val="windowText" lastClr="000000"/>
+                  </a:solidFill>
+                </a:rPr>
+                <a:t>gms</a:t>
+              </a:r>
+              <a:r>
+                <a:rPr lang="en-US" sz="1200" dirty="0">
+                  <a:solidFill>
+                    <a:sysClr val="windowText" lastClr="000000"/>
+                  </a:solidFill>
+                </a:rPr>
+                <a:t> files</a:t>
+              </a:r>
+            </a:p>
+          </p:txBody>
+        </p:sp>
+        <p:sp>
+          <p:nvSpPr>
+            <p:cNvPr id="102" name="TextBox 101">
+              <a:extLst>
+                <a:ext uri="{FF2B5EF4-FFF2-40B4-BE49-F238E27FC236}">
+                  <a16:creationId xmlns:a16="http://schemas.microsoft.com/office/drawing/2014/main" id="{8636CFCB-12B9-45E8-9EE1-0E178D8B8B24}"/>
+                </a:ext>
+              </a:extLst>
+            </p:cNvPr>
+            <p:cNvSpPr txBox="1"/>
+            <p:nvPr/>
+          </p:nvSpPr>
+          <p:spPr>
+            <a:xfrm>
+              <a:off x="5095592" y="1057470"/>
+              <a:ext cx="756818" cy="264558"/>
+            </a:xfrm>
+            <a:prstGeom prst="rect">
+              <a:avLst/>
+            </a:prstGeom>
+          </p:spPr>
+          <p:txBody>
+            <a:bodyPr wrap="none" rtlCol="0">
+              <a:normAutofit lnSpcReduction="10000"/>
+            </a:bodyPr>
+            <a:lstStyle/>
+            <a:p>
+              <a:r>
+                <a:rPr lang="en-US" sz="1200" dirty="0">
+                  <a:solidFill>
+                    <a:sysClr val="windowText" lastClr="000000"/>
+                  </a:solidFill>
+                </a:rPr>
+                <a:t>.</a:t>
+              </a:r>
+              <a:r>
+                <a:rPr lang="en-US" sz="1200" dirty="0" err="1">
+                  <a:solidFill>
+                    <a:sysClr val="windowText" lastClr="000000"/>
+                  </a:solidFill>
+                </a:rPr>
+                <a:t>gdx</a:t>
+              </a:r>
+              <a:r>
+                <a:rPr lang="en-US" sz="1200" dirty="0">
+                  <a:solidFill>
+                    <a:sysClr val="windowText" lastClr="000000"/>
+                  </a:solidFill>
+                </a:rPr>
+                <a:t> files</a:t>
+              </a:r>
+            </a:p>
+          </p:txBody>
+        </p:sp>
+        <p:grpSp>
+          <p:nvGrpSpPr>
+            <p:cNvPr id="103" name="Graphic 6" descr="Database">
+              <a:extLst>
+                <a:ext uri="{FF2B5EF4-FFF2-40B4-BE49-F238E27FC236}">
+                  <a16:creationId xmlns:a16="http://schemas.microsoft.com/office/drawing/2014/main" id="{3AC95811-137A-4DC9-A355-1E2D322686A9}"/>
+                </a:ext>
+              </a:extLst>
+            </p:cNvPr>
+            <p:cNvGrpSpPr/>
+            <p:nvPr/>
+          </p:nvGrpSpPr>
+          <p:grpSpPr>
+            <a:xfrm>
+              <a:off x="4153138" y="2159645"/>
+              <a:ext cx="388598" cy="235243"/>
+              <a:chOff x="6399510" y="2166137"/>
+              <a:chExt cx="542925" cy="352425"/>
+            </a:xfrm>
+            <a:solidFill>
+              <a:schemeClr val="bg2"/>
+            </a:solidFill>
+          </p:grpSpPr>
+          <p:sp>
+            <p:nvSpPr>
+              <p:cNvPr id="104" name="Freeform: Shape 103">
+                <a:extLst>
+                  <a:ext uri="{FF2B5EF4-FFF2-40B4-BE49-F238E27FC236}">
+                    <a16:creationId xmlns:a16="http://schemas.microsoft.com/office/drawing/2014/main" id="{E034B409-6412-422B-BB61-B4E1B56C2C22}"/>
+                  </a:ext>
+                </a:extLst>
+              </p:cNvPr>
+              <p:cNvSpPr/>
+              <p:nvPr/>
+            </p:nvSpPr>
+            <p:spPr>
+              <a:xfrm>
+                <a:off x="6399510" y="2166137"/>
+                <a:ext cx="542925" cy="161925"/>
+              </a:xfrm>
+              <a:custGeom>
+                <a:avLst/>
+                <a:gdLst>
+                  <a:gd name="connsiteX0" fmla="*/ 540544 w 542925"/>
+                  <a:gd name="connsiteY0" fmla="*/ 83344 h 161925"/>
+                  <a:gd name="connsiteX1" fmla="*/ 273844 w 542925"/>
+                  <a:gd name="connsiteY1" fmla="*/ 159544 h 161925"/>
+                  <a:gd name="connsiteX2" fmla="*/ 7144 w 542925"/>
+                  <a:gd name="connsiteY2" fmla="*/ 83344 h 161925"/>
+                  <a:gd name="connsiteX3" fmla="*/ 273844 w 542925"/>
+                  <a:gd name="connsiteY3" fmla="*/ 7144 h 161925"/>
+                  <a:gd name="connsiteX4" fmla="*/ 540544 w 542925"/>
+                  <a:gd name="connsiteY4" fmla="*/ 83344 h 161925"/>
+                </a:gdLst>
+                <a:ahLst/>
+                <a:cxnLst>
+                  <a:cxn ang="0">
+                    <a:pos x="connsiteX0" y="connsiteY0"/>
+                  </a:cxn>
+                  <a:cxn ang="0">
+                    <a:pos x="connsiteX1" y="connsiteY1"/>
+                  </a:cxn>
+                  <a:cxn ang="0">
+                    <a:pos x="connsiteX2" y="connsiteY2"/>
+                  </a:cxn>
+                  <a:cxn ang="0">
+                    <a:pos x="connsiteX3" y="connsiteY3"/>
+                  </a:cxn>
+                  <a:cxn ang="0">
+                    <a:pos x="connsiteX4" y="connsiteY4"/>
+                  </a:cxn>
+                </a:cxnLst>
+                <a:rect l="l" t="t" r="r" b="b"/>
+                <a:pathLst>
+                  <a:path w="542925" h="161925">
+                    <a:moveTo>
+                      <a:pt x="540544" y="83344"/>
+                    </a:moveTo>
+                    <a:cubicBezTo>
+                      <a:pt x="540544" y="125428"/>
+                      <a:pt x="421138" y="159544"/>
+                      <a:pt x="273844" y="159544"/>
+                    </a:cubicBezTo>
+                    <a:cubicBezTo>
+                      <a:pt x="126549" y="159544"/>
+                      <a:pt x="7144" y="125428"/>
+                      <a:pt x="7144" y="83344"/>
+                    </a:cubicBezTo>
+                    <a:cubicBezTo>
+                      <a:pt x="7144" y="41260"/>
+                      <a:pt x="126549" y="7144"/>
+                      <a:pt x="273844" y="7144"/>
+                    </a:cubicBezTo>
+                    <a:cubicBezTo>
+                      <a:pt x="421138" y="7144"/>
+                      <a:pt x="540544" y="41260"/>
+                      <a:pt x="540544" y="83344"/>
+                    </a:cubicBezTo>
+                    <a:close/>
+                  </a:path>
+                </a:pathLst>
+              </a:custGeom>
+              <a:ln w="3175"/>
+            </p:spPr>
+            <p:style>
+              <a:lnRef idx="2">
+                <a:schemeClr val="dk1"/>
+              </a:lnRef>
+              <a:fillRef idx="1">
+                <a:schemeClr val="lt1"/>
+              </a:fillRef>
+              <a:effectRef idx="0">
+                <a:schemeClr val="dk1"/>
+              </a:effectRef>
+              <a:fontRef idx="minor">
+                <a:schemeClr val="dk1"/>
+              </a:fontRef>
+            </p:style>
+            <p:txBody>
+              <a:bodyPr rtlCol="0" anchor="ctr"/>
+              <a:lstStyle/>
+              <a:p>
+                <a:pPr marL="0" marR="0" lvl="0" indent="0" algn="l" defTabSz="914400" rtl="0" eaLnBrk="1" fontAlgn="auto" latinLnBrk="0" hangingPunct="1">
+                  <a:lnSpc>
+                    <a:spcPct val="100000"/>
+                  </a:lnSpc>
+                  <a:spcBef>
+                    <a:spcPts val="0"/>
+                  </a:spcBef>
+                  <a:spcAft>
+                    <a:spcPts val="0"/>
+                  </a:spcAft>
+                  <a:buClrTx/>
+                  <a:buSzTx/>
+                  <a:buFontTx/>
+                  <a:buNone/>
+                  <a:tabLst/>
+                  <a:defRPr/>
+                </a:pPr>
+                <a:endParaRPr kumimoji="0" lang="nl-NL" sz="1800" b="0" i="0" u="none" strike="noStrike" kern="1200" cap="none" spc="0" normalizeH="0" baseline="0" noProof="0">
+                  <a:ln>
+                    <a:noFill/>
+                  </a:ln>
+                  <a:solidFill>
+                    <a:prstClr val="white"/>
+                  </a:solidFill>
+                  <a:effectLst/>
+                  <a:uLnTx/>
+                  <a:uFillTx/>
+                  <a:latin typeface="Calibri" panose="020F0502020204030204"/>
+                  <a:ea typeface="+mn-ea"/>
+                  <a:cs typeface="+mn-cs"/>
+                </a:endParaRPr>
+              </a:p>
+            </p:txBody>
+          </p:sp>
+          <p:sp>
+            <p:nvSpPr>
+              <p:cNvPr id="105" name="Freeform: Shape 104">
+                <a:extLst>
+                  <a:ext uri="{FF2B5EF4-FFF2-40B4-BE49-F238E27FC236}">
+                    <a16:creationId xmlns:a16="http://schemas.microsoft.com/office/drawing/2014/main" id="{B2688CA1-4A11-418A-BFC0-F016480667F3}"/>
+                  </a:ext>
+                </a:extLst>
+              </p:cNvPr>
+              <p:cNvSpPr/>
+              <p:nvPr/>
+            </p:nvSpPr>
+            <p:spPr>
+              <a:xfrm>
+                <a:off x="6399510" y="2280437"/>
+                <a:ext cx="542925" cy="238125"/>
+              </a:xfrm>
+              <a:custGeom>
+                <a:avLst/>
+                <a:gdLst>
+                  <a:gd name="connsiteX0" fmla="*/ 464344 w 542925"/>
+                  <a:gd name="connsiteY0" fmla="*/ 159544 h 238125"/>
+                  <a:gd name="connsiteX1" fmla="*/ 445294 w 542925"/>
+                  <a:gd name="connsiteY1" fmla="*/ 140494 h 238125"/>
+                  <a:gd name="connsiteX2" fmla="*/ 464344 w 542925"/>
+                  <a:gd name="connsiteY2" fmla="*/ 121444 h 238125"/>
+                  <a:gd name="connsiteX3" fmla="*/ 483394 w 542925"/>
+                  <a:gd name="connsiteY3" fmla="*/ 140494 h 238125"/>
+                  <a:gd name="connsiteX4" fmla="*/ 464344 w 542925"/>
+                  <a:gd name="connsiteY4" fmla="*/ 159544 h 238125"/>
+                  <a:gd name="connsiteX5" fmla="*/ 273844 w 542925"/>
+                  <a:gd name="connsiteY5" fmla="*/ 83344 h 238125"/>
+                  <a:gd name="connsiteX6" fmla="*/ 7144 w 542925"/>
+                  <a:gd name="connsiteY6" fmla="*/ 7144 h 238125"/>
+                  <a:gd name="connsiteX7" fmla="*/ 7144 w 542925"/>
+                  <a:gd name="connsiteY7" fmla="*/ 159544 h 238125"/>
+                  <a:gd name="connsiteX8" fmla="*/ 273844 w 542925"/>
+                  <a:gd name="connsiteY8" fmla="*/ 235744 h 238125"/>
+                  <a:gd name="connsiteX9" fmla="*/ 540544 w 542925"/>
+                  <a:gd name="connsiteY9" fmla="*/ 159544 h 238125"/>
+                  <a:gd name="connsiteX10" fmla="*/ 540544 w 542925"/>
+                  <a:gd name="connsiteY10" fmla="*/ 7144 h 238125"/>
+                  <a:gd name="connsiteX11" fmla="*/ 273844 w 542925"/>
+                  <a:gd name="connsiteY11" fmla="*/ 83344 h 238125"/>
+                </a:gdLst>
+                <a:ahLst/>
+                <a:cxnLst>
+                  <a:cxn ang="0">
+                    <a:pos x="connsiteX0" y="connsiteY0"/>
+                  </a:cxn>
+                  <a:cxn ang="0">
+                    <a:pos x="connsiteX1" y="connsiteY1"/>
+                  </a:cxn>
+                  <a:cxn ang="0">
+                    <a:pos x="connsiteX2" y="connsiteY2"/>
+                  </a:cxn>
+                  <a:cxn ang="0">
+                    <a:pos x="connsiteX3" y="connsiteY3"/>
+                  </a:cxn>
+                  <a:cxn ang="0">
+                    <a:pos x="connsiteX4" y="connsiteY4"/>
+                  </a:cxn>
+                  <a:cxn ang="0">
+                    <a:pos x="connsiteX5" y="connsiteY5"/>
+                  </a:cxn>
+                  <a:cxn ang="0">
+                    <a:pos x="connsiteX6" y="connsiteY6"/>
+                  </a:cxn>
+                  <a:cxn ang="0">
+                    <a:pos x="connsiteX7" y="connsiteY7"/>
+                  </a:cxn>
+                  <a:cxn ang="0">
+                    <a:pos x="connsiteX8" y="connsiteY8"/>
+                  </a:cxn>
+                  <a:cxn ang="0">
+                    <a:pos x="connsiteX9" y="connsiteY9"/>
+                  </a:cxn>
+                  <a:cxn ang="0">
+                    <a:pos x="connsiteX10" y="connsiteY10"/>
+                  </a:cxn>
+                  <a:cxn ang="0">
+                    <a:pos x="connsiteX11" y="connsiteY11"/>
+                  </a:cxn>
+                </a:cxnLst>
+                <a:rect l="l" t="t" r="r" b="b"/>
+                <a:pathLst>
+                  <a:path w="542925" h="238125">
+                    <a:moveTo>
+                      <a:pt x="464344" y="159544"/>
+                    </a:moveTo>
+                    <a:cubicBezTo>
+                      <a:pt x="452914" y="159544"/>
+                      <a:pt x="445294" y="151924"/>
+                      <a:pt x="445294" y="140494"/>
+                    </a:cubicBezTo>
+                    <a:cubicBezTo>
+                      <a:pt x="445294" y="129064"/>
+                      <a:pt x="452914" y="121444"/>
+                      <a:pt x="464344" y="121444"/>
+                    </a:cubicBezTo>
+                    <a:cubicBezTo>
+                      <a:pt x="475774" y="121444"/>
+                      <a:pt x="483394" y="129064"/>
+                      <a:pt x="483394" y="140494"/>
+                    </a:cubicBezTo>
+                    <a:cubicBezTo>
+                      <a:pt x="483394" y="151924"/>
+                      <a:pt x="475774" y="159544"/>
+                      <a:pt x="464344" y="159544"/>
+                    </a:cubicBezTo>
+                    <a:close/>
+                    <a:moveTo>
+                      <a:pt x="273844" y="83344"/>
+                    </a:moveTo>
+                    <a:cubicBezTo>
+                      <a:pt x="127159" y="83344"/>
+                      <a:pt x="7144" y="49054"/>
+                      <a:pt x="7144" y="7144"/>
+                    </a:cubicBezTo>
+                    <a:lnTo>
+                      <a:pt x="7144" y="159544"/>
+                    </a:lnTo>
+                    <a:cubicBezTo>
+                      <a:pt x="7144" y="201454"/>
+                      <a:pt x="127159" y="235744"/>
+                      <a:pt x="273844" y="235744"/>
+                    </a:cubicBezTo>
+                    <a:cubicBezTo>
+                      <a:pt x="420529" y="235744"/>
+                      <a:pt x="540544" y="201454"/>
+                      <a:pt x="540544" y="159544"/>
+                    </a:cubicBezTo>
+                    <a:lnTo>
+                      <a:pt x="540544" y="7144"/>
+                    </a:lnTo>
+                    <a:cubicBezTo>
+                      <a:pt x="540544" y="49054"/>
+                      <a:pt x="420529" y="83344"/>
+                      <a:pt x="273844" y="83344"/>
+                    </a:cubicBezTo>
+                    <a:close/>
+                  </a:path>
+                </a:pathLst>
+              </a:custGeom>
+              <a:ln w="3175"/>
+            </p:spPr>
+            <p:style>
+              <a:lnRef idx="2">
+                <a:schemeClr val="dk1"/>
+              </a:lnRef>
+              <a:fillRef idx="1">
+                <a:schemeClr val="lt1"/>
+              </a:fillRef>
+              <a:effectRef idx="0">
+                <a:schemeClr val="dk1"/>
+              </a:effectRef>
+              <a:fontRef idx="minor">
+                <a:schemeClr val="dk1"/>
+              </a:fontRef>
+            </p:style>
+            <p:txBody>
+              <a:bodyPr rtlCol="0" anchor="ctr"/>
+              <a:lstStyle/>
+              <a:p>
+                <a:pPr marL="0" marR="0" lvl="0" indent="0" algn="l" defTabSz="914400" rtl="0" eaLnBrk="1" fontAlgn="auto" latinLnBrk="0" hangingPunct="1">
+                  <a:lnSpc>
+                    <a:spcPct val="100000"/>
+                  </a:lnSpc>
+                  <a:spcBef>
+                    <a:spcPts val="0"/>
+                  </a:spcBef>
+                  <a:spcAft>
+                    <a:spcPts val="0"/>
+                  </a:spcAft>
+                  <a:buClrTx/>
+                  <a:buSzTx/>
+                  <a:buFontTx/>
+                  <a:buNone/>
+                  <a:tabLst/>
+                  <a:defRPr/>
+                </a:pPr>
+                <a:endParaRPr kumimoji="0" lang="nl-NL" sz="1800" b="0" i="0" u="none" strike="noStrike" kern="1200" cap="none" spc="0" normalizeH="0" baseline="0" noProof="0" dirty="0">
+                  <a:ln>
+                    <a:noFill/>
+                  </a:ln>
+                  <a:solidFill>
+                    <a:prstClr val="white"/>
+                  </a:solidFill>
+                  <a:effectLst/>
+                  <a:uLnTx/>
+                  <a:uFillTx/>
+                  <a:latin typeface="Calibri" panose="020F0502020204030204"/>
+                  <a:ea typeface="+mn-ea"/>
+                  <a:cs typeface="+mn-cs"/>
+                </a:endParaRPr>
+              </a:p>
+            </p:txBody>
+          </p:sp>
+        </p:grpSp>
+        <p:grpSp>
+          <p:nvGrpSpPr>
+            <p:cNvPr id="106" name="Graphic 6" descr="Database">
+              <a:extLst>
+                <a:ext uri="{FF2B5EF4-FFF2-40B4-BE49-F238E27FC236}">
+                  <a16:creationId xmlns:a16="http://schemas.microsoft.com/office/drawing/2014/main" id="{F604FD8B-7B05-4A64-A218-4FF0274E71CC}"/>
+                </a:ext>
+              </a:extLst>
+            </p:cNvPr>
+            <p:cNvGrpSpPr/>
+            <p:nvPr/>
+          </p:nvGrpSpPr>
+          <p:grpSpPr>
+            <a:xfrm>
+              <a:off x="5273700" y="2159645"/>
+              <a:ext cx="388598" cy="235243"/>
+              <a:chOff x="6399510" y="2166137"/>
+              <a:chExt cx="542925" cy="352425"/>
+            </a:xfrm>
+            <a:solidFill>
+              <a:schemeClr val="bg2"/>
+            </a:solidFill>
+          </p:grpSpPr>
+          <p:sp>
+            <p:nvSpPr>
+              <p:cNvPr id="107" name="Freeform: Shape 106">
+                <a:extLst>
+                  <a:ext uri="{FF2B5EF4-FFF2-40B4-BE49-F238E27FC236}">
+                    <a16:creationId xmlns:a16="http://schemas.microsoft.com/office/drawing/2014/main" id="{43397D3C-E474-4240-846A-D4CC42654781}"/>
+                  </a:ext>
+                </a:extLst>
+              </p:cNvPr>
+              <p:cNvSpPr/>
+              <p:nvPr/>
+            </p:nvSpPr>
+            <p:spPr>
+              <a:xfrm>
+                <a:off x="6399510" y="2166137"/>
+                <a:ext cx="542925" cy="161925"/>
+              </a:xfrm>
+              <a:custGeom>
+                <a:avLst/>
+                <a:gdLst>
+                  <a:gd name="connsiteX0" fmla="*/ 540544 w 542925"/>
+                  <a:gd name="connsiteY0" fmla="*/ 83344 h 161925"/>
+                  <a:gd name="connsiteX1" fmla="*/ 273844 w 542925"/>
+                  <a:gd name="connsiteY1" fmla="*/ 159544 h 161925"/>
+                  <a:gd name="connsiteX2" fmla="*/ 7144 w 542925"/>
+                  <a:gd name="connsiteY2" fmla="*/ 83344 h 161925"/>
+                  <a:gd name="connsiteX3" fmla="*/ 273844 w 542925"/>
+                  <a:gd name="connsiteY3" fmla="*/ 7144 h 161925"/>
+                  <a:gd name="connsiteX4" fmla="*/ 540544 w 542925"/>
+                  <a:gd name="connsiteY4" fmla="*/ 83344 h 161925"/>
+                </a:gdLst>
+                <a:ahLst/>
+                <a:cxnLst>
+                  <a:cxn ang="0">
+                    <a:pos x="connsiteX0" y="connsiteY0"/>
+                  </a:cxn>
+                  <a:cxn ang="0">
+                    <a:pos x="connsiteX1" y="connsiteY1"/>
+                  </a:cxn>
+                  <a:cxn ang="0">
+                    <a:pos x="connsiteX2" y="connsiteY2"/>
+                  </a:cxn>
+                  <a:cxn ang="0">
+                    <a:pos x="connsiteX3" y="connsiteY3"/>
+                  </a:cxn>
+                  <a:cxn ang="0">
+                    <a:pos x="connsiteX4" y="connsiteY4"/>
+                  </a:cxn>
+                </a:cxnLst>
+                <a:rect l="l" t="t" r="r" b="b"/>
+                <a:pathLst>
+                  <a:path w="542925" h="161925">
+                    <a:moveTo>
+                      <a:pt x="540544" y="83344"/>
+                    </a:moveTo>
+                    <a:cubicBezTo>
+                      <a:pt x="540544" y="125428"/>
+                      <a:pt x="421138" y="159544"/>
+                      <a:pt x="273844" y="159544"/>
+                    </a:cubicBezTo>
+                    <a:cubicBezTo>
+                      <a:pt x="126549" y="159544"/>
+                      <a:pt x="7144" y="125428"/>
+                      <a:pt x="7144" y="83344"/>
+                    </a:cubicBezTo>
+                    <a:cubicBezTo>
+                      <a:pt x="7144" y="41260"/>
+                      <a:pt x="126549" y="7144"/>
+                      <a:pt x="273844" y="7144"/>
+                    </a:cubicBezTo>
+                    <a:cubicBezTo>
+                      <a:pt x="421138" y="7144"/>
+                      <a:pt x="540544" y="41260"/>
+                      <a:pt x="540544" y="83344"/>
+                    </a:cubicBezTo>
+                    <a:close/>
+                  </a:path>
+                </a:pathLst>
+              </a:custGeom>
+              <a:ln w="3175"/>
+            </p:spPr>
+            <p:style>
+              <a:lnRef idx="2">
+                <a:schemeClr val="dk1"/>
+              </a:lnRef>
+              <a:fillRef idx="1">
+                <a:schemeClr val="lt1"/>
+              </a:fillRef>
+              <a:effectRef idx="0">
+                <a:schemeClr val="dk1"/>
+              </a:effectRef>
+              <a:fontRef idx="minor">
+                <a:schemeClr val="dk1"/>
+              </a:fontRef>
+            </p:style>
+            <p:txBody>
+              <a:bodyPr rtlCol="0" anchor="ctr"/>
+              <a:lstStyle/>
+              <a:p>
+                <a:pPr marL="0" marR="0" lvl="0" indent="0" algn="l" defTabSz="914400" rtl="0" eaLnBrk="1" fontAlgn="auto" latinLnBrk="0" hangingPunct="1">
+                  <a:lnSpc>
+                    <a:spcPct val="100000"/>
+                  </a:lnSpc>
+                  <a:spcBef>
+                    <a:spcPts val="0"/>
+                  </a:spcBef>
+                  <a:spcAft>
+                    <a:spcPts val="0"/>
+                  </a:spcAft>
+                  <a:buClrTx/>
+                  <a:buSzTx/>
+                  <a:buFontTx/>
+                  <a:buNone/>
+                  <a:tabLst/>
+                  <a:defRPr/>
+                </a:pPr>
+                <a:endParaRPr kumimoji="0" lang="nl-NL" sz="1800" b="0" i="0" u="none" strike="noStrike" kern="1200" cap="none" spc="0" normalizeH="0" baseline="0" noProof="0">
+                  <a:ln>
+                    <a:noFill/>
+                  </a:ln>
+                  <a:solidFill>
+                    <a:prstClr val="white"/>
+                  </a:solidFill>
+                  <a:effectLst/>
+                  <a:uLnTx/>
+                  <a:uFillTx/>
+                  <a:latin typeface="Calibri" panose="020F0502020204030204"/>
+                  <a:ea typeface="+mn-ea"/>
+                  <a:cs typeface="+mn-cs"/>
+                </a:endParaRPr>
+              </a:p>
+            </p:txBody>
+          </p:sp>
+          <p:sp>
+            <p:nvSpPr>
+              <p:cNvPr id="108" name="Freeform: Shape 107">
+                <a:extLst>
+                  <a:ext uri="{FF2B5EF4-FFF2-40B4-BE49-F238E27FC236}">
+                    <a16:creationId xmlns:a16="http://schemas.microsoft.com/office/drawing/2014/main" id="{4CB78EC5-13BC-4544-8076-F14F00D4B342}"/>
+                  </a:ext>
+                </a:extLst>
+              </p:cNvPr>
+              <p:cNvSpPr/>
+              <p:nvPr/>
+            </p:nvSpPr>
+            <p:spPr>
+              <a:xfrm>
+                <a:off x="6399510" y="2280437"/>
+                <a:ext cx="542925" cy="238125"/>
+              </a:xfrm>
+              <a:custGeom>
+                <a:avLst/>
+                <a:gdLst>
+                  <a:gd name="connsiteX0" fmla="*/ 464344 w 542925"/>
+                  <a:gd name="connsiteY0" fmla="*/ 159544 h 238125"/>
+                  <a:gd name="connsiteX1" fmla="*/ 445294 w 542925"/>
+                  <a:gd name="connsiteY1" fmla="*/ 140494 h 238125"/>
+                  <a:gd name="connsiteX2" fmla="*/ 464344 w 542925"/>
+                  <a:gd name="connsiteY2" fmla="*/ 121444 h 238125"/>
+                  <a:gd name="connsiteX3" fmla="*/ 483394 w 542925"/>
+                  <a:gd name="connsiteY3" fmla="*/ 140494 h 238125"/>
+                  <a:gd name="connsiteX4" fmla="*/ 464344 w 542925"/>
+                  <a:gd name="connsiteY4" fmla="*/ 159544 h 238125"/>
+                  <a:gd name="connsiteX5" fmla="*/ 273844 w 542925"/>
+                  <a:gd name="connsiteY5" fmla="*/ 83344 h 238125"/>
+                  <a:gd name="connsiteX6" fmla="*/ 7144 w 542925"/>
+                  <a:gd name="connsiteY6" fmla="*/ 7144 h 238125"/>
+                  <a:gd name="connsiteX7" fmla="*/ 7144 w 542925"/>
+                  <a:gd name="connsiteY7" fmla="*/ 159544 h 238125"/>
+                  <a:gd name="connsiteX8" fmla="*/ 273844 w 542925"/>
+                  <a:gd name="connsiteY8" fmla="*/ 235744 h 238125"/>
+                  <a:gd name="connsiteX9" fmla="*/ 540544 w 542925"/>
+                  <a:gd name="connsiteY9" fmla="*/ 159544 h 238125"/>
+                  <a:gd name="connsiteX10" fmla="*/ 540544 w 542925"/>
+                  <a:gd name="connsiteY10" fmla="*/ 7144 h 238125"/>
+                  <a:gd name="connsiteX11" fmla="*/ 273844 w 542925"/>
+                  <a:gd name="connsiteY11" fmla="*/ 83344 h 238125"/>
+                </a:gdLst>
+                <a:ahLst/>
+                <a:cxnLst>
+                  <a:cxn ang="0">
+                    <a:pos x="connsiteX0" y="connsiteY0"/>
+                  </a:cxn>
+                  <a:cxn ang="0">
+                    <a:pos x="connsiteX1" y="connsiteY1"/>
+                  </a:cxn>
+                  <a:cxn ang="0">
+                    <a:pos x="connsiteX2" y="connsiteY2"/>
+                  </a:cxn>
+                  <a:cxn ang="0">
+                    <a:pos x="connsiteX3" y="connsiteY3"/>
+                  </a:cxn>
+                  <a:cxn ang="0">
+                    <a:pos x="connsiteX4" y="connsiteY4"/>
+                  </a:cxn>
+                  <a:cxn ang="0">
+                    <a:pos x="connsiteX5" y="connsiteY5"/>
+                  </a:cxn>
+                  <a:cxn ang="0">
+                    <a:pos x="connsiteX6" y="connsiteY6"/>
+                  </a:cxn>
+                  <a:cxn ang="0">
+                    <a:pos x="connsiteX7" y="connsiteY7"/>
+                  </a:cxn>
+                  <a:cxn ang="0">
+                    <a:pos x="connsiteX8" y="connsiteY8"/>
+                  </a:cxn>
+                  <a:cxn ang="0">
+                    <a:pos x="connsiteX9" y="connsiteY9"/>
+                  </a:cxn>
+                  <a:cxn ang="0">
+                    <a:pos x="connsiteX10" y="connsiteY10"/>
+                  </a:cxn>
+                  <a:cxn ang="0">
+                    <a:pos x="connsiteX11" y="connsiteY11"/>
+                  </a:cxn>
+                </a:cxnLst>
+                <a:rect l="l" t="t" r="r" b="b"/>
+                <a:pathLst>
+                  <a:path w="542925" h="238125">
+                    <a:moveTo>
+                      <a:pt x="464344" y="159544"/>
+                    </a:moveTo>
+                    <a:cubicBezTo>
+                      <a:pt x="452914" y="159544"/>
+                      <a:pt x="445294" y="151924"/>
+                      <a:pt x="445294" y="140494"/>
+                    </a:cubicBezTo>
+                    <a:cubicBezTo>
+                      <a:pt x="445294" y="129064"/>
+                      <a:pt x="452914" y="121444"/>
+                      <a:pt x="464344" y="121444"/>
+                    </a:cubicBezTo>
+                    <a:cubicBezTo>
+                      <a:pt x="475774" y="121444"/>
+                      <a:pt x="483394" y="129064"/>
+                      <a:pt x="483394" y="140494"/>
+                    </a:cubicBezTo>
+                    <a:cubicBezTo>
+                      <a:pt x="483394" y="151924"/>
+                      <a:pt x="475774" y="159544"/>
+                      <a:pt x="464344" y="159544"/>
+                    </a:cubicBezTo>
+                    <a:close/>
+                    <a:moveTo>
+                      <a:pt x="273844" y="83344"/>
+                    </a:moveTo>
+                    <a:cubicBezTo>
+                      <a:pt x="127159" y="83344"/>
+                      <a:pt x="7144" y="49054"/>
+                      <a:pt x="7144" y="7144"/>
+                    </a:cubicBezTo>
+                    <a:lnTo>
+                      <a:pt x="7144" y="159544"/>
+                    </a:lnTo>
+                    <a:cubicBezTo>
+                      <a:pt x="7144" y="201454"/>
+                      <a:pt x="127159" y="235744"/>
+                      <a:pt x="273844" y="235744"/>
+                    </a:cubicBezTo>
+                    <a:cubicBezTo>
+                      <a:pt x="420529" y="235744"/>
+                      <a:pt x="540544" y="201454"/>
+                      <a:pt x="540544" y="159544"/>
+                    </a:cubicBezTo>
+                    <a:lnTo>
+                      <a:pt x="540544" y="7144"/>
+                    </a:lnTo>
+                    <a:cubicBezTo>
+                      <a:pt x="540544" y="49054"/>
+                      <a:pt x="420529" y="83344"/>
+                      <a:pt x="273844" y="83344"/>
+                    </a:cubicBezTo>
+                    <a:close/>
+                  </a:path>
+                </a:pathLst>
+              </a:custGeom>
+              <a:ln w="3175"/>
+            </p:spPr>
+            <p:style>
+              <a:lnRef idx="2">
+                <a:schemeClr val="dk1"/>
+              </a:lnRef>
+              <a:fillRef idx="1">
+                <a:schemeClr val="lt1"/>
+              </a:fillRef>
+              <a:effectRef idx="0">
+                <a:schemeClr val="dk1"/>
+              </a:effectRef>
+              <a:fontRef idx="minor">
+                <a:schemeClr val="dk1"/>
+              </a:fontRef>
+            </p:style>
+            <p:txBody>
+              <a:bodyPr rtlCol="0" anchor="ctr"/>
+              <a:lstStyle/>
+              <a:p>
+                <a:pPr marL="0" marR="0" lvl="0" indent="0" algn="l" defTabSz="914400" rtl="0" eaLnBrk="1" fontAlgn="auto" latinLnBrk="0" hangingPunct="1">
+                  <a:lnSpc>
+                    <a:spcPct val="100000"/>
+                  </a:lnSpc>
+                  <a:spcBef>
+                    <a:spcPts val="0"/>
+                  </a:spcBef>
+                  <a:spcAft>
+                    <a:spcPts val="0"/>
+                  </a:spcAft>
+                  <a:buClrTx/>
+                  <a:buSzTx/>
+                  <a:buFontTx/>
+                  <a:buNone/>
+                  <a:tabLst/>
+                  <a:defRPr/>
+                </a:pPr>
+                <a:endParaRPr kumimoji="0" lang="nl-NL" sz="1800" b="0" i="0" u="none" strike="noStrike" kern="1200" cap="none" spc="0" normalizeH="0" baseline="0" noProof="0" dirty="0">
+                  <a:ln>
+                    <a:noFill/>
+                  </a:ln>
+                  <a:solidFill>
+                    <a:prstClr val="white"/>
+                  </a:solidFill>
+                  <a:effectLst/>
+                  <a:uLnTx/>
+                  <a:uFillTx/>
+                  <a:latin typeface="Calibri" panose="020F0502020204030204"/>
+                  <a:ea typeface="+mn-ea"/>
+                  <a:cs typeface="+mn-cs"/>
+                </a:endParaRPr>
+              </a:p>
+            </p:txBody>
+          </p:sp>
+        </p:grpSp>
+      </p:grpSp>
+      <p:cxnSp>
+        <p:nvCxnSpPr>
+          <p:cNvPr id="109" name="Connector: Elbow 108">
+            <a:extLst>
+              <a:ext uri="{FF2B5EF4-FFF2-40B4-BE49-F238E27FC236}">
+                <a16:creationId xmlns:a16="http://schemas.microsoft.com/office/drawing/2014/main" id="{7511193B-25AD-43D3-A4CC-D08B7F91D6E1}"/>
+              </a:ext>
+            </a:extLst>
+          </p:cNvPr>
+          <p:cNvCxnSpPr>
+            <a:cxnSpLocks/>
+            <a:stCxn id="87" idx="3"/>
+          </p:cNvCxnSpPr>
+          <p:nvPr/>
+        </p:nvCxnSpPr>
+        <p:spPr>
+          <a:xfrm flipV="1">
+            <a:off x="4948106" y="3375478"/>
+            <a:ext cx="495467" cy="2074860"/>
+          </a:xfrm>
+          <a:prstGeom prst="bentConnector2">
+            <a:avLst/>
+          </a:prstGeom>
+          <a:ln>
+            <a:tailEnd type="triangle"/>
+          </a:ln>
+        </p:spPr>
+        <p:style>
+          <a:lnRef idx="1">
+            <a:schemeClr val="accent1"/>
+          </a:lnRef>
+          <a:fillRef idx="0">
+            <a:schemeClr val="accent1"/>
+          </a:fillRef>
+          <a:effectRef idx="0">
+            <a:schemeClr val="accent1"/>
+          </a:effectRef>
+          <a:fontRef idx="minor">
+            <a:schemeClr val="tx1"/>
+          </a:fontRef>
+        </p:style>
+      </p:cxnSp>
+      <p:cxnSp>
+        <p:nvCxnSpPr>
+          <p:cNvPr id="42" name="Connector: Elbow 41">
+            <a:extLst>
+              <a:ext uri="{FF2B5EF4-FFF2-40B4-BE49-F238E27FC236}">
+                <a16:creationId xmlns:a16="http://schemas.microsoft.com/office/drawing/2014/main" id="{81BB16C6-AD54-41D8-A8AD-56B461F70EBF}"/>
+              </a:ext>
+            </a:extLst>
+          </p:cNvPr>
+          <p:cNvCxnSpPr>
+            <a:cxnSpLocks/>
+            <a:stCxn id="73" idx="3"/>
+          </p:cNvCxnSpPr>
+          <p:nvPr/>
+        </p:nvCxnSpPr>
+        <p:spPr>
+          <a:xfrm flipV="1">
+            <a:off x="4948105" y="3941759"/>
+            <a:ext cx="495468" cy="1923149"/>
+          </a:xfrm>
+          <a:prstGeom prst="bentConnector2">
+            <a:avLst/>
+          </a:prstGeom>
+        </p:spPr>
+        <p:style>
+          <a:lnRef idx="1">
+            <a:schemeClr val="accent1"/>
+          </a:lnRef>
+          <a:fillRef idx="0">
+            <a:schemeClr val="accent1"/>
+          </a:fillRef>
+          <a:effectRef idx="0">
+            <a:schemeClr val="accent1"/>
+          </a:effectRef>
+          <a:fontRef idx="minor">
+            <a:schemeClr val="tx1"/>
+          </a:fontRef>
+        </p:style>
+      </p:cxnSp>
+      <p:sp>
+        <p:nvSpPr>
+          <p:cNvPr id="128" name="TextBox 127">
+            <a:extLst>
+              <a:ext uri="{FF2B5EF4-FFF2-40B4-BE49-F238E27FC236}">
+                <a16:creationId xmlns:a16="http://schemas.microsoft.com/office/drawing/2014/main" id="{5104D790-9DD9-4A7C-95EF-2BFBDD325F9B}"/>
+              </a:ext>
+            </a:extLst>
+          </p:cNvPr>
+          <p:cNvSpPr txBox="1"/>
+          <p:nvPr/>
+        </p:nvSpPr>
+        <p:spPr>
+          <a:xfrm>
+            <a:off x="1935109" y="356112"/>
+            <a:ext cx="2871598" cy="414570"/>
+          </a:xfrm>
+          <a:prstGeom prst="rect">
+            <a:avLst/>
+          </a:prstGeom>
+        </p:spPr>
+        <p:txBody>
+          <a:bodyPr wrap="none" rtlCol="0">
+            <a:normAutofit/>
+          </a:bodyPr>
+          <a:lstStyle/>
+          <a:p>
+            <a:pPr algn="ctr"/>
+            <a:r>
+              <a:rPr lang="en-US" sz="2000" b="1" dirty="0">
+                <a:solidFill>
+                  <a:schemeClr val="bg1"/>
+                </a:solidFill>
+              </a:rPr>
+              <a:t>Pre-Simulation</a:t>
+            </a:r>
+            <a:endParaRPr lang="en-US" sz="2400" b="1" dirty="0">
+              <a:solidFill>
+                <a:schemeClr val="bg1"/>
+              </a:solidFill>
+            </a:endParaRPr>
+          </a:p>
+        </p:txBody>
+      </p:sp>
+      <p:grpSp>
+        <p:nvGrpSpPr>
+          <p:cNvPr id="48" name="Group 47">
+            <a:extLst>
+              <a:ext uri="{FF2B5EF4-FFF2-40B4-BE49-F238E27FC236}">
+                <a16:creationId xmlns:a16="http://schemas.microsoft.com/office/drawing/2014/main" id="{A1646893-367C-48D1-9972-B977C8E81EBB}"/>
+              </a:ext>
+            </a:extLst>
+          </p:cNvPr>
+          <p:cNvGrpSpPr/>
+          <p:nvPr/>
+        </p:nvGrpSpPr>
+        <p:grpSpPr>
+          <a:xfrm>
+            <a:off x="8086841" y="1367582"/>
+            <a:ext cx="2889017" cy="1748833"/>
+            <a:chOff x="6224136" y="2258941"/>
+            <a:chExt cx="2889017" cy="1748833"/>
+          </a:xfrm>
+        </p:grpSpPr>
+        <p:sp>
+          <p:nvSpPr>
+            <p:cNvPr id="136" name="TextBox 135">
+              <a:extLst>
+                <a:ext uri="{FF2B5EF4-FFF2-40B4-BE49-F238E27FC236}">
+                  <a16:creationId xmlns:a16="http://schemas.microsoft.com/office/drawing/2014/main" id="{FB0A508E-839C-43ED-83CA-09E27AADE3EF}"/>
+                </a:ext>
+              </a:extLst>
+            </p:cNvPr>
+            <p:cNvSpPr txBox="1"/>
+            <p:nvPr/>
+          </p:nvSpPr>
+          <p:spPr>
+            <a:xfrm>
+              <a:off x="6224136" y="2258941"/>
+              <a:ext cx="2871598" cy="414570"/>
+            </a:xfrm>
+            <a:prstGeom prst="rect">
+              <a:avLst/>
+            </a:prstGeom>
+          </p:spPr>
+          <p:txBody>
+            <a:bodyPr wrap="none" rtlCol="0">
+              <a:normAutofit/>
+            </a:bodyPr>
+            <a:lstStyle/>
+            <a:p>
+              <a:pPr algn="ctr"/>
+              <a:r>
+                <a:rPr lang="en-US" sz="1600" b="1" dirty="0">
+                  <a:solidFill>
+                    <a:schemeClr val="bg1"/>
+                  </a:solidFill>
+                </a:rPr>
+                <a:t>Data processing</a:t>
+              </a:r>
+              <a:endParaRPr lang="en-US" b="1" dirty="0">
+                <a:solidFill>
+                  <a:schemeClr val="bg1"/>
+                </a:solidFill>
+              </a:endParaRPr>
+            </a:p>
+          </p:txBody>
+        </p:sp>
+        <p:grpSp>
+          <p:nvGrpSpPr>
+            <p:cNvPr id="47" name="Group 46">
+              <a:extLst>
+                <a:ext uri="{FF2B5EF4-FFF2-40B4-BE49-F238E27FC236}">
+                  <a16:creationId xmlns:a16="http://schemas.microsoft.com/office/drawing/2014/main" id="{E40C967D-CC3E-480A-BBCD-3A50A70BE138}"/>
+                </a:ext>
+              </a:extLst>
+            </p:cNvPr>
+            <p:cNvGrpSpPr/>
+            <p:nvPr/>
+          </p:nvGrpSpPr>
+          <p:grpSpPr>
+            <a:xfrm>
+              <a:off x="6241555" y="2645489"/>
+              <a:ext cx="2871598" cy="1362285"/>
+              <a:chOff x="6241555" y="3089989"/>
+              <a:chExt cx="2871598" cy="1362285"/>
+            </a:xfrm>
+          </p:grpSpPr>
+          <p:sp>
+            <p:nvSpPr>
+              <p:cNvPr id="129" name="TextBox 128">
+                <a:extLst>
+                  <a:ext uri="{FF2B5EF4-FFF2-40B4-BE49-F238E27FC236}">
+                    <a16:creationId xmlns:a16="http://schemas.microsoft.com/office/drawing/2014/main" id="{AC19DF7A-4CD7-4ADB-9383-5470AC5C1BF9}"/>
+                  </a:ext>
+                </a:extLst>
+              </p:cNvPr>
+              <p:cNvSpPr txBox="1"/>
+              <p:nvPr/>
+            </p:nvSpPr>
+            <p:spPr>
+              <a:xfrm>
+                <a:off x="6241555" y="4037704"/>
+                <a:ext cx="2871598" cy="414570"/>
+              </a:xfrm>
+              <a:prstGeom prst="rect">
+                <a:avLst/>
+              </a:prstGeom>
+            </p:spPr>
+            <p:txBody>
+              <a:bodyPr wrap="none" rtlCol="0">
+                <a:normAutofit/>
+              </a:bodyPr>
+              <a:lstStyle/>
+              <a:p>
+                <a:pPr algn="ctr"/>
+                <a:r>
+                  <a:rPr lang="en-US" sz="1200" dirty="0">
+                    <a:solidFill>
+                      <a:schemeClr val="bg1"/>
+                    </a:solidFill>
+                  </a:rPr>
+                  <a:t>Coefficient generator</a:t>
+                </a:r>
+                <a:endParaRPr lang="en-US" sz="1400" dirty="0">
+                  <a:solidFill>
+                    <a:schemeClr val="bg1"/>
+                  </a:solidFill>
+                </a:endParaRPr>
+              </a:p>
+            </p:txBody>
+          </p:sp>
+          <p:pic>
+            <p:nvPicPr>
+              <p:cNvPr id="131" name="Graphic 130" descr="Server">
+                <a:extLst>
+                  <a:ext uri="{FF2B5EF4-FFF2-40B4-BE49-F238E27FC236}">
+                    <a16:creationId xmlns:a16="http://schemas.microsoft.com/office/drawing/2014/main" id="{4E11ACEC-E649-4705-9C11-5833792FA452}"/>
+                  </a:ext>
+                </a:extLst>
+              </p:cNvPr>
+              <p:cNvPicPr>
+                <a:picLocks noChangeAspect="1"/>
+              </p:cNvPicPr>
+              <p:nvPr/>
+            </p:nvPicPr>
+            <p:blipFill>
+              <a:blip r:embed="rId12">
+                <a:extLst>
+                  <a:ext uri="{28A0092B-C50C-407E-A947-70E740481C1C}">
+                    <a14:useLocalDpi xmlns:a14="http://schemas.microsoft.com/office/drawing/2010/main" val="0"/>
+                  </a:ext>
+                  <a:ext uri="{96DAC541-7B7A-43D3-8B79-37D633B846F1}">
+                    <asvg:svgBlip xmlns:asvg="http://schemas.microsoft.com/office/drawing/2016/SVG/main" r:embed="rId13"/>
+                  </a:ext>
+                </a:extLst>
+              </a:blip>
+              <a:stretch>
+                <a:fillRect/>
+              </a:stretch>
+            </p:blipFill>
+            <p:spPr>
+              <a:xfrm>
+                <a:off x="7410410" y="3687536"/>
+                <a:ext cx="378228" cy="378228"/>
+              </a:xfrm>
+              <a:prstGeom prst="rect">
+                <a:avLst/>
+              </a:prstGeom>
+            </p:spPr>
+          </p:pic>
+          <p:sp>
+            <p:nvSpPr>
+              <p:cNvPr id="134" name="TextBox 133">
+                <a:extLst>
+                  <a:ext uri="{FF2B5EF4-FFF2-40B4-BE49-F238E27FC236}">
+                    <a16:creationId xmlns:a16="http://schemas.microsoft.com/office/drawing/2014/main" id="{1CD0A895-AAB4-4A62-BBB3-029801EE5133}"/>
+                  </a:ext>
+                </a:extLst>
+              </p:cNvPr>
+              <p:cNvSpPr txBox="1"/>
+              <p:nvPr/>
+            </p:nvSpPr>
+            <p:spPr>
+              <a:xfrm>
+                <a:off x="6986337" y="3452042"/>
+                <a:ext cx="1226374" cy="292827"/>
+              </a:xfrm>
+              <a:prstGeom prst="rect">
+                <a:avLst/>
+              </a:prstGeom>
+            </p:spPr>
+            <p:txBody>
+              <a:bodyPr wrap="none" rtlCol="0">
+                <a:normAutofit/>
+              </a:bodyPr>
+              <a:lstStyle/>
+              <a:p>
+                <a:r>
+                  <a:rPr lang="en-US" sz="1200" b="1" dirty="0">
+                    <a:solidFill>
+                      <a:schemeClr val="bg1"/>
+                    </a:solidFill>
+                  </a:rPr>
+                  <a:t>Python / GAMS</a:t>
+                </a:r>
+                <a:endParaRPr lang="en-US" sz="1400" b="1" dirty="0">
+                  <a:solidFill>
+                    <a:schemeClr val="bg1"/>
+                  </a:solidFill>
+                </a:endParaRPr>
+              </a:p>
+            </p:txBody>
+          </p:sp>
+          <p:pic>
+            <p:nvPicPr>
+              <p:cNvPr id="137" name="Graphic 136" descr="Web design">
+                <a:extLst>
+                  <a:ext uri="{FF2B5EF4-FFF2-40B4-BE49-F238E27FC236}">
+                    <a16:creationId xmlns:a16="http://schemas.microsoft.com/office/drawing/2014/main" id="{26CACC58-9331-492E-83C2-19F3E895CA01}"/>
+                  </a:ext>
+                </a:extLst>
+              </p:cNvPr>
+              <p:cNvPicPr>
+                <a:picLocks noChangeAspect="1"/>
+              </p:cNvPicPr>
+              <p:nvPr/>
+            </p:nvPicPr>
+            <p:blipFill>
+              <a:blip r:embed="rId4">
+                <a:extLst>
+                  <a:ext uri="{28A0092B-C50C-407E-A947-70E740481C1C}">
+                    <a14:useLocalDpi xmlns:a14="http://schemas.microsoft.com/office/drawing/2010/main" val="0"/>
+                  </a:ext>
+                  <a:ext uri="{96DAC541-7B7A-43D3-8B79-37D633B846F1}">
+                    <asvg:svgBlip xmlns:asvg="http://schemas.microsoft.com/office/drawing/2016/SVG/main" r:embed="rId5"/>
+                  </a:ext>
+                </a:extLst>
+              </a:blip>
+              <a:stretch>
+                <a:fillRect/>
+              </a:stretch>
+            </p:blipFill>
+            <p:spPr>
+              <a:xfrm>
+                <a:off x="7410410" y="3089989"/>
+                <a:ext cx="379432" cy="379432"/>
+              </a:xfrm>
+              <a:prstGeom prst="rect">
+                <a:avLst/>
+              </a:prstGeom>
+            </p:spPr>
+          </p:pic>
+        </p:grpSp>
+        <p:sp>
+          <p:nvSpPr>
+            <p:cNvPr id="138" name="Rectangle 137">
+              <a:extLst>
+                <a:ext uri="{FF2B5EF4-FFF2-40B4-BE49-F238E27FC236}">
+                  <a16:creationId xmlns:a16="http://schemas.microsoft.com/office/drawing/2014/main" id="{3650375C-C362-435A-B617-DF48344E0B1B}"/>
+                </a:ext>
+              </a:extLst>
+            </p:cNvPr>
+            <p:cNvSpPr/>
+            <p:nvPr/>
+          </p:nvSpPr>
+          <p:spPr>
+            <a:xfrm>
+              <a:off x="6653069" y="2572811"/>
+              <a:ext cx="1999739" cy="1434963"/>
+            </a:xfrm>
+            <a:prstGeom prst="rect">
+              <a:avLst/>
+            </a:prstGeom>
+            <a:noFill/>
+            <a:ln w="6350"/>
+          </p:spPr>
+          <p:style>
+            <a:lnRef idx="2">
+              <a:schemeClr val="accent1">
+                <a:shade val="50000"/>
+              </a:schemeClr>
+            </a:lnRef>
+            <a:fillRef idx="1">
+              <a:schemeClr val="accent1"/>
+            </a:fillRef>
+            <a:effectRef idx="0">
+              <a:schemeClr val="accent1"/>
+            </a:effectRef>
+            <a:fontRef idx="minor">
+              <a:schemeClr val="lt1"/>
+            </a:fontRef>
+          </p:style>
+          <p:txBody>
+            <a:bodyPr rtlCol="0" anchor="ctr"/>
+            <a:lstStyle/>
+            <a:p>
+              <a:pPr algn="ctr"/>
+              <a:endParaRPr lang="en-US"/>
+            </a:p>
+          </p:txBody>
+        </p:sp>
+      </p:grpSp>
+      <p:sp>
+        <p:nvSpPr>
+          <p:cNvPr id="144" name="TextBox 143">
+            <a:extLst>
+              <a:ext uri="{FF2B5EF4-FFF2-40B4-BE49-F238E27FC236}">
+                <a16:creationId xmlns:a16="http://schemas.microsoft.com/office/drawing/2014/main" id="{EAEEB2E7-645D-49ED-ABD9-6D950720770B}"/>
+              </a:ext>
+            </a:extLst>
+          </p:cNvPr>
+          <p:cNvSpPr txBox="1"/>
+          <p:nvPr/>
+        </p:nvSpPr>
+        <p:spPr>
+          <a:xfrm>
+            <a:off x="8124941" y="5662822"/>
+            <a:ext cx="2871598" cy="414570"/>
+          </a:xfrm>
+          <a:prstGeom prst="rect">
+            <a:avLst/>
+          </a:prstGeom>
+        </p:spPr>
+        <p:txBody>
+          <a:bodyPr wrap="none" rtlCol="0">
+            <a:normAutofit/>
+          </a:bodyPr>
+          <a:lstStyle/>
+          <a:p>
+            <a:pPr algn="ctr"/>
+            <a:r>
+              <a:rPr lang="en-US" sz="1200" dirty="0" err="1">
+                <a:solidFill>
+                  <a:schemeClr val="bg1"/>
+                </a:solidFill>
+              </a:rPr>
+              <a:t>FarmDyn</a:t>
+            </a:r>
+            <a:r>
+              <a:rPr lang="en-US" sz="1200" dirty="0">
+                <a:solidFill>
+                  <a:schemeClr val="bg1"/>
+                </a:solidFill>
+              </a:rPr>
+              <a:t> simulation</a:t>
+            </a:r>
+            <a:endParaRPr lang="en-US" sz="1400" dirty="0">
+              <a:solidFill>
+                <a:schemeClr val="bg1"/>
+              </a:solidFill>
+            </a:endParaRPr>
+          </a:p>
+        </p:txBody>
+      </p:sp>
+      <p:sp>
+        <p:nvSpPr>
+          <p:cNvPr id="147" name="TextBox 146">
+            <a:extLst>
+              <a:ext uri="{FF2B5EF4-FFF2-40B4-BE49-F238E27FC236}">
+                <a16:creationId xmlns:a16="http://schemas.microsoft.com/office/drawing/2014/main" id="{1AC3629E-04CC-4252-95C9-73FEE59DC5BE}"/>
+              </a:ext>
+            </a:extLst>
+          </p:cNvPr>
+          <p:cNvSpPr txBox="1"/>
+          <p:nvPr/>
+        </p:nvSpPr>
+        <p:spPr>
+          <a:xfrm>
+            <a:off x="8115002" y="356111"/>
+            <a:ext cx="2871598" cy="414570"/>
+          </a:xfrm>
+          <a:prstGeom prst="rect">
+            <a:avLst/>
+          </a:prstGeom>
+        </p:spPr>
+        <p:txBody>
+          <a:bodyPr wrap="none" rtlCol="0">
+            <a:normAutofit/>
+          </a:bodyPr>
+          <a:lstStyle/>
+          <a:p>
+            <a:pPr algn="ctr"/>
+            <a:r>
+              <a:rPr lang="en-US" sz="2000" b="1" dirty="0">
+                <a:solidFill>
+                  <a:schemeClr val="bg1"/>
+                </a:solidFill>
+              </a:rPr>
+              <a:t>Simulation</a:t>
+            </a:r>
+            <a:endParaRPr lang="en-US" sz="2400" b="1" dirty="0">
+              <a:solidFill>
+                <a:schemeClr val="bg1"/>
+              </a:solidFill>
+            </a:endParaRPr>
+          </a:p>
+        </p:txBody>
+      </p:sp>
+      <p:cxnSp>
+        <p:nvCxnSpPr>
+          <p:cNvPr id="148" name="Straight Arrow Connector 147">
+            <a:extLst>
+              <a:ext uri="{FF2B5EF4-FFF2-40B4-BE49-F238E27FC236}">
+                <a16:creationId xmlns:a16="http://schemas.microsoft.com/office/drawing/2014/main" id="{DE816507-FC19-430F-A2F4-E3558D16CD40}"/>
+              </a:ext>
+            </a:extLst>
+          </p:cNvPr>
+          <p:cNvCxnSpPr>
+            <a:cxnSpLocks/>
+            <a:stCxn id="138" idx="2"/>
+          </p:cNvCxnSpPr>
+          <p:nvPr/>
+        </p:nvCxnSpPr>
+        <p:spPr>
+          <a:xfrm>
+            <a:off x="9515644" y="3116415"/>
+            <a:ext cx="0" cy="1058976"/>
+          </a:xfrm>
+          <a:prstGeom prst="straightConnector1">
+            <a:avLst/>
+          </a:prstGeom>
+          <a:ln>
+            <a:tailEnd type="triangle"/>
+          </a:ln>
+        </p:spPr>
+        <p:style>
+          <a:lnRef idx="1">
+            <a:schemeClr val="dk1"/>
+          </a:lnRef>
+          <a:fillRef idx="0">
+            <a:schemeClr val="dk1"/>
+          </a:fillRef>
+          <a:effectRef idx="0">
+            <a:schemeClr val="dk1"/>
+          </a:effectRef>
+          <a:fontRef idx="minor">
+            <a:schemeClr val="tx1"/>
+          </a:fontRef>
+        </p:style>
+      </p:cxnSp>
+      <p:cxnSp>
+        <p:nvCxnSpPr>
+          <p:cNvPr id="153" name="Straight Arrow Connector 152">
+            <a:extLst>
+              <a:ext uri="{FF2B5EF4-FFF2-40B4-BE49-F238E27FC236}">
+                <a16:creationId xmlns:a16="http://schemas.microsoft.com/office/drawing/2014/main" id="{DF395898-1B5D-4B7E-8689-C0AB33E157E6}"/>
+              </a:ext>
+            </a:extLst>
+          </p:cNvPr>
+          <p:cNvCxnSpPr>
+            <a:cxnSpLocks/>
+          </p:cNvCxnSpPr>
+          <p:nvPr/>
+        </p:nvCxnSpPr>
+        <p:spPr>
+          <a:xfrm>
+            <a:off x="2483141" y="2247619"/>
+            <a:ext cx="1337041" cy="0"/>
+          </a:xfrm>
+          <a:prstGeom prst="straightConnector1">
+            <a:avLst/>
+          </a:prstGeom>
+          <a:ln>
+            <a:tailEnd type="triangle"/>
+          </a:ln>
+        </p:spPr>
+        <p:style>
+          <a:lnRef idx="1">
+            <a:schemeClr val="dk1"/>
+          </a:lnRef>
+          <a:fillRef idx="0">
+            <a:schemeClr val="dk1"/>
+          </a:fillRef>
+          <a:effectRef idx="0">
+            <a:schemeClr val="dk1"/>
+          </a:effectRef>
+          <a:fontRef idx="minor">
+            <a:schemeClr val="tx1"/>
+          </a:fontRef>
+        </p:style>
+      </p:cxnSp>
+    </p:spTree>
+    <p:extLst>
+      <p:ext uri="{BB962C8B-B14F-4D97-AF65-F5344CB8AC3E}">
+        <p14:creationId xmlns:p14="http://schemas.microsoft.com/office/powerpoint/2010/main" val="2690608514"/>
+      </p:ext>
+    </p:extLst>
+  </p:cSld>
+  <p:clrMapOvr>
+    <a:masterClrMapping/>
+  </p:clrMapOvr>
+</p:sld>
+</file>
+
 <file path=ppt/theme/theme1.xml><?xml version="1.0" encoding="utf-8"?>
 <a:theme xmlns:a="http://schemas.openxmlformats.org/drawingml/2006/main" name="Office Theme">
   <a:themeElements>
